--- a/Slides/Lesson 19 HW - Function with Data Types.pptx
+++ b/Slides/Lesson 19 HW - Function with Data Types.pptx
@@ -1,25 +1,28 @@
 
 <file path=ppt/presentation.xml><?xml version="1.0" encoding="utf-8"?>
-<p:presentation xmlns:a="http://schemas.openxmlformats.org/drawingml/2006/main" xmlns:r="http://schemas.openxmlformats.org/officeDocument/2006/relationships" xmlns:mc="http://schemas.openxmlformats.org/markup-compatibility/2006" xmlns:mv="urn:schemas-microsoft-com:mac:vml" xmlns:p="http://schemas.openxmlformats.org/presentationml/2006/main" xmlns:c="http://schemas.openxmlformats.org/drawingml/2006/chart" xmlns:dgm="http://schemas.openxmlformats.org/drawingml/2006/diagram" xmlns:o="urn:schemas-microsoft-com:office:office" xmlns:v="urn:schemas-microsoft-com:vml" xmlns:pvml="urn:schemas-microsoft-com:office:powerpoint" xmlns:com="http://schemas.openxmlformats.org/drawingml/2006/compatibility" xmlns:p14="http://schemas.microsoft.com/office/powerpoint/2010/main" xmlns:p15="http://schemas.microsoft.com/office/powerpoint/2012/main" xmlns:ahyp="http://schemas.microsoft.com/office/drawing/2018/hyperlinkcolor" autoCompressPictures="0" strictFirstAndLastChars="0" saveSubsetFonts="1">
+<p:presentation xmlns:a="http://schemas.openxmlformats.org/drawingml/2006/main" xmlns:r="http://schemas.openxmlformats.org/officeDocument/2006/relationships" xmlns:p="http://schemas.openxmlformats.org/presentationml/2006/main" strictFirstAndLastChars="0" saveSubsetFonts="1" autoCompressPictures="0">
   <p:sldMasterIdLst>
-    <p:sldMasterId id="2147483659" r:id="rId4"/>
+    <p:sldMasterId id="2147483659" r:id="rId1"/>
   </p:sldMasterIdLst>
   <p:notesMasterIdLst>
-    <p:notesMasterId r:id="rId5"/>
+    <p:notesMasterId r:id="rId12"/>
   </p:notesMasterIdLst>
   <p:sldIdLst>
-    <p:sldId id="256" r:id="rId6"/>
-    <p:sldId id="257" r:id="rId7"/>
-    <p:sldId id="258" r:id="rId8"/>
-    <p:sldId id="259" r:id="rId9"/>
-    <p:sldId id="260" r:id="rId10"/>
-    <p:sldId id="261" r:id="rId11"/>
-    <p:sldId id="262" r:id="rId12"/>
+    <p:sldId id="256" r:id="rId2"/>
+    <p:sldId id="257" r:id="rId3"/>
+    <p:sldId id="258" r:id="rId4"/>
+    <p:sldId id="259" r:id="rId5"/>
+    <p:sldId id="260" r:id="rId6"/>
+    <p:sldId id="261" r:id="rId7"/>
+    <p:sldId id="262" r:id="rId8"/>
+    <p:sldId id="263" r:id="rId9"/>
+    <p:sldId id="264" r:id="rId10"/>
+    <p:sldId id="265" r:id="rId11"/>
   </p:sldIdLst>
-  <p:sldSz cy="5143500" cx="9144000"/>
+  <p:sldSz cx="9144000" cy="5143500" type="screen16x9"/>
   <p:notesSz cx="6858000" cy="9144000"/>
   <p:defaultTextStyle>
-    <a:defPPr lvl="0" marR="0" rtl="0" algn="l">
+    <a:defPPr marR="0" lvl="0" algn="l" rtl="0">
       <a:lnSpc>
         <a:spcPct val="100000"/>
       </a:lnSpc>
@@ -30,7 +33,7 @@
         <a:spcPts val="0"/>
       </a:spcAft>
     </a:defPPr>
-    <a:lvl1pPr lvl="0" marR="0" rtl="0" algn="l">
+    <a:lvl1pPr marR="0" lvl="0" algn="l" rtl="0">
       <a:lnSpc>
         <a:spcPct val="100000"/>
       </a:lnSpc>
@@ -44,7 +47,7 @@
         <a:srgbClr val="000000"/>
       </a:buClr>
       <a:buFont typeface="Arial"/>
-      <a:defRPr b="0" i="0" sz="1400" u="none" cap="none" strike="noStrike">
+      <a:defRPr sz="1400" b="0" i="0" u="none" strike="noStrike" cap="none">
         <a:solidFill>
           <a:srgbClr val="000000"/>
         </a:solidFill>
@@ -54,7 +57,7 @@
         <a:sym typeface="Arial"/>
       </a:defRPr>
     </a:lvl1pPr>
-    <a:lvl2pPr lvl="1" marR="0" rtl="0" algn="l">
+    <a:lvl2pPr marR="0" lvl="1" algn="l" rtl="0">
       <a:lnSpc>
         <a:spcPct val="100000"/>
       </a:lnSpc>
@@ -68,7 +71,7 @@
         <a:srgbClr val="000000"/>
       </a:buClr>
       <a:buFont typeface="Arial"/>
-      <a:defRPr b="0" i="0" sz="1400" u="none" cap="none" strike="noStrike">
+      <a:defRPr sz="1400" b="0" i="0" u="none" strike="noStrike" cap="none">
         <a:solidFill>
           <a:srgbClr val="000000"/>
         </a:solidFill>
@@ -78,7 +81,7 @@
         <a:sym typeface="Arial"/>
       </a:defRPr>
     </a:lvl2pPr>
-    <a:lvl3pPr lvl="2" marR="0" rtl="0" algn="l">
+    <a:lvl3pPr marR="0" lvl="2" algn="l" rtl="0">
       <a:lnSpc>
         <a:spcPct val="100000"/>
       </a:lnSpc>
@@ -92,7 +95,7 @@
         <a:srgbClr val="000000"/>
       </a:buClr>
       <a:buFont typeface="Arial"/>
-      <a:defRPr b="0" i="0" sz="1400" u="none" cap="none" strike="noStrike">
+      <a:defRPr sz="1400" b="0" i="0" u="none" strike="noStrike" cap="none">
         <a:solidFill>
           <a:srgbClr val="000000"/>
         </a:solidFill>
@@ -102,7 +105,7 @@
         <a:sym typeface="Arial"/>
       </a:defRPr>
     </a:lvl3pPr>
-    <a:lvl4pPr lvl="3" marR="0" rtl="0" algn="l">
+    <a:lvl4pPr marR="0" lvl="3" algn="l" rtl="0">
       <a:lnSpc>
         <a:spcPct val="100000"/>
       </a:lnSpc>
@@ -116,7 +119,7 @@
         <a:srgbClr val="000000"/>
       </a:buClr>
       <a:buFont typeface="Arial"/>
-      <a:defRPr b="0" i="0" sz="1400" u="none" cap="none" strike="noStrike">
+      <a:defRPr sz="1400" b="0" i="0" u="none" strike="noStrike" cap="none">
         <a:solidFill>
           <a:srgbClr val="000000"/>
         </a:solidFill>
@@ -126,7 +129,7 @@
         <a:sym typeface="Arial"/>
       </a:defRPr>
     </a:lvl4pPr>
-    <a:lvl5pPr lvl="4" marR="0" rtl="0" algn="l">
+    <a:lvl5pPr marR="0" lvl="4" algn="l" rtl="0">
       <a:lnSpc>
         <a:spcPct val="100000"/>
       </a:lnSpc>
@@ -140,7 +143,7 @@
         <a:srgbClr val="000000"/>
       </a:buClr>
       <a:buFont typeface="Arial"/>
-      <a:defRPr b="0" i="0" sz="1400" u="none" cap="none" strike="noStrike">
+      <a:defRPr sz="1400" b="0" i="0" u="none" strike="noStrike" cap="none">
         <a:solidFill>
           <a:srgbClr val="000000"/>
         </a:solidFill>
@@ -150,7 +153,7 @@
         <a:sym typeface="Arial"/>
       </a:defRPr>
     </a:lvl5pPr>
-    <a:lvl6pPr lvl="5" marR="0" rtl="0" algn="l">
+    <a:lvl6pPr marR="0" lvl="5" algn="l" rtl="0">
       <a:lnSpc>
         <a:spcPct val="100000"/>
       </a:lnSpc>
@@ -164,7 +167,7 @@
         <a:srgbClr val="000000"/>
       </a:buClr>
       <a:buFont typeface="Arial"/>
-      <a:defRPr b="0" i="0" sz="1400" u="none" cap="none" strike="noStrike">
+      <a:defRPr sz="1400" b="0" i="0" u="none" strike="noStrike" cap="none">
         <a:solidFill>
           <a:srgbClr val="000000"/>
         </a:solidFill>
@@ -174,7 +177,7 @@
         <a:sym typeface="Arial"/>
       </a:defRPr>
     </a:lvl6pPr>
-    <a:lvl7pPr lvl="6" marR="0" rtl="0" algn="l">
+    <a:lvl7pPr marR="0" lvl="6" algn="l" rtl="0">
       <a:lnSpc>
         <a:spcPct val="100000"/>
       </a:lnSpc>
@@ -188,7 +191,7 @@
         <a:srgbClr val="000000"/>
       </a:buClr>
       <a:buFont typeface="Arial"/>
-      <a:defRPr b="0" i="0" sz="1400" u="none" cap="none" strike="noStrike">
+      <a:defRPr sz="1400" b="0" i="0" u="none" strike="noStrike" cap="none">
         <a:solidFill>
           <a:srgbClr val="000000"/>
         </a:solidFill>
@@ -198,7 +201,7 @@
         <a:sym typeface="Arial"/>
       </a:defRPr>
     </a:lvl7pPr>
-    <a:lvl8pPr lvl="7" marR="0" rtl="0" algn="l">
+    <a:lvl8pPr marR="0" lvl="7" algn="l" rtl="0">
       <a:lnSpc>
         <a:spcPct val="100000"/>
       </a:lnSpc>
@@ -212,7 +215,7 @@
         <a:srgbClr val="000000"/>
       </a:buClr>
       <a:buFont typeface="Arial"/>
-      <a:defRPr b="0" i="0" sz="1400" u="none" cap="none" strike="noStrike">
+      <a:defRPr sz="1400" b="0" i="0" u="none" strike="noStrike" cap="none">
         <a:solidFill>
           <a:srgbClr val="000000"/>
         </a:solidFill>
@@ -222,7 +225,7 @@
         <a:sym typeface="Arial"/>
       </a:defRPr>
     </a:lvl8pPr>
-    <a:lvl9pPr lvl="8" marR="0" rtl="0" algn="l">
+    <a:lvl9pPr marR="0" lvl="8" algn="l" rtl="0">
       <a:lnSpc>
         <a:spcPct val="100000"/>
       </a:lnSpc>
@@ -236,7 +239,7 @@
         <a:srgbClr val="000000"/>
       </a:buClr>
       <a:buFont typeface="Arial"/>
-      <a:defRPr b="0" i="0" sz="1400" u="none" cap="none" strike="noStrike">
+      <a:defRPr sz="1400" b="0" i="0" u="none" strike="noStrike" cap="none">
         <a:solidFill>
           <a:srgbClr val="000000"/>
         </a:solidFill>
@@ -249,7 +252,7 @@
   </p:defaultTextStyle>
   <p:extLst>
     <p:ext uri="{EFAFB233-063F-42B5-8137-9DF3F51BA10A}">
-      <p15:sldGuideLst>
+      <p15:sldGuideLst xmlns:p15="http://schemas.microsoft.com/office/powerpoint/2012/main">
         <p15:guide id="1" orient="horz" pos="1620">
           <p15:clr>
             <a:srgbClr val="747775"/>
@@ -266,12 +269,115 @@
 </p:presentation>
 </file>
 
+<file path=ppt/changesInfos/changesInfo1.xml><?xml version="1.0" encoding="utf-8"?>
+<pc:chgInfo xmlns:a="http://schemas.openxmlformats.org/drawingml/2006/main" xmlns:r="http://schemas.openxmlformats.org/officeDocument/2006/relationships" xmlns:ac="http://schemas.microsoft.com/office/drawing/2013/main/command" xmlns:pc="http://schemas.microsoft.com/office/powerpoint/2013/main/command">
+  <pc:docChgLst>
+    <pc:chgData name="1.0 Programming" userId="d9944a5f9a1f43e9" providerId="LiveId" clId="{CEE1F128-FCF3-4A5F-82C6-8CE407E38BE2}"/>
+    <pc:docChg chg="custSel addSld modSld">
+      <pc:chgData name="1.0 Programming" userId="d9944a5f9a1f43e9" providerId="LiveId" clId="{CEE1F128-FCF3-4A5F-82C6-8CE407E38BE2}" dt="2025-02-21T07:33:51.984" v="61" actId="1076"/>
+      <pc:docMkLst>
+        <pc:docMk/>
+      </pc:docMkLst>
+      <pc:sldChg chg="modSp">
+        <pc:chgData name="1.0 Programming" userId="d9944a5f9a1f43e9" providerId="LiveId" clId="{CEE1F128-FCF3-4A5F-82C6-8CE407E38BE2}" dt="2025-02-21T07:32:10.133" v="10" actId="27636"/>
+        <pc:sldMkLst>
+          <pc:docMk/>
+          <pc:sldMk cId="0" sldId="259"/>
+        </pc:sldMkLst>
+        <pc:spChg chg="mod">
+          <ac:chgData name="1.0 Programming" userId="d9944a5f9a1f43e9" providerId="LiveId" clId="{CEE1F128-FCF3-4A5F-82C6-8CE407E38BE2}" dt="2025-02-21T07:32:10.133" v="10" actId="27636"/>
+          <ac:spMkLst>
+            <pc:docMk/>
+            <pc:sldMk cId="0" sldId="259"/>
+            <ac:spMk id="73" creationId="{00000000-0000-0000-0000-000000000000}"/>
+          </ac:spMkLst>
+        </pc:spChg>
+      </pc:sldChg>
+      <pc:sldChg chg="modSp new add">
+        <pc:chgData name="1.0 Programming" userId="d9944a5f9a1f43e9" providerId="LiveId" clId="{CEE1F128-FCF3-4A5F-82C6-8CE407E38BE2}" dt="2025-02-21T07:32:25.965" v="22" actId="5793"/>
+        <pc:sldMkLst>
+          <pc:docMk/>
+          <pc:sldMk cId="2352679355" sldId="263"/>
+        </pc:sldMkLst>
+        <pc:spChg chg="mod">
+          <ac:chgData name="1.0 Programming" userId="d9944a5f9a1f43e9" providerId="LiveId" clId="{CEE1F128-FCF3-4A5F-82C6-8CE407E38BE2}" dt="2025-02-21T07:31:27.421" v="7" actId="20577"/>
+          <ac:spMkLst>
+            <pc:docMk/>
+            <pc:sldMk cId="2352679355" sldId="263"/>
+            <ac:spMk id="2" creationId="{068A38B7-40D1-4AC9-A073-81D685093489}"/>
+          </ac:spMkLst>
+        </pc:spChg>
+        <pc:spChg chg="mod">
+          <ac:chgData name="1.0 Programming" userId="d9944a5f9a1f43e9" providerId="LiveId" clId="{CEE1F128-FCF3-4A5F-82C6-8CE407E38BE2}" dt="2025-02-21T07:32:25.965" v="22" actId="5793"/>
+          <ac:spMkLst>
+            <pc:docMk/>
+            <pc:sldMk cId="2352679355" sldId="263"/>
+            <ac:spMk id="3" creationId="{B126F982-3268-4FCC-9F09-2AB3C163E4C3}"/>
+          </ac:spMkLst>
+        </pc:spChg>
+      </pc:sldChg>
+      <pc:sldChg chg="modSp new add">
+        <pc:chgData name="1.0 Programming" userId="d9944a5f9a1f43e9" providerId="LiveId" clId="{CEE1F128-FCF3-4A5F-82C6-8CE407E38BE2}" dt="2025-02-21T07:32:56.340" v="48"/>
+        <pc:sldMkLst>
+          <pc:docMk/>
+          <pc:sldMk cId="4292544257" sldId="264"/>
+        </pc:sldMkLst>
+        <pc:spChg chg="mod">
+          <ac:chgData name="1.0 Programming" userId="d9944a5f9a1f43e9" providerId="LiveId" clId="{CEE1F128-FCF3-4A5F-82C6-8CE407E38BE2}" dt="2025-02-21T07:32:47.637" v="44" actId="108"/>
+          <ac:spMkLst>
+            <pc:docMk/>
+            <pc:sldMk cId="4292544257" sldId="264"/>
+            <ac:spMk id="2" creationId="{6BC7BCB1-FBC7-411D-8443-FD8E58A66F1D}"/>
+          </ac:spMkLst>
+        </pc:spChg>
+        <pc:spChg chg="mod">
+          <ac:chgData name="1.0 Programming" userId="d9944a5f9a1f43e9" providerId="LiveId" clId="{CEE1F128-FCF3-4A5F-82C6-8CE407E38BE2}" dt="2025-02-21T07:32:56.340" v="48"/>
+          <ac:spMkLst>
+            <pc:docMk/>
+            <pc:sldMk cId="4292544257" sldId="264"/>
+            <ac:spMk id="3" creationId="{77883BF1-4E6D-4CB2-B9D0-53B7BCA93655}"/>
+          </ac:spMkLst>
+        </pc:spChg>
+      </pc:sldChg>
+      <pc:sldChg chg="addSp modSp new add">
+        <pc:chgData name="1.0 Programming" userId="d9944a5f9a1f43e9" providerId="LiveId" clId="{CEE1F128-FCF3-4A5F-82C6-8CE407E38BE2}" dt="2025-02-21T07:33:51.984" v="61" actId="1076"/>
+        <pc:sldMkLst>
+          <pc:docMk/>
+          <pc:sldMk cId="12301730" sldId="265"/>
+        </pc:sldMkLst>
+        <pc:spChg chg="mod">
+          <ac:chgData name="1.0 Programming" userId="d9944a5f9a1f43e9" providerId="LiveId" clId="{CEE1F128-FCF3-4A5F-82C6-8CE407E38BE2}" dt="2025-02-21T07:33:30.554" v="59" actId="20577"/>
+          <ac:spMkLst>
+            <pc:docMk/>
+            <pc:sldMk cId="12301730" sldId="265"/>
+            <ac:spMk id="2" creationId="{1C1F335A-EB45-440D-8225-4B8FCEF5C8F8}"/>
+          </ac:spMkLst>
+        </pc:spChg>
+        <pc:picChg chg="add mod">
+          <ac:chgData name="1.0 Programming" userId="d9944a5f9a1f43e9" providerId="LiveId" clId="{CEE1F128-FCF3-4A5F-82C6-8CE407E38BE2}" dt="2025-02-21T07:33:51.984" v="61" actId="1076"/>
+          <ac:picMkLst>
+            <pc:docMk/>
+            <pc:sldMk cId="12301730" sldId="265"/>
+            <ac:picMk id="4" creationId="{085BAD4A-F2EE-4A63-9988-233F05A1BB22}"/>
+          </ac:picMkLst>
+        </pc:picChg>
+      </pc:sldChg>
+    </pc:docChg>
+  </pc:docChgLst>
+</pc:chgInfo>
+</file>
+
 <file path=ppt/notesMasters/notesMaster1.xml><?xml version="1.0" encoding="utf-8"?>
-<p:notesMaster xmlns:a="http://schemas.openxmlformats.org/drawingml/2006/main" xmlns:r="http://schemas.openxmlformats.org/officeDocument/2006/relationships" xmlns:mc="http://schemas.openxmlformats.org/markup-compatibility/2006" xmlns:mv="urn:schemas-microsoft-com:mac:vml" xmlns:p="http://schemas.openxmlformats.org/presentationml/2006/main" xmlns:c="http://schemas.openxmlformats.org/drawingml/2006/chart" xmlns:dgm="http://schemas.openxmlformats.org/drawingml/2006/diagram" xmlns:o="urn:schemas-microsoft-com:office:office" xmlns:v="urn:schemas-microsoft-com:vml" xmlns:pvml="urn:schemas-microsoft-com:office:powerpoint" xmlns:com="http://schemas.openxmlformats.org/drawingml/2006/compatibility" xmlns:p14="http://schemas.microsoft.com/office/powerpoint/2010/main" xmlns:p15="http://schemas.microsoft.com/office/powerpoint/2012/main" xmlns:ahyp="http://schemas.microsoft.com/office/drawing/2018/hyperlinkcolor">
+<p:notesMaster xmlns:a="http://schemas.openxmlformats.org/drawingml/2006/main" xmlns:r="http://schemas.openxmlformats.org/officeDocument/2006/relationships" xmlns:p="http://schemas.openxmlformats.org/presentationml/2006/main">
   <p:cSld>
+    <p:bg>
+      <p:bgRef idx="1001">
+        <a:schemeClr val="bg1"/>
+      </p:bgRef>
+    </p:bg>
     <p:spTree>
       <p:nvGrpSpPr>
-        <p:cNvPr id="2" name="Shape 2"/>
+        <p:cNvPr id="1" name="Shape 2"/>
         <p:cNvGrpSpPr/>
         <p:nvPr/>
       </p:nvGrpSpPr>
@@ -286,9 +392,11 @@
       <p:sp>
         <p:nvSpPr>
           <p:cNvPr id="3" name="Google Shape;3;n"/>
-          <p:cNvSpPr/>
+          <p:cNvSpPr>
+            <a:spLocks noGrp="1" noRot="1" noChangeAspect="1"/>
+          </p:cNvSpPr>
           <p:nvPr>
-            <p:ph idx="2" type="sldImg"/>
+            <p:ph type="sldImg" idx="2"/>
           </p:nvPr>
         </p:nvSpPr>
         <p:spPr>
@@ -297,9 +405,13 @@
             <a:ext cx="6096075" cy="3429000"/>
           </a:xfrm>
           <a:custGeom>
-            <a:rect b="b" l="l" r="r" t="t"/>
+            <a:avLst/>
+            <a:gdLst/>
+            <a:ahLst/>
+            <a:cxnLst/>
+            <a:rect l="l" t="t" r="r" b="b"/>
             <a:pathLst>
-              <a:path extrusionOk="0" h="120000" w="120000">
+              <a:path w="120000" h="120000" extrusionOk="0">
                 <a:moveTo>
                   <a:pt x="0" y="0"/>
                 </a:moveTo>
@@ -317,23 +429,25 @@
             </a:pathLst>
           </a:custGeom>
           <a:noFill/>
-          <a:ln cap="flat" cmpd="sng" w="9525">
+          <a:ln w="9525" cap="flat" cmpd="sng">
             <a:solidFill>
               <a:srgbClr val="000000"/>
             </a:solidFill>
             <a:prstDash val="solid"/>
             <a:round/>
-            <a:headEnd len="sm" w="sm" type="none"/>
-            <a:tailEnd len="sm" w="sm" type="none"/>
+            <a:headEnd type="none" w="sm" len="sm"/>
+            <a:tailEnd type="none" w="sm" len="sm"/>
           </a:ln>
         </p:spPr>
       </p:sp>
       <p:sp>
         <p:nvSpPr>
           <p:cNvPr id="4" name="Google Shape;4;n"/>
-          <p:cNvSpPr txBox="1"/>
+          <p:cNvSpPr txBox="1">
+            <a:spLocks noGrp="1"/>
+          </p:cNvSpPr>
           <p:nvPr>
-            <p:ph idx="1" type="body"/>
+            <p:ph type="body" idx="1"/>
           </p:nvPr>
         </p:nvSpPr>
         <p:spPr>
@@ -350,11 +464,11 @@
           </a:ln>
         </p:spPr>
         <p:txBody>
-          <a:bodyPr anchorCtr="0" anchor="t" bIns="91425" lIns="91425" spcFirstLastPara="1" rIns="91425" wrap="square" tIns="91425">
+          <a:bodyPr spcFirstLastPara="1" wrap="square" lIns="91425" tIns="91425" rIns="91425" bIns="91425" anchor="t" anchorCtr="0">
             <a:noAutofit/>
           </a:bodyPr>
           <a:lstStyle>
-            <a:lvl1pPr indent="-298450" lvl="0" marL="457200">
+            <a:lvl1pPr marL="457200" lvl="0" indent="-298450">
               <a:spcBef>
                 <a:spcPts val="0"/>
               </a:spcBef>
@@ -365,7 +479,7 @@
               <a:buChar char="●"/>
               <a:defRPr sz="1100"/>
             </a:lvl1pPr>
-            <a:lvl2pPr indent="-298450" lvl="1" marL="914400">
+            <a:lvl2pPr marL="914400" lvl="1" indent="-298450">
               <a:spcBef>
                 <a:spcPts val="0"/>
               </a:spcBef>
@@ -376,7 +490,7 @@
               <a:buChar char="○"/>
               <a:defRPr sz="1100"/>
             </a:lvl2pPr>
-            <a:lvl3pPr indent="-298450" lvl="2" marL="1371600">
+            <a:lvl3pPr marL="1371600" lvl="2" indent="-298450">
               <a:spcBef>
                 <a:spcPts val="0"/>
               </a:spcBef>
@@ -387,7 +501,7 @@
               <a:buChar char="■"/>
               <a:defRPr sz="1100"/>
             </a:lvl3pPr>
-            <a:lvl4pPr indent="-298450" lvl="3" marL="1828800">
+            <a:lvl4pPr marL="1828800" lvl="3" indent="-298450">
               <a:spcBef>
                 <a:spcPts val="0"/>
               </a:spcBef>
@@ -398,7 +512,7 @@
               <a:buChar char="●"/>
               <a:defRPr sz="1100"/>
             </a:lvl4pPr>
-            <a:lvl5pPr indent="-298450" lvl="4" marL="2286000">
+            <a:lvl5pPr marL="2286000" lvl="4" indent="-298450">
               <a:spcBef>
                 <a:spcPts val="0"/>
               </a:spcBef>
@@ -409,7 +523,7 @@
               <a:buChar char="○"/>
               <a:defRPr sz="1100"/>
             </a:lvl5pPr>
-            <a:lvl6pPr indent="-298450" lvl="5" marL="2743200">
+            <a:lvl6pPr marL="2743200" lvl="5" indent="-298450">
               <a:spcBef>
                 <a:spcPts val="0"/>
               </a:spcBef>
@@ -420,7 +534,7 @@
               <a:buChar char="■"/>
               <a:defRPr sz="1100"/>
             </a:lvl6pPr>
-            <a:lvl7pPr indent="-298450" lvl="6" marL="3200400">
+            <a:lvl7pPr marL="3200400" lvl="6" indent="-298450">
               <a:spcBef>
                 <a:spcPts val="0"/>
               </a:spcBef>
@@ -431,7 +545,7 @@
               <a:buChar char="●"/>
               <a:defRPr sz="1100"/>
             </a:lvl7pPr>
-            <a:lvl8pPr indent="-298450" lvl="7" marL="3657600">
+            <a:lvl8pPr marL="3657600" lvl="7" indent="-298450">
               <a:spcBef>
                 <a:spcPts val="0"/>
               </a:spcBef>
@@ -442,7 +556,7 @@
               <a:buChar char="○"/>
               <a:defRPr sz="1100"/>
             </a:lvl8pPr>
-            <a:lvl9pPr indent="-298450" lvl="8" marL="4114800">
+            <a:lvl9pPr marL="4114800" lvl="8" indent="-298450">
               <a:spcBef>
                 <a:spcPts val="0"/>
               </a:spcBef>
@@ -454,14 +568,16 @@
               <a:defRPr sz="1100"/>
             </a:lvl9pPr>
           </a:lstStyle>
-          <a:p/>
+          <a:p>
+            <a:endParaRPr/>
+          </a:p>
         </p:txBody>
       </p:sp>
     </p:spTree>
   </p:cSld>
-  <p:clrMap accent1="accent1" accent2="accent2" accent3="accent3" accent4="accent4" accent5="accent5" accent6="accent6" bg1="lt1" bg2="dk2" tx1="dk1" tx2="lt2" folHlink="folHlink" hlink="hlink"/>
+  <p:clrMap bg1="lt1" tx1="dk1" bg2="dk2" tx2="lt2" accent1="accent1" accent2="accent2" accent3="accent3" accent4="accent4" accent5="accent5" accent6="accent6" hlink="hlink" folHlink="folHlink"/>
   <p:notesStyle>
-    <a:defPPr lvl="0" marR="0" rtl="0" algn="l">
+    <a:defPPr marR="0" lvl="0" algn="l" rtl="0">
       <a:lnSpc>
         <a:spcPct val="100000"/>
       </a:lnSpc>
@@ -472,7 +588,7 @@
         <a:spcPts val="0"/>
       </a:spcAft>
     </a:defPPr>
-    <a:lvl1pPr lvl="0" marR="0" rtl="0" algn="l">
+    <a:lvl1pPr marR="0" lvl="0" algn="l" rtl="0">
       <a:lnSpc>
         <a:spcPct val="100000"/>
       </a:lnSpc>
@@ -486,7 +602,7 @@
         <a:srgbClr val="000000"/>
       </a:buClr>
       <a:buFont typeface="Arial"/>
-      <a:defRPr b="0" i="0" sz="1400" u="none" cap="none" strike="noStrike">
+      <a:defRPr sz="1400" b="0" i="0" u="none" strike="noStrike" cap="none">
         <a:solidFill>
           <a:srgbClr val="000000"/>
         </a:solidFill>
@@ -496,7 +612,7 @@
         <a:sym typeface="Arial"/>
       </a:defRPr>
     </a:lvl1pPr>
-    <a:lvl2pPr lvl="1" marR="0" rtl="0" algn="l">
+    <a:lvl2pPr marR="0" lvl="1" algn="l" rtl="0">
       <a:lnSpc>
         <a:spcPct val="100000"/>
       </a:lnSpc>
@@ -510,7 +626,7 @@
         <a:srgbClr val="000000"/>
       </a:buClr>
       <a:buFont typeface="Arial"/>
-      <a:defRPr b="0" i="0" sz="1400" u="none" cap="none" strike="noStrike">
+      <a:defRPr sz="1400" b="0" i="0" u="none" strike="noStrike" cap="none">
         <a:solidFill>
           <a:srgbClr val="000000"/>
         </a:solidFill>
@@ -520,7 +636,7 @@
         <a:sym typeface="Arial"/>
       </a:defRPr>
     </a:lvl2pPr>
-    <a:lvl3pPr lvl="2" marR="0" rtl="0" algn="l">
+    <a:lvl3pPr marR="0" lvl="2" algn="l" rtl="0">
       <a:lnSpc>
         <a:spcPct val="100000"/>
       </a:lnSpc>
@@ -534,7 +650,7 @@
         <a:srgbClr val="000000"/>
       </a:buClr>
       <a:buFont typeface="Arial"/>
-      <a:defRPr b="0" i="0" sz="1400" u="none" cap="none" strike="noStrike">
+      <a:defRPr sz="1400" b="0" i="0" u="none" strike="noStrike" cap="none">
         <a:solidFill>
           <a:srgbClr val="000000"/>
         </a:solidFill>
@@ -544,7 +660,7 @@
         <a:sym typeface="Arial"/>
       </a:defRPr>
     </a:lvl3pPr>
-    <a:lvl4pPr lvl="3" marR="0" rtl="0" algn="l">
+    <a:lvl4pPr marR="0" lvl="3" algn="l" rtl="0">
       <a:lnSpc>
         <a:spcPct val="100000"/>
       </a:lnSpc>
@@ -558,7 +674,7 @@
         <a:srgbClr val="000000"/>
       </a:buClr>
       <a:buFont typeface="Arial"/>
-      <a:defRPr b="0" i="0" sz="1400" u="none" cap="none" strike="noStrike">
+      <a:defRPr sz="1400" b="0" i="0" u="none" strike="noStrike" cap="none">
         <a:solidFill>
           <a:srgbClr val="000000"/>
         </a:solidFill>
@@ -568,7 +684,7 @@
         <a:sym typeface="Arial"/>
       </a:defRPr>
     </a:lvl4pPr>
-    <a:lvl5pPr lvl="4" marR="0" rtl="0" algn="l">
+    <a:lvl5pPr marR="0" lvl="4" algn="l" rtl="0">
       <a:lnSpc>
         <a:spcPct val="100000"/>
       </a:lnSpc>
@@ -582,7 +698,7 @@
         <a:srgbClr val="000000"/>
       </a:buClr>
       <a:buFont typeface="Arial"/>
-      <a:defRPr b="0" i="0" sz="1400" u="none" cap="none" strike="noStrike">
+      <a:defRPr sz="1400" b="0" i="0" u="none" strike="noStrike" cap="none">
         <a:solidFill>
           <a:srgbClr val="000000"/>
         </a:solidFill>
@@ -592,7 +708,7 @@
         <a:sym typeface="Arial"/>
       </a:defRPr>
     </a:lvl5pPr>
-    <a:lvl6pPr lvl="5" marR="0" rtl="0" algn="l">
+    <a:lvl6pPr marR="0" lvl="5" algn="l" rtl="0">
       <a:lnSpc>
         <a:spcPct val="100000"/>
       </a:lnSpc>
@@ -606,7 +722,7 @@
         <a:srgbClr val="000000"/>
       </a:buClr>
       <a:buFont typeface="Arial"/>
-      <a:defRPr b="0" i="0" sz="1400" u="none" cap="none" strike="noStrike">
+      <a:defRPr sz="1400" b="0" i="0" u="none" strike="noStrike" cap="none">
         <a:solidFill>
           <a:srgbClr val="000000"/>
         </a:solidFill>
@@ -616,7 +732,7 @@
         <a:sym typeface="Arial"/>
       </a:defRPr>
     </a:lvl6pPr>
-    <a:lvl7pPr lvl="6" marR="0" rtl="0" algn="l">
+    <a:lvl7pPr marR="0" lvl="6" algn="l" rtl="0">
       <a:lnSpc>
         <a:spcPct val="100000"/>
       </a:lnSpc>
@@ -630,7 +746,7 @@
         <a:srgbClr val="000000"/>
       </a:buClr>
       <a:buFont typeface="Arial"/>
-      <a:defRPr b="0" i="0" sz="1400" u="none" cap="none" strike="noStrike">
+      <a:defRPr sz="1400" b="0" i="0" u="none" strike="noStrike" cap="none">
         <a:solidFill>
           <a:srgbClr val="000000"/>
         </a:solidFill>
@@ -640,7 +756,7 @@
         <a:sym typeface="Arial"/>
       </a:defRPr>
     </a:lvl7pPr>
-    <a:lvl8pPr lvl="7" marR="0" rtl="0" algn="l">
+    <a:lvl8pPr marR="0" lvl="7" algn="l" rtl="0">
       <a:lnSpc>
         <a:spcPct val="100000"/>
       </a:lnSpc>
@@ -654,7 +770,7 @@
         <a:srgbClr val="000000"/>
       </a:buClr>
       <a:buFont typeface="Arial"/>
-      <a:defRPr b="0" i="0" sz="1400" u="none" cap="none" strike="noStrike">
+      <a:defRPr sz="1400" b="0" i="0" u="none" strike="noStrike" cap="none">
         <a:solidFill>
           <a:srgbClr val="000000"/>
         </a:solidFill>
@@ -664,7 +780,7 @@
         <a:sym typeface="Arial"/>
       </a:defRPr>
     </a:lvl8pPr>
-    <a:lvl9pPr lvl="8" marR="0" rtl="0" algn="l">
+    <a:lvl9pPr marR="0" lvl="8" algn="l" rtl="0">
       <a:lnSpc>
         <a:spcPct val="100000"/>
       </a:lnSpc>
@@ -678,7 +794,7 @@
         <a:srgbClr val="000000"/>
       </a:buClr>
       <a:buFont typeface="Arial"/>
-      <a:defRPr b="0" i="0" sz="1400" u="none" cap="none" strike="noStrike">
+      <a:defRPr sz="1400" b="0" i="0" u="none" strike="noStrike" cap="none">
         <a:solidFill>
           <a:srgbClr val="000000"/>
         </a:solidFill>
@@ -693,11 +809,11 @@
 </file>
 
 <file path=ppt/notesSlides/notesSlide1.xml><?xml version="1.0" encoding="utf-8"?>
-<p:notes xmlns:a="http://schemas.openxmlformats.org/drawingml/2006/main" xmlns:r="http://schemas.openxmlformats.org/officeDocument/2006/relationships" xmlns:mc="http://schemas.openxmlformats.org/markup-compatibility/2006" xmlns:mv="urn:schemas-microsoft-com:mac:vml" xmlns:p="http://schemas.openxmlformats.org/presentationml/2006/main" xmlns:c="http://schemas.openxmlformats.org/drawingml/2006/chart" xmlns:dgm="http://schemas.openxmlformats.org/drawingml/2006/diagram" xmlns:o="urn:schemas-microsoft-com:office:office" xmlns:v="urn:schemas-microsoft-com:vml" xmlns:pvml="urn:schemas-microsoft-com:office:powerpoint" xmlns:com="http://schemas.openxmlformats.org/drawingml/2006/compatibility" xmlns:p14="http://schemas.microsoft.com/office/powerpoint/2010/main" xmlns:p15="http://schemas.microsoft.com/office/powerpoint/2012/main" xmlns:ahyp="http://schemas.microsoft.com/office/drawing/2018/hyperlinkcolor" showMasterPhAnim="0" showMasterSp="0">
+<p:notes xmlns:a="http://schemas.openxmlformats.org/drawingml/2006/main" xmlns:r="http://schemas.openxmlformats.org/officeDocument/2006/relationships" xmlns:p="http://schemas.openxmlformats.org/presentationml/2006/main" showMasterSp="0" showMasterPhAnim="0">
   <p:cSld>
     <p:spTree>
       <p:nvGrpSpPr>
-        <p:cNvPr id="50" name="Shape 50"/>
+        <p:cNvPr id="1" name="Shape 50"/>
         <p:cNvGrpSpPr/>
         <p:nvPr/>
       </p:nvGrpSpPr>
@@ -712,9 +828,11 @@
       <p:sp>
         <p:nvSpPr>
           <p:cNvPr id="51" name="Google Shape;51;p:notes"/>
-          <p:cNvSpPr/>
+          <p:cNvSpPr>
+            <a:spLocks noGrp="1" noRot="1" noChangeAspect="1"/>
+          </p:cNvSpPr>
           <p:nvPr>
-            <p:ph idx="2" type="sldImg"/>
+            <p:ph type="sldImg" idx="2"/>
           </p:nvPr>
         </p:nvSpPr>
         <p:spPr>
@@ -723,9 +841,13 @@
             <a:ext cx="6096075" cy="3429000"/>
           </a:xfrm>
           <a:custGeom>
-            <a:rect b="b" l="l" r="r" t="t"/>
+            <a:avLst/>
+            <a:gdLst/>
+            <a:ahLst/>
+            <a:cxnLst/>
+            <a:rect l="l" t="t" r="r" b="b"/>
             <a:pathLst>
-              <a:path extrusionOk="0" h="120000" w="120000">
+              <a:path w="120000" h="120000" extrusionOk="0">
                 <a:moveTo>
                   <a:pt x="0" y="0"/>
                 </a:moveTo>
@@ -747,9 +869,11 @@
       <p:sp>
         <p:nvSpPr>
           <p:cNvPr id="52" name="Google Shape;52;p:notes"/>
-          <p:cNvSpPr txBox="1"/>
+          <p:cNvSpPr txBox="1">
+            <a:spLocks noGrp="1"/>
+          </p:cNvSpPr>
           <p:nvPr>
-            <p:ph idx="1" type="body"/>
+            <p:ph type="body" idx="1"/>
           </p:nvPr>
         </p:nvSpPr>
         <p:spPr>
@@ -762,12 +886,12 @@
           </a:prstGeom>
         </p:spPr>
         <p:txBody>
-          <a:bodyPr anchorCtr="0" anchor="t" bIns="91425" lIns="91425" spcFirstLastPara="1" rIns="91425" wrap="square" tIns="91425">
+          <a:bodyPr spcFirstLastPara="1" wrap="square" lIns="91425" tIns="91425" rIns="91425" bIns="91425" anchor="t" anchorCtr="0">
             <a:noAutofit/>
           </a:bodyPr>
           <a:lstStyle/>
           <a:p>
-            <a:pPr indent="0" lvl="0" marL="0" rtl="0" algn="l">
+            <a:pPr marL="0" lvl="0" indent="0" algn="l" rtl="0">
               <a:spcBef>
                 <a:spcPts val="0"/>
               </a:spcBef>
@@ -776,9 +900,6 @@
               </a:spcAft>
               <a:buNone/>
             </a:pPr>
-            <a:r>
-              <a:t/>
-            </a:r>
             <a:endParaRPr/>
           </a:p>
         </p:txBody>
@@ -792,11 +913,11 @@
 </file>
 
 <file path=ppt/notesSlides/notesSlide2.xml><?xml version="1.0" encoding="utf-8"?>
-<p:notes xmlns:a="http://schemas.openxmlformats.org/drawingml/2006/main" xmlns:r="http://schemas.openxmlformats.org/officeDocument/2006/relationships" xmlns:mc="http://schemas.openxmlformats.org/markup-compatibility/2006" xmlns:mv="urn:schemas-microsoft-com:mac:vml" xmlns:p="http://schemas.openxmlformats.org/presentationml/2006/main" xmlns:c="http://schemas.openxmlformats.org/drawingml/2006/chart" xmlns:dgm="http://schemas.openxmlformats.org/drawingml/2006/diagram" xmlns:o="urn:schemas-microsoft-com:office:office" xmlns:v="urn:schemas-microsoft-com:vml" xmlns:pvml="urn:schemas-microsoft-com:office:powerpoint" xmlns:com="http://schemas.openxmlformats.org/drawingml/2006/compatibility" xmlns:p14="http://schemas.microsoft.com/office/powerpoint/2010/main" xmlns:p15="http://schemas.microsoft.com/office/powerpoint/2012/main" xmlns:ahyp="http://schemas.microsoft.com/office/drawing/2018/hyperlinkcolor" showMasterPhAnim="0" showMasterSp="0">
+<p:notes xmlns:a="http://schemas.openxmlformats.org/drawingml/2006/main" xmlns:r="http://schemas.openxmlformats.org/officeDocument/2006/relationships" xmlns:p="http://schemas.openxmlformats.org/presentationml/2006/main" showMasterSp="0" showMasterPhAnim="0">
   <p:cSld>
     <p:spTree>
       <p:nvGrpSpPr>
-        <p:cNvPr id="56" name="Shape 56"/>
+        <p:cNvPr id="1" name="Shape 56"/>
         <p:cNvGrpSpPr/>
         <p:nvPr/>
       </p:nvGrpSpPr>
@@ -811,9 +932,11 @@
       <p:sp>
         <p:nvSpPr>
           <p:cNvPr id="57" name="Google Shape;57;g337359d48cf_0_45:notes"/>
-          <p:cNvSpPr/>
+          <p:cNvSpPr>
+            <a:spLocks noGrp="1" noRot="1" noChangeAspect="1"/>
+          </p:cNvSpPr>
           <p:nvPr>
-            <p:ph idx="2" type="sldImg"/>
+            <p:ph type="sldImg" idx="2"/>
           </p:nvPr>
         </p:nvSpPr>
         <p:spPr>
@@ -822,9 +945,13 @@
             <a:ext cx="6096000" cy="3429000"/>
           </a:xfrm>
           <a:custGeom>
-            <a:rect b="b" l="l" r="r" t="t"/>
+            <a:avLst/>
+            <a:gdLst/>
+            <a:ahLst/>
+            <a:cxnLst/>
+            <a:rect l="l" t="t" r="r" b="b"/>
             <a:pathLst>
-              <a:path extrusionOk="0" h="120000" w="120000">
+              <a:path w="120000" h="120000" extrusionOk="0">
                 <a:moveTo>
                   <a:pt x="0" y="0"/>
                 </a:moveTo>
@@ -846,9 +973,11 @@
       <p:sp>
         <p:nvSpPr>
           <p:cNvPr id="58" name="Google Shape;58;g337359d48cf_0_45:notes"/>
-          <p:cNvSpPr txBox="1"/>
+          <p:cNvSpPr txBox="1">
+            <a:spLocks noGrp="1"/>
+          </p:cNvSpPr>
           <p:nvPr>
-            <p:ph idx="1" type="body"/>
+            <p:ph type="body" idx="1"/>
           </p:nvPr>
         </p:nvSpPr>
         <p:spPr>
@@ -861,12 +990,12 @@
           </a:prstGeom>
         </p:spPr>
         <p:txBody>
-          <a:bodyPr anchorCtr="0" anchor="t" bIns="91425" lIns="91425" spcFirstLastPara="1" rIns="91425" wrap="square" tIns="91425">
+          <a:bodyPr spcFirstLastPara="1" wrap="square" lIns="91425" tIns="91425" rIns="91425" bIns="91425" anchor="t" anchorCtr="0">
             <a:noAutofit/>
           </a:bodyPr>
           <a:lstStyle/>
           <a:p>
-            <a:pPr indent="0" lvl="0" marL="0" rtl="0" algn="l">
+            <a:pPr marL="0" lvl="0" indent="0" algn="l" rtl="0">
               <a:spcBef>
                 <a:spcPts val="0"/>
               </a:spcBef>
@@ -875,9 +1004,6 @@
               </a:spcAft>
               <a:buNone/>
             </a:pPr>
-            <a:r>
-              <a:t/>
-            </a:r>
             <a:endParaRPr/>
           </a:p>
         </p:txBody>
@@ -891,11 +1017,11 @@
 </file>
 
 <file path=ppt/notesSlides/notesSlide3.xml><?xml version="1.0" encoding="utf-8"?>
-<p:notes xmlns:a="http://schemas.openxmlformats.org/drawingml/2006/main" xmlns:r="http://schemas.openxmlformats.org/officeDocument/2006/relationships" xmlns:mc="http://schemas.openxmlformats.org/markup-compatibility/2006" xmlns:mv="urn:schemas-microsoft-com:mac:vml" xmlns:p="http://schemas.openxmlformats.org/presentationml/2006/main" xmlns:c="http://schemas.openxmlformats.org/drawingml/2006/chart" xmlns:dgm="http://schemas.openxmlformats.org/drawingml/2006/diagram" xmlns:o="urn:schemas-microsoft-com:office:office" xmlns:v="urn:schemas-microsoft-com:vml" xmlns:pvml="urn:schemas-microsoft-com:office:powerpoint" xmlns:com="http://schemas.openxmlformats.org/drawingml/2006/compatibility" xmlns:p14="http://schemas.microsoft.com/office/powerpoint/2010/main" xmlns:p15="http://schemas.microsoft.com/office/powerpoint/2012/main" xmlns:ahyp="http://schemas.microsoft.com/office/drawing/2018/hyperlinkcolor" showMasterPhAnim="0" showMasterSp="0">
+<p:notes xmlns:a="http://schemas.openxmlformats.org/drawingml/2006/main" xmlns:r="http://schemas.openxmlformats.org/officeDocument/2006/relationships" xmlns:p="http://schemas.openxmlformats.org/presentationml/2006/main" showMasterSp="0" showMasterPhAnim="0">
   <p:cSld>
     <p:spTree>
       <p:nvGrpSpPr>
-        <p:cNvPr id="62" name="Shape 62"/>
+        <p:cNvPr id="1" name="Shape 62"/>
         <p:cNvGrpSpPr/>
         <p:nvPr/>
       </p:nvGrpSpPr>
@@ -910,9 +1036,11 @@
       <p:sp>
         <p:nvSpPr>
           <p:cNvPr id="63" name="Google Shape;63;g337359d48cf_0_50:notes"/>
-          <p:cNvSpPr/>
+          <p:cNvSpPr>
+            <a:spLocks noGrp="1" noRot="1" noChangeAspect="1"/>
+          </p:cNvSpPr>
           <p:nvPr>
-            <p:ph idx="2" type="sldImg"/>
+            <p:ph type="sldImg" idx="2"/>
           </p:nvPr>
         </p:nvSpPr>
         <p:spPr>
@@ -921,9 +1049,13 @@
             <a:ext cx="6096000" cy="3429000"/>
           </a:xfrm>
           <a:custGeom>
-            <a:rect b="b" l="l" r="r" t="t"/>
+            <a:avLst/>
+            <a:gdLst/>
+            <a:ahLst/>
+            <a:cxnLst/>
+            <a:rect l="l" t="t" r="r" b="b"/>
             <a:pathLst>
-              <a:path extrusionOk="0" h="120000" w="120000">
+              <a:path w="120000" h="120000" extrusionOk="0">
                 <a:moveTo>
                   <a:pt x="0" y="0"/>
                 </a:moveTo>
@@ -945,9 +1077,11 @@
       <p:sp>
         <p:nvSpPr>
           <p:cNvPr id="64" name="Google Shape;64;g337359d48cf_0_50:notes"/>
-          <p:cNvSpPr txBox="1"/>
+          <p:cNvSpPr txBox="1">
+            <a:spLocks noGrp="1"/>
+          </p:cNvSpPr>
           <p:nvPr>
-            <p:ph idx="1" type="body"/>
+            <p:ph type="body" idx="1"/>
           </p:nvPr>
         </p:nvSpPr>
         <p:spPr>
@@ -960,12 +1094,12 @@
           </a:prstGeom>
         </p:spPr>
         <p:txBody>
-          <a:bodyPr anchorCtr="0" anchor="t" bIns="91425" lIns="91425" spcFirstLastPara="1" rIns="91425" wrap="square" tIns="91425">
+          <a:bodyPr spcFirstLastPara="1" wrap="square" lIns="91425" tIns="91425" rIns="91425" bIns="91425" anchor="t" anchorCtr="0">
             <a:noAutofit/>
           </a:bodyPr>
           <a:lstStyle/>
           <a:p>
-            <a:pPr indent="0" lvl="0" marL="0" rtl="0" algn="l">
+            <a:pPr marL="0" lvl="0" indent="0" algn="l" rtl="0">
               <a:spcBef>
                 <a:spcPts val="0"/>
               </a:spcBef>
@@ -974,9 +1108,6 @@
               </a:spcAft>
               <a:buNone/>
             </a:pPr>
-            <a:r>
-              <a:t/>
-            </a:r>
             <a:endParaRPr/>
           </a:p>
         </p:txBody>
@@ -990,11 +1121,11 @@
 </file>
 
 <file path=ppt/notesSlides/notesSlide4.xml><?xml version="1.0" encoding="utf-8"?>
-<p:notes xmlns:a="http://schemas.openxmlformats.org/drawingml/2006/main" xmlns:r="http://schemas.openxmlformats.org/officeDocument/2006/relationships" xmlns:mc="http://schemas.openxmlformats.org/markup-compatibility/2006" xmlns:mv="urn:schemas-microsoft-com:mac:vml" xmlns:p="http://schemas.openxmlformats.org/presentationml/2006/main" xmlns:c="http://schemas.openxmlformats.org/drawingml/2006/chart" xmlns:dgm="http://schemas.openxmlformats.org/drawingml/2006/diagram" xmlns:o="urn:schemas-microsoft-com:office:office" xmlns:v="urn:schemas-microsoft-com:vml" xmlns:pvml="urn:schemas-microsoft-com:office:powerpoint" xmlns:com="http://schemas.openxmlformats.org/drawingml/2006/compatibility" xmlns:p14="http://schemas.microsoft.com/office/powerpoint/2010/main" xmlns:p15="http://schemas.microsoft.com/office/powerpoint/2012/main" xmlns:ahyp="http://schemas.microsoft.com/office/drawing/2018/hyperlinkcolor" showMasterPhAnim="0" showMasterSp="0">
+<p:notes xmlns:a="http://schemas.openxmlformats.org/drawingml/2006/main" xmlns:r="http://schemas.openxmlformats.org/officeDocument/2006/relationships" xmlns:p="http://schemas.openxmlformats.org/presentationml/2006/main" showMasterSp="0" showMasterPhAnim="0">
   <p:cSld>
     <p:spTree>
       <p:nvGrpSpPr>
-        <p:cNvPr id="68" name="Shape 68"/>
+        <p:cNvPr id="1" name="Shape 68"/>
         <p:cNvGrpSpPr/>
         <p:nvPr/>
       </p:nvGrpSpPr>
@@ -1009,20 +1140,26 @@
       <p:sp>
         <p:nvSpPr>
           <p:cNvPr id="69" name="Google Shape;69;g337359d48cf_0_56:notes"/>
-          <p:cNvSpPr/>
+          <p:cNvSpPr>
+            <a:spLocks noGrp="1" noRot="1" noChangeAspect="1"/>
+          </p:cNvSpPr>
           <p:nvPr>
-            <p:ph idx="2" type="sldImg"/>
+            <p:ph type="sldImg" idx="2"/>
           </p:nvPr>
         </p:nvSpPr>
         <p:spPr>
           <a:xfrm>
-            <a:off x="381300" y="685800"/>
+            <a:off x="381000" y="685800"/>
             <a:ext cx="6096000" cy="3429000"/>
           </a:xfrm>
           <a:custGeom>
-            <a:rect b="b" l="l" r="r" t="t"/>
+            <a:avLst/>
+            <a:gdLst/>
+            <a:ahLst/>
+            <a:cxnLst/>
+            <a:rect l="l" t="t" r="r" b="b"/>
             <a:pathLst>
-              <a:path extrusionOk="0" h="120000" w="120000">
+              <a:path w="120000" h="120000" extrusionOk="0">
                 <a:moveTo>
                   <a:pt x="0" y="0"/>
                 </a:moveTo>
@@ -1044,9 +1181,11 @@
       <p:sp>
         <p:nvSpPr>
           <p:cNvPr id="70" name="Google Shape;70;g337359d48cf_0_56:notes"/>
-          <p:cNvSpPr txBox="1"/>
+          <p:cNvSpPr txBox="1">
+            <a:spLocks noGrp="1"/>
+          </p:cNvSpPr>
           <p:nvPr>
-            <p:ph idx="1" type="body"/>
+            <p:ph type="body" idx="1"/>
           </p:nvPr>
         </p:nvSpPr>
         <p:spPr>
@@ -1059,12 +1198,12 @@
           </a:prstGeom>
         </p:spPr>
         <p:txBody>
-          <a:bodyPr anchorCtr="0" anchor="t" bIns="91425" lIns="91425" spcFirstLastPara="1" rIns="91425" wrap="square" tIns="91425">
+          <a:bodyPr spcFirstLastPara="1" wrap="square" lIns="91425" tIns="91425" rIns="91425" bIns="91425" anchor="t" anchorCtr="0">
             <a:noAutofit/>
           </a:bodyPr>
           <a:lstStyle/>
           <a:p>
-            <a:pPr indent="0" lvl="0" marL="0" rtl="0" algn="l">
+            <a:pPr marL="0" lvl="0" indent="0" algn="l" rtl="0">
               <a:spcBef>
                 <a:spcPts val="0"/>
               </a:spcBef>
@@ -1073,9 +1212,6 @@
               </a:spcAft>
               <a:buNone/>
             </a:pPr>
-            <a:r>
-              <a:t/>
-            </a:r>
             <a:endParaRPr/>
           </a:p>
         </p:txBody>
@@ -1089,11 +1225,11 @@
 </file>
 
 <file path=ppt/notesSlides/notesSlide5.xml><?xml version="1.0" encoding="utf-8"?>
-<p:notes xmlns:a="http://schemas.openxmlformats.org/drawingml/2006/main" xmlns:r="http://schemas.openxmlformats.org/officeDocument/2006/relationships" xmlns:mc="http://schemas.openxmlformats.org/markup-compatibility/2006" xmlns:mv="urn:schemas-microsoft-com:mac:vml" xmlns:p="http://schemas.openxmlformats.org/presentationml/2006/main" xmlns:c="http://schemas.openxmlformats.org/drawingml/2006/chart" xmlns:dgm="http://schemas.openxmlformats.org/drawingml/2006/diagram" xmlns:o="urn:schemas-microsoft-com:office:office" xmlns:v="urn:schemas-microsoft-com:vml" xmlns:pvml="urn:schemas-microsoft-com:office:powerpoint" xmlns:com="http://schemas.openxmlformats.org/drawingml/2006/compatibility" xmlns:p14="http://schemas.microsoft.com/office/powerpoint/2010/main" xmlns:p15="http://schemas.microsoft.com/office/powerpoint/2012/main" xmlns:ahyp="http://schemas.microsoft.com/office/drawing/2018/hyperlinkcolor" showMasterPhAnim="0" showMasterSp="0">
+<p:notes xmlns:a="http://schemas.openxmlformats.org/drawingml/2006/main" xmlns:r="http://schemas.openxmlformats.org/officeDocument/2006/relationships" xmlns:p="http://schemas.openxmlformats.org/presentationml/2006/main" showMasterSp="0" showMasterPhAnim="0">
   <p:cSld>
     <p:spTree>
       <p:nvGrpSpPr>
-        <p:cNvPr id="74" name="Shape 74"/>
+        <p:cNvPr id="1" name="Shape 74"/>
         <p:cNvGrpSpPr/>
         <p:nvPr/>
       </p:nvGrpSpPr>
@@ -1108,9 +1244,11 @@
       <p:sp>
         <p:nvSpPr>
           <p:cNvPr id="75" name="Google Shape;75;g337359d48cf_0_63:notes"/>
-          <p:cNvSpPr/>
+          <p:cNvSpPr>
+            <a:spLocks noGrp="1" noRot="1" noChangeAspect="1"/>
+          </p:cNvSpPr>
           <p:nvPr>
-            <p:ph idx="2" type="sldImg"/>
+            <p:ph type="sldImg" idx="2"/>
           </p:nvPr>
         </p:nvSpPr>
         <p:spPr>
@@ -1119,9 +1257,13 @@
             <a:ext cx="6096000" cy="3429000"/>
           </a:xfrm>
           <a:custGeom>
-            <a:rect b="b" l="l" r="r" t="t"/>
+            <a:avLst/>
+            <a:gdLst/>
+            <a:ahLst/>
+            <a:cxnLst/>
+            <a:rect l="l" t="t" r="r" b="b"/>
             <a:pathLst>
-              <a:path extrusionOk="0" h="120000" w="120000">
+              <a:path w="120000" h="120000" extrusionOk="0">
                 <a:moveTo>
                   <a:pt x="0" y="0"/>
                 </a:moveTo>
@@ -1143,9 +1285,11 @@
       <p:sp>
         <p:nvSpPr>
           <p:cNvPr id="76" name="Google Shape;76;g337359d48cf_0_63:notes"/>
-          <p:cNvSpPr txBox="1"/>
+          <p:cNvSpPr txBox="1">
+            <a:spLocks noGrp="1"/>
+          </p:cNvSpPr>
           <p:nvPr>
-            <p:ph idx="1" type="body"/>
+            <p:ph type="body" idx="1"/>
           </p:nvPr>
         </p:nvSpPr>
         <p:spPr>
@@ -1158,12 +1302,12 @@
           </a:prstGeom>
         </p:spPr>
         <p:txBody>
-          <a:bodyPr anchorCtr="0" anchor="t" bIns="91425" lIns="91425" spcFirstLastPara="1" rIns="91425" wrap="square" tIns="91425">
+          <a:bodyPr spcFirstLastPara="1" wrap="square" lIns="91425" tIns="91425" rIns="91425" bIns="91425" anchor="t" anchorCtr="0">
             <a:noAutofit/>
           </a:bodyPr>
           <a:lstStyle/>
           <a:p>
-            <a:pPr indent="0" lvl="0" marL="0" rtl="0" algn="l">
+            <a:pPr marL="0" lvl="0" indent="0" algn="l" rtl="0">
               <a:spcBef>
                 <a:spcPts val="0"/>
               </a:spcBef>
@@ -1172,9 +1316,6 @@
               </a:spcAft>
               <a:buNone/>
             </a:pPr>
-            <a:r>
-              <a:t/>
-            </a:r>
             <a:endParaRPr/>
           </a:p>
         </p:txBody>
@@ -1188,11 +1329,11 @@
 </file>
 
 <file path=ppt/notesSlides/notesSlide6.xml><?xml version="1.0" encoding="utf-8"?>
-<p:notes xmlns:a="http://schemas.openxmlformats.org/drawingml/2006/main" xmlns:r="http://schemas.openxmlformats.org/officeDocument/2006/relationships" xmlns:mc="http://schemas.openxmlformats.org/markup-compatibility/2006" xmlns:mv="urn:schemas-microsoft-com:mac:vml" xmlns:p="http://schemas.openxmlformats.org/presentationml/2006/main" xmlns:c="http://schemas.openxmlformats.org/drawingml/2006/chart" xmlns:dgm="http://schemas.openxmlformats.org/drawingml/2006/diagram" xmlns:o="urn:schemas-microsoft-com:office:office" xmlns:v="urn:schemas-microsoft-com:vml" xmlns:pvml="urn:schemas-microsoft-com:office:powerpoint" xmlns:com="http://schemas.openxmlformats.org/drawingml/2006/compatibility" xmlns:p14="http://schemas.microsoft.com/office/powerpoint/2010/main" xmlns:p15="http://schemas.microsoft.com/office/powerpoint/2012/main" xmlns:ahyp="http://schemas.microsoft.com/office/drawing/2018/hyperlinkcolor" showMasterPhAnim="0" showMasterSp="0">
+<p:notes xmlns:a="http://schemas.openxmlformats.org/drawingml/2006/main" xmlns:r="http://schemas.openxmlformats.org/officeDocument/2006/relationships" xmlns:p="http://schemas.openxmlformats.org/presentationml/2006/main" showMasterSp="0" showMasterPhAnim="0">
   <p:cSld>
     <p:spTree>
       <p:nvGrpSpPr>
-        <p:cNvPr id="80" name="Shape 80"/>
+        <p:cNvPr id="1" name="Shape 80"/>
         <p:cNvGrpSpPr/>
         <p:nvPr/>
       </p:nvGrpSpPr>
@@ -1207,9 +1348,11 @@
       <p:sp>
         <p:nvSpPr>
           <p:cNvPr id="81" name="Google Shape;81;g337359d48cf_0_68:notes"/>
-          <p:cNvSpPr/>
+          <p:cNvSpPr>
+            <a:spLocks noGrp="1" noRot="1" noChangeAspect="1"/>
+          </p:cNvSpPr>
           <p:nvPr>
-            <p:ph idx="2" type="sldImg"/>
+            <p:ph type="sldImg" idx="2"/>
           </p:nvPr>
         </p:nvSpPr>
         <p:spPr>
@@ -1218,9 +1361,13 @@
             <a:ext cx="6096000" cy="3429000"/>
           </a:xfrm>
           <a:custGeom>
-            <a:rect b="b" l="l" r="r" t="t"/>
+            <a:avLst/>
+            <a:gdLst/>
+            <a:ahLst/>
+            <a:cxnLst/>
+            <a:rect l="l" t="t" r="r" b="b"/>
             <a:pathLst>
-              <a:path extrusionOk="0" h="120000" w="120000">
+              <a:path w="120000" h="120000" extrusionOk="0">
                 <a:moveTo>
                   <a:pt x="0" y="0"/>
                 </a:moveTo>
@@ -1242,9 +1389,11 @@
       <p:sp>
         <p:nvSpPr>
           <p:cNvPr id="82" name="Google Shape;82;g337359d48cf_0_68:notes"/>
-          <p:cNvSpPr txBox="1"/>
+          <p:cNvSpPr txBox="1">
+            <a:spLocks noGrp="1"/>
+          </p:cNvSpPr>
           <p:nvPr>
-            <p:ph idx="1" type="body"/>
+            <p:ph type="body" idx="1"/>
           </p:nvPr>
         </p:nvSpPr>
         <p:spPr>
@@ -1257,12 +1406,12 @@
           </a:prstGeom>
         </p:spPr>
         <p:txBody>
-          <a:bodyPr anchorCtr="0" anchor="t" bIns="91425" lIns="91425" spcFirstLastPara="1" rIns="91425" wrap="square" tIns="91425">
+          <a:bodyPr spcFirstLastPara="1" wrap="square" lIns="91425" tIns="91425" rIns="91425" bIns="91425" anchor="t" anchorCtr="0">
             <a:noAutofit/>
           </a:bodyPr>
           <a:lstStyle/>
           <a:p>
-            <a:pPr indent="0" lvl="0" marL="0" rtl="0" algn="l">
+            <a:pPr marL="0" lvl="0" indent="0" algn="l" rtl="0">
               <a:spcBef>
                 <a:spcPts val="0"/>
               </a:spcBef>
@@ -1271,9 +1420,6 @@
               </a:spcAft>
               <a:buNone/>
             </a:pPr>
-            <a:r>
-              <a:t/>
-            </a:r>
             <a:endParaRPr/>
           </a:p>
         </p:txBody>
@@ -1287,11 +1433,11 @@
 </file>
 
 <file path=ppt/notesSlides/notesSlide7.xml><?xml version="1.0" encoding="utf-8"?>
-<p:notes xmlns:a="http://schemas.openxmlformats.org/drawingml/2006/main" xmlns:r="http://schemas.openxmlformats.org/officeDocument/2006/relationships" xmlns:mc="http://schemas.openxmlformats.org/markup-compatibility/2006" xmlns:mv="urn:schemas-microsoft-com:mac:vml" xmlns:p="http://schemas.openxmlformats.org/presentationml/2006/main" xmlns:c="http://schemas.openxmlformats.org/drawingml/2006/chart" xmlns:dgm="http://schemas.openxmlformats.org/drawingml/2006/diagram" xmlns:o="urn:schemas-microsoft-com:office:office" xmlns:v="urn:schemas-microsoft-com:vml" xmlns:pvml="urn:schemas-microsoft-com:office:powerpoint" xmlns:com="http://schemas.openxmlformats.org/drawingml/2006/compatibility" xmlns:p14="http://schemas.microsoft.com/office/powerpoint/2010/main" xmlns:p15="http://schemas.microsoft.com/office/powerpoint/2012/main" xmlns:ahyp="http://schemas.microsoft.com/office/drawing/2018/hyperlinkcolor" showMasterPhAnim="0" showMasterSp="0">
+<p:notes xmlns:a="http://schemas.openxmlformats.org/drawingml/2006/main" xmlns:r="http://schemas.openxmlformats.org/officeDocument/2006/relationships" xmlns:p="http://schemas.openxmlformats.org/presentationml/2006/main" showMasterSp="0" showMasterPhAnim="0">
   <p:cSld>
     <p:spTree>
       <p:nvGrpSpPr>
-        <p:cNvPr id="86" name="Shape 86"/>
+        <p:cNvPr id="1" name="Shape 86"/>
         <p:cNvGrpSpPr/>
         <p:nvPr/>
       </p:nvGrpSpPr>
@@ -1306,9 +1452,11 @@
       <p:sp>
         <p:nvSpPr>
           <p:cNvPr id="87" name="Google Shape;87;g337359d48cf_0_73:notes"/>
-          <p:cNvSpPr/>
+          <p:cNvSpPr>
+            <a:spLocks noGrp="1" noRot="1" noChangeAspect="1"/>
+          </p:cNvSpPr>
           <p:nvPr>
-            <p:ph idx="2" type="sldImg"/>
+            <p:ph type="sldImg" idx="2"/>
           </p:nvPr>
         </p:nvSpPr>
         <p:spPr>
@@ -1317,9 +1465,13 @@
             <a:ext cx="6096000" cy="3429000"/>
           </a:xfrm>
           <a:custGeom>
-            <a:rect b="b" l="l" r="r" t="t"/>
+            <a:avLst/>
+            <a:gdLst/>
+            <a:ahLst/>
+            <a:cxnLst/>
+            <a:rect l="l" t="t" r="r" b="b"/>
             <a:pathLst>
-              <a:path extrusionOk="0" h="120000" w="120000">
+              <a:path w="120000" h="120000" extrusionOk="0">
                 <a:moveTo>
                   <a:pt x="0" y="0"/>
                 </a:moveTo>
@@ -1341,9 +1493,11 @@
       <p:sp>
         <p:nvSpPr>
           <p:cNvPr id="88" name="Google Shape;88;g337359d48cf_0_73:notes"/>
-          <p:cNvSpPr txBox="1"/>
+          <p:cNvSpPr txBox="1">
+            <a:spLocks noGrp="1"/>
+          </p:cNvSpPr>
           <p:nvPr>
-            <p:ph idx="1" type="body"/>
+            <p:ph type="body" idx="1"/>
           </p:nvPr>
         </p:nvSpPr>
         <p:spPr>
@@ -1356,12 +1510,12 @@
           </a:prstGeom>
         </p:spPr>
         <p:txBody>
-          <a:bodyPr anchorCtr="0" anchor="t" bIns="91425" lIns="91425" spcFirstLastPara="1" rIns="91425" wrap="square" tIns="91425">
+          <a:bodyPr spcFirstLastPara="1" wrap="square" lIns="91425" tIns="91425" rIns="91425" bIns="91425" anchor="t" anchorCtr="0">
             <a:noAutofit/>
           </a:bodyPr>
           <a:lstStyle/>
           <a:p>
-            <a:pPr indent="0" lvl="0" marL="0" rtl="0" algn="l">
+            <a:pPr marL="0" lvl="0" indent="0" algn="l" rtl="0">
               <a:spcBef>
                 <a:spcPts val="0"/>
               </a:spcBef>
@@ -1370,9 +1524,6 @@
               </a:spcAft>
               <a:buNone/>
             </a:pPr>
-            <a:r>
-              <a:t/>
-            </a:r>
             <a:endParaRPr/>
           </a:p>
         </p:txBody>
@@ -1386,11 +1537,11 @@
 </file>
 
 <file path=ppt/slideLayouts/slideLayout1.xml><?xml version="1.0" encoding="utf-8"?>
-<p:sldLayout xmlns:a="http://schemas.openxmlformats.org/drawingml/2006/main" xmlns:r="http://schemas.openxmlformats.org/officeDocument/2006/relationships" xmlns:mc="http://schemas.openxmlformats.org/markup-compatibility/2006" xmlns:mv="urn:schemas-microsoft-com:mac:vml" xmlns:p="http://schemas.openxmlformats.org/presentationml/2006/main" xmlns:c="http://schemas.openxmlformats.org/drawingml/2006/chart" xmlns:dgm="http://schemas.openxmlformats.org/drawingml/2006/diagram" xmlns:o="urn:schemas-microsoft-com:office:office" xmlns:v="urn:schemas-microsoft-com:vml" xmlns:pvml="urn:schemas-microsoft-com:office:powerpoint" xmlns:com="http://schemas.openxmlformats.org/drawingml/2006/compatibility" xmlns:p14="http://schemas.microsoft.com/office/powerpoint/2010/main" xmlns:p15="http://schemas.microsoft.com/office/powerpoint/2012/main" xmlns:ahyp="http://schemas.microsoft.com/office/drawing/2018/hyperlinkcolor" matchingName="Title slide" type="title">
+<p:sldLayout xmlns:a="http://schemas.openxmlformats.org/drawingml/2006/main" xmlns:r="http://schemas.openxmlformats.org/officeDocument/2006/relationships" xmlns:p="http://schemas.openxmlformats.org/presentationml/2006/main" matchingName="Title slide" type="title">
   <p:cSld name="TITLE">
     <p:spTree>
       <p:nvGrpSpPr>
-        <p:cNvPr id="9" name="Shape 9"/>
+        <p:cNvPr id="1" name="Shape 9"/>
         <p:cNvGrpSpPr/>
         <p:nvPr/>
       </p:nvGrpSpPr>
@@ -1405,7 +1556,9 @@
       <p:sp>
         <p:nvSpPr>
           <p:cNvPr id="10" name="Google Shape;10;p2"/>
-          <p:cNvSpPr txBox="1"/>
+          <p:cNvSpPr txBox="1">
+            <a:spLocks noGrp="1"/>
+          </p:cNvSpPr>
           <p:nvPr>
             <p:ph type="ctrTitle"/>
           </p:nvPr>
@@ -1420,7 +1573,7 @@
           </a:prstGeom>
         </p:spPr>
         <p:txBody>
-          <a:bodyPr anchorCtr="0" anchor="b" bIns="91425" lIns="91425" spcFirstLastPara="1" rIns="91425" wrap="square" tIns="91425">
+          <a:bodyPr spcFirstLastPara="1" wrap="square" lIns="91425" tIns="91425" rIns="91425" bIns="91425" anchor="b" anchorCtr="0">
             <a:normAutofit/>
           </a:bodyPr>
           <a:lstStyle>
@@ -1524,15 +1677,19 @@
               <a:defRPr sz="5200"/>
             </a:lvl9pPr>
           </a:lstStyle>
-          <a:p/>
+          <a:p>
+            <a:endParaRPr/>
+          </a:p>
         </p:txBody>
       </p:sp>
       <p:sp>
         <p:nvSpPr>
           <p:cNvPr id="11" name="Google Shape;11;p2"/>
-          <p:cNvSpPr txBox="1"/>
+          <p:cNvSpPr txBox="1">
+            <a:spLocks noGrp="1"/>
+          </p:cNvSpPr>
           <p:nvPr>
-            <p:ph idx="1" type="subTitle"/>
+            <p:ph type="subTitle" idx="1"/>
           </p:nvPr>
         </p:nvSpPr>
         <p:spPr>
@@ -1545,7 +1702,7 @@
           </a:prstGeom>
         </p:spPr>
         <p:txBody>
-          <a:bodyPr anchorCtr="0" anchor="t" bIns="91425" lIns="91425" spcFirstLastPara="1" rIns="91425" wrap="square" tIns="91425">
+          <a:bodyPr spcFirstLastPara="1" wrap="square" lIns="91425" tIns="91425" rIns="91425" bIns="91425" anchor="t" anchorCtr="0">
             <a:normAutofit/>
           </a:bodyPr>
           <a:lstStyle>
@@ -1676,15 +1833,19 @@
               <a:defRPr sz="2800"/>
             </a:lvl9pPr>
           </a:lstStyle>
-          <a:p/>
+          <a:p>
+            <a:endParaRPr/>
+          </a:p>
         </p:txBody>
       </p:sp>
       <p:sp>
         <p:nvSpPr>
           <p:cNvPr id="12" name="Google Shape;12;p2"/>
-          <p:cNvSpPr txBox="1"/>
+          <p:cNvSpPr txBox="1">
+            <a:spLocks noGrp="1"/>
+          </p:cNvSpPr>
           <p:nvPr>
-            <p:ph idx="12" type="sldNum"/>
+            <p:ph type="sldNum" idx="12"/>
           </p:nvPr>
         </p:nvSpPr>
         <p:spPr>
@@ -1697,7 +1858,7 @@
           </a:prstGeom>
         </p:spPr>
         <p:txBody>
-          <a:bodyPr anchorCtr="0" anchor="ctr" bIns="91425" lIns="91425" spcFirstLastPara="1" rIns="91425" wrap="square" tIns="91425">
+          <a:bodyPr spcFirstLastPara="1" wrap="square" lIns="91425" tIns="91425" rIns="91425" bIns="91425" anchor="ctr" anchorCtr="0">
             <a:normAutofit/>
           </a:bodyPr>
           <a:lstStyle>
@@ -1739,7 +1900,7 @@
             </a:lvl9pPr>
           </a:lstStyle>
           <a:p>
-            <a:pPr indent="0" lvl="0" marL="0" rtl="0" algn="r">
+            <a:pPr marL="0" lvl="0" indent="0" algn="r" rtl="0">
               <a:spcBef>
                 <a:spcPts val="0"/>
               </a:spcBef>
@@ -1765,11 +1926,11 @@
 </file>
 
 <file path=ppt/slideLayouts/slideLayout10.xml><?xml version="1.0" encoding="utf-8"?>
-<p:sldLayout xmlns:a="http://schemas.openxmlformats.org/drawingml/2006/main" xmlns:r="http://schemas.openxmlformats.org/officeDocument/2006/relationships" xmlns:mc="http://schemas.openxmlformats.org/markup-compatibility/2006" xmlns:mv="urn:schemas-microsoft-com:mac:vml" xmlns:p="http://schemas.openxmlformats.org/presentationml/2006/main" xmlns:c="http://schemas.openxmlformats.org/drawingml/2006/chart" xmlns:dgm="http://schemas.openxmlformats.org/drawingml/2006/diagram" xmlns:o="urn:schemas-microsoft-com:office:office" xmlns:v="urn:schemas-microsoft-com:vml" xmlns:pvml="urn:schemas-microsoft-com:office:powerpoint" xmlns:com="http://schemas.openxmlformats.org/drawingml/2006/compatibility" xmlns:p14="http://schemas.microsoft.com/office/powerpoint/2010/main" xmlns:p15="http://schemas.microsoft.com/office/powerpoint/2012/main" xmlns:ahyp="http://schemas.microsoft.com/office/drawing/2018/hyperlinkcolor" matchingName="Big number">
+<p:sldLayout xmlns:a="http://schemas.openxmlformats.org/drawingml/2006/main" xmlns:r="http://schemas.openxmlformats.org/officeDocument/2006/relationships" xmlns:p="http://schemas.openxmlformats.org/presentationml/2006/main" matchingName="Big number">
   <p:cSld name="BIG_NUMBER">
     <p:spTree>
       <p:nvGrpSpPr>
-        <p:cNvPr id="44" name="Shape 44"/>
+        <p:cNvPr id="1" name="Shape 44"/>
         <p:cNvGrpSpPr/>
         <p:nvPr/>
       </p:nvGrpSpPr>
@@ -1784,9 +1945,11 @@
       <p:sp>
         <p:nvSpPr>
           <p:cNvPr id="45" name="Google Shape;45;p11"/>
-          <p:cNvSpPr txBox="1"/>
+          <p:cNvSpPr txBox="1">
+            <a:spLocks noGrp="1"/>
+          </p:cNvSpPr>
           <p:nvPr>
-            <p:ph hasCustomPrompt="1" type="title"/>
+            <p:ph type="title" hasCustomPrompt="1"/>
           </p:nvPr>
         </p:nvSpPr>
         <p:spPr>
@@ -1799,7 +1962,7 @@
           </a:prstGeom>
         </p:spPr>
         <p:txBody>
-          <a:bodyPr anchorCtr="0" anchor="b" bIns="91425" lIns="91425" spcFirstLastPara="1" rIns="91425" wrap="square" tIns="91425">
+          <a:bodyPr spcFirstLastPara="1" wrap="square" lIns="91425" tIns="91425" rIns="91425" bIns="91425" anchor="b" anchorCtr="0">
             <a:normAutofit/>
           </a:bodyPr>
           <a:lstStyle>
@@ -1913,9 +2076,11 @@
       <p:sp>
         <p:nvSpPr>
           <p:cNvPr id="46" name="Google Shape;46;p11"/>
-          <p:cNvSpPr txBox="1"/>
+          <p:cNvSpPr txBox="1">
+            <a:spLocks noGrp="1"/>
+          </p:cNvSpPr>
           <p:nvPr>
-            <p:ph idx="1" type="body"/>
+            <p:ph type="body" idx="1"/>
           </p:nvPr>
         </p:nvSpPr>
         <p:spPr>
@@ -1928,11 +2093,11 @@
           </a:prstGeom>
         </p:spPr>
         <p:txBody>
-          <a:bodyPr anchorCtr="0" anchor="t" bIns="91425" lIns="91425" spcFirstLastPara="1" rIns="91425" wrap="square" tIns="91425">
+          <a:bodyPr spcFirstLastPara="1" wrap="square" lIns="91425" tIns="91425" rIns="91425" bIns="91425" anchor="t" anchorCtr="0">
             <a:normAutofit/>
           </a:bodyPr>
           <a:lstStyle>
-            <a:lvl1pPr indent="-342900" lvl="0" marL="457200" algn="ctr">
+            <a:lvl1pPr marL="457200" lvl="0" indent="-342900" algn="ctr">
               <a:spcBef>
                 <a:spcPts val="0"/>
               </a:spcBef>
@@ -1943,7 +2108,7 @@
               <a:buChar char="●"/>
               <a:defRPr/>
             </a:lvl1pPr>
-            <a:lvl2pPr indent="-317500" lvl="1" marL="914400" algn="ctr">
+            <a:lvl2pPr marL="914400" lvl="1" indent="-317500" algn="ctr">
               <a:spcBef>
                 <a:spcPts val="0"/>
               </a:spcBef>
@@ -1954,7 +2119,7 @@
               <a:buChar char="○"/>
               <a:defRPr/>
             </a:lvl2pPr>
-            <a:lvl3pPr indent="-317500" lvl="2" marL="1371600" algn="ctr">
+            <a:lvl3pPr marL="1371600" lvl="2" indent="-317500" algn="ctr">
               <a:spcBef>
                 <a:spcPts val="0"/>
               </a:spcBef>
@@ -1965,7 +2130,7 @@
               <a:buChar char="■"/>
               <a:defRPr/>
             </a:lvl3pPr>
-            <a:lvl4pPr indent="-317500" lvl="3" marL="1828800" algn="ctr">
+            <a:lvl4pPr marL="1828800" lvl="3" indent="-317500" algn="ctr">
               <a:spcBef>
                 <a:spcPts val="0"/>
               </a:spcBef>
@@ -1976,7 +2141,7 @@
               <a:buChar char="●"/>
               <a:defRPr/>
             </a:lvl4pPr>
-            <a:lvl5pPr indent="-317500" lvl="4" marL="2286000" algn="ctr">
+            <a:lvl5pPr marL="2286000" lvl="4" indent="-317500" algn="ctr">
               <a:spcBef>
                 <a:spcPts val="0"/>
               </a:spcBef>
@@ -1987,7 +2152,7 @@
               <a:buChar char="○"/>
               <a:defRPr/>
             </a:lvl5pPr>
-            <a:lvl6pPr indent="-317500" lvl="5" marL="2743200" algn="ctr">
+            <a:lvl6pPr marL="2743200" lvl="5" indent="-317500" algn="ctr">
               <a:spcBef>
                 <a:spcPts val="0"/>
               </a:spcBef>
@@ -1998,7 +2163,7 @@
               <a:buChar char="■"/>
               <a:defRPr/>
             </a:lvl6pPr>
-            <a:lvl7pPr indent="-317500" lvl="6" marL="3200400" algn="ctr">
+            <a:lvl7pPr marL="3200400" lvl="6" indent="-317500" algn="ctr">
               <a:spcBef>
                 <a:spcPts val="0"/>
               </a:spcBef>
@@ -2009,7 +2174,7 @@
               <a:buChar char="●"/>
               <a:defRPr/>
             </a:lvl7pPr>
-            <a:lvl8pPr indent="-317500" lvl="7" marL="3657600" algn="ctr">
+            <a:lvl8pPr marL="3657600" lvl="7" indent="-317500" algn="ctr">
               <a:spcBef>
                 <a:spcPts val="0"/>
               </a:spcBef>
@@ -2020,7 +2185,7 @@
               <a:buChar char="○"/>
               <a:defRPr/>
             </a:lvl8pPr>
-            <a:lvl9pPr indent="-317500" lvl="8" marL="4114800" algn="ctr">
+            <a:lvl9pPr marL="4114800" lvl="8" indent="-317500" algn="ctr">
               <a:spcBef>
                 <a:spcPts val="0"/>
               </a:spcBef>
@@ -2032,15 +2197,19 @@
               <a:defRPr/>
             </a:lvl9pPr>
           </a:lstStyle>
-          <a:p/>
+          <a:p>
+            <a:endParaRPr/>
+          </a:p>
         </p:txBody>
       </p:sp>
       <p:sp>
         <p:nvSpPr>
           <p:cNvPr id="47" name="Google Shape;47;p11"/>
-          <p:cNvSpPr txBox="1"/>
+          <p:cNvSpPr txBox="1">
+            <a:spLocks noGrp="1"/>
+          </p:cNvSpPr>
           <p:nvPr>
-            <p:ph idx="12" type="sldNum"/>
+            <p:ph type="sldNum" idx="12"/>
           </p:nvPr>
         </p:nvSpPr>
         <p:spPr>
@@ -2053,7 +2222,7 @@
           </a:prstGeom>
         </p:spPr>
         <p:txBody>
-          <a:bodyPr anchorCtr="0" anchor="ctr" bIns="91425" lIns="91425" spcFirstLastPara="1" rIns="91425" wrap="square" tIns="91425">
+          <a:bodyPr spcFirstLastPara="1" wrap="square" lIns="91425" tIns="91425" rIns="91425" bIns="91425" anchor="ctr" anchorCtr="0">
             <a:normAutofit/>
           </a:bodyPr>
           <a:lstStyle>
@@ -2095,7 +2264,7 @@
             </a:lvl9pPr>
           </a:lstStyle>
           <a:p>
-            <a:pPr indent="0" lvl="0" marL="0" rtl="0" algn="r">
+            <a:pPr marL="0" lvl="0" indent="0" algn="r" rtl="0">
               <a:spcBef>
                 <a:spcPts val="0"/>
               </a:spcBef>
@@ -2121,11 +2290,11 @@
 </file>
 
 <file path=ppt/slideLayouts/slideLayout11.xml><?xml version="1.0" encoding="utf-8"?>
-<p:sldLayout xmlns:a="http://schemas.openxmlformats.org/drawingml/2006/main" xmlns:r="http://schemas.openxmlformats.org/officeDocument/2006/relationships" xmlns:mc="http://schemas.openxmlformats.org/markup-compatibility/2006" xmlns:mv="urn:schemas-microsoft-com:mac:vml" xmlns:p="http://schemas.openxmlformats.org/presentationml/2006/main" xmlns:c="http://schemas.openxmlformats.org/drawingml/2006/chart" xmlns:dgm="http://schemas.openxmlformats.org/drawingml/2006/diagram" xmlns:o="urn:schemas-microsoft-com:office:office" xmlns:v="urn:schemas-microsoft-com:vml" xmlns:pvml="urn:schemas-microsoft-com:office:powerpoint" xmlns:com="http://schemas.openxmlformats.org/drawingml/2006/compatibility" xmlns:p14="http://schemas.microsoft.com/office/powerpoint/2010/main" xmlns:p15="http://schemas.microsoft.com/office/powerpoint/2012/main" xmlns:ahyp="http://schemas.microsoft.com/office/drawing/2018/hyperlinkcolor" matchingName="Blank" type="blank">
+<p:sldLayout xmlns:a="http://schemas.openxmlformats.org/drawingml/2006/main" xmlns:r="http://schemas.openxmlformats.org/officeDocument/2006/relationships" xmlns:p="http://schemas.openxmlformats.org/presentationml/2006/main" matchingName="Blank" type="blank">
   <p:cSld name="BLANK">
     <p:spTree>
       <p:nvGrpSpPr>
-        <p:cNvPr id="48" name="Shape 48"/>
+        <p:cNvPr id="1" name="Shape 48"/>
         <p:cNvGrpSpPr/>
         <p:nvPr/>
       </p:nvGrpSpPr>
@@ -2140,9 +2309,11 @@
       <p:sp>
         <p:nvSpPr>
           <p:cNvPr id="49" name="Google Shape;49;p12"/>
-          <p:cNvSpPr txBox="1"/>
+          <p:cNvSpPr txBox="1">
+            <a:spLocks noGrp="1"/>
+          </p:cNvSpPr>
           <p:nvPr>
-            <p:ph idx="12" type="sldNum"/>
+            <p:ph type="sldNum" idx="12"/>
           </p:nvPr>
         </p:nvSpPr>
         <p:spPr>
@@ -2155,7 +2326,7 @@
           </a:prstGeom>
         </p:spPr>
         <p:txBody>
-          <a:bodyPr anchorCtr="0" anchor="ctr" bIns="91425" lIns="91425" spcFirstLastPara="1" rIns="91425" wrap="square" tIns="91425">
+          <a:bodyPr spcFirstLastPara="1" wrap="square" lIns="91425" tIns="91425" rIns="91425" bIns="91425" anchor="ctr" anchorCtr="0">
             <a:normAutofit/>
           </a:bodyPr>
           <a:lstStyle>
@@ -2197,7 +2368,7 @@
             </a:lvl9pPr>
           </a:lstStyle>
           <a:p>
-            <a:pPr indent="0" lvl="0" marL="0" rtl="0" algn="r">
+            <a:pPr marL="0" lvl="0" indent="0" algn="r" rtl="0">
               <a:spcBef>
                 <a:spcPts val="0"/>
               </a:spcBef>
@@ -2223,11 +2394,11 @@
 </file>
 
 <file path=ppt/slideLayouts/slideLayout2.xml><?xml version="1.0" encoding="utf-8"?>
-<p:sldLayout xmlns:a="http://schemas.openxmlformats.org/drawingml/2006/main" xmlns:r="http://schemas.openxmlformats.org/officeDocument/2006/relationships" xmlns:mc="http://schemas.openxmlformats.org/markup-compatibility/2006" xmlns:mv="urn:schemas-microsoft-com:mac:vml" xmlns:p="http://schemas.openxmlformats.org/presentationml/2006/main" xmlns:c="http://schemas.openxmlformats.org/drawingml/2006/chart" xmlns:dgm="http://schemas.openxmlformats.org/drawingml/2006/diagram" xmlns:o="urn:schemas-microsoft-com:office:office" xmlns:v="urn:schemas-microsoft-com:vml" xmlns:pvml="urn:schemas-microsoft-com:office:powerpoint" xmlns:com="http://schemas.openxmlformats.org/drawingml/2006/compatibility" xmlns:p14="http://schemas.microsoft.com/office/powerpoint/2010/main" xmlns:p15="http://schemas.microsoft.com/office/powerpoint/2012/main" xmlns:ahyp="http://schemas.microsoft.com/office/drawing/2018/hyperlinkcolor" matchingName="Section header" type="secHead">
+<p:sldLayout xmlns:a="http://schemas.openxmlformats.org/drawingml/2006/main" xmlns:r="http://schemas.openxmlformats.org/officeDocument/2006/relationships" xmlns:p="http://schemas.openxmlformats.org/presentationml/2006/main" matchingName="Section header" type="secHead">
   <p:cSld name="SECTION_HEADER">
     <p:spTree>
       <p:nvGrpSpPr>
-        <p:cNvPr id="13" name="Shape 13"/>
+        <p:cNvPr id="1" name="Shape 13"/>
         <p:cNvGrpSpPr/>
         <p:nvPr/>
       </p:nvGrpSpPr>
@@ -2242,7 +2413,9 @@
       <p:sp>
         <p:nvSpPr>
           <p:cNvPr id="14" name="Google Shape;14;p3"/>
-          <p:cNvSpPr txBox="1"/>
+          <p:cNvSpPr txBox="1">
+            <a:spLocks noGrp="1"/>
+          </p:cNvSpPr>
           <p:nvPr>
             <p:ph type="title"/>
           </p:nvPr>
@@ -2257,7 +2430,7 @@
           </a:prstGeom>
         </p:spPr>
         <p:txBody>
-          <a:bodyPr anchorCtr="0" anchor="ctr" bIns="91425" lIns="91425" spcFirstLastPara="1" rIns="91425" wrap="square" tIns="91425">
+          <a:bodyPr spcFirstLastPara="1" wrap="square" lIns="91425" tIns="91425" rIns="91425" bIns="91425" anchor="ctr" anchorCtr="0">
             <a:normAutofit/>
           </a:bodyPr>
           <a:lstStyle>
@@ -2361,15 +2534,19 @@
               <a:defRPr sz="3600"/>
             </a:lvl9pPr>
           </a:lstStyle>
-          <a:p/>
+          <a:p>
+            <a:endParaRPr/>
+          </a:p>
         </p:txBody>
       </p:sp>
       <p:sp>
         <p:nvSpPr>
           <p:cNvPr id="15" name="Google Shape;15;p3"/>
-          <p:cNvSpPr txBox="1"/>
+          <p:cNvSpPr txBox="1">
+            <a:spLocks noGrp="1"/>
+          </p:cNvSpPr>
           <p:nvPr>
-            <p:ph idx="12" type="sldNum"/>
+            <p:ph type="sldNum" idx="12"/>
           </p:nvPr>
         </p:nvSpPr>
         <p:spPr>
@@ -2382,7 +2559,7 @@
           </a:prstGeom>
         </p:spPr>
         <p:txBody>
-          <a:bodyPr anchorCtr="0" anchor="ctr" bIns="91425" lIns="91425" spcFirstLastPara="1" rIns="91425" wrap="square" tIns="91425">
+          <a:bodyPr spcFirstLastPara="1" wrap="square" lIns="91425" tIns="91425" rIns="91425" bIns="91425" anchor="ctr" anchorCtr="0">
             <a:normAutofit/>
           </a:bodyPr>
           <a:lstStyle>
@@ -2424,7 +2601,7 @@
             </a:lvl9pPr>
           </a:lstStyle>
           <a:p>
-            <a:pPr indent="0" lvl="0" marL="0" rtl="0" algn="r">
+            <a:pPr marL="0" lvl="0" indent="0" algn="r" rtl="0">
               <a:spcBef>
                 <a:spcPts val="0"/>
               </a:spcBef>
@@ -2450,11 +2627,11 @@
 </file>
 
 <file path=ppt/slideLayouts/slideLayout3.xml><?xml version="1.0" encoding="utf-8"?>
-<p:sldLayout xmlns:a="http://schemas.openxmlformats.org/drawingml/2006/main" xmlns:r="http://schemas.openxmlformats.org/officeDocument/2006/relationships" xmlns:mc="http://schemas.openxmlformats.org/markup-compatibility/2006" xmlns:mv="urn:schemas-microsoft-com:mac:vml" xmlns:p="http://schemas.openxmlformats.org/presentationml/2006/main" xmlns:c="http://schemas.openxmlformats.org/drawingml/2006/chart" xmlns:dgm="http://schemas.openxmlformats.org/drawingml/2006/diagram" xmlns:o="urn:schemas-microsoft-com:office:office" xmlns:v="urn:schemas-microsoft-com:vml" xmlns:pvml="urn:schemas-microsoft-com:office:powerpoint" xmlns:com="http://schemas.openxmlformats.org/drawingml/2006/compatibility" xmlns:p14="http://schemas.microsoft.com/office/powerpoint/2010/main" xmlns:p15="http://schemas.microsoft.com/office/powerpoint/2012/main" xmlns:ahyp="http://schemas.microsoft.com/office/drawing/2018/hyperlinkcolor" matchingName="Title and body" type="tx">
+<p:sldLayout xmlns:a="http://schemas.openxmlformats.org/drawingml/2006/main" xmlns:r="http://schemas.openxmlformats.org/officeDocument/2006/relationships" xmlns:p="http://schemas.openxmlformats.org/presentationml/2006/main" matchingName="Title and body" type="tx">
   <p:cSld name="TITLE_AND_BODY">
     <p:spTree>
       <p:nvGrpSpPr>
-        <p:cNvPr id="16" name="Shape 16"/>
+        <p:cNvPr id="1" name="Shape 16"/>
         <p:cNvGrpSpPr/>
         <p:nvPr/>
       </p:nvGrpSpPr>
@@ -2469,7 +2646,9 @@
       <p:sp>
         <p:nvSpPr>
           <p:cNvPr id="17" name="Google Shape;17;p4"/>
-          <p:cNvSpPr txBox="1"/>
+          <p:cNvSpPr txBox="1">
+            <a:spLocks noGrp="1"/>
+          </p:cNvSpPr>
           <p:nvPr>
             <p:ph type="title"/>
           </p:nvPr>
@@ -2484,7 +2663,7 @@
           </a:prstGeom>
         </p:spPr>
         <p:txBody>
-          <a:bodyPr anchorCtr="0" anchor="t" bIns="91425" lIns="91425" spcFirstLastPara="1" rIns="91425" wrap="square" tIns="91425">
+          <a:bodyPr spcFirstLastPara="1" wrap="square" lIns="91425" tIns="91425" rIns="91425" bIns="91425" anchor="t" anchorCtr="0">
             <a:normAutofit/>
           </a:bodyPr>
           <a:lstStyle>
@@ -2588,15 +2767,19 @@
               <a:defRPr/>
             </a:lvl9pPr>
           </a:lstStyle>
-          <a:p/>
+          <a:p>
+            <a:endParaRPr/>
+          </a:p>
         </p:txBody>
       </p:sp>
       <p:sp>
         <p:nvSpPr>
           <p:cNvPr id="18" name="Google Shape;18;p4"/>
-          <p:cNvSpPr txBox="1"/>
+          <p:cNvSpPr txBox="1">
+            <a:spLocks noGrp="1"/>
+          </p:cNvSpPr>
           <p:nvPr>
-            <p:ph idx="1" type="body"/>
+            <p:ph type="body" idx="1"/>
           </p:nvPr>
         </p:nvSpPr>
         <p:spPr>
@@ -2609,11 +2792,11 @@
           </a:prstGeom>
         </p:spPr>
         <p:txBody>
-          <a:bodyPr anchorCtr="0" anchor="t" bIns="91425" lIns="91425" spcFirstLastPara="1" rIns="91425" wrap="square" tIns="91425">
+          <a:bodyPr spcFirstLastPara="1" wrap="square" lIns="91425" tIns="91425" rIns="91425" bIns="91425" anchor="t" anchorCtr="0">
             <a:normAutofit/>
           </a:bodyPr>
           <a:lstStyle>
-            <a:lvl1pPr indent="-342900" lvl="0" marL="457200">
+            <a:lvl1pPr marL="457200" lvl="0" indent="-342900">
               <a:spcBef>
                 <a:spcPts val="0"/>
               </a:spcBef>
@@ -2624,7 +2807,7 @@
               <a:buChar char="●"/>
               <a:defRPr/>
             </a:lvl1pPr>
-            <a:lvl2pPr indent="-317500" lvl="1" marL="914400">
+            <a:lvl2pPr marL="914400" lvl="1" indent="-317500">
               <a:spcBef>
                 <a:spcPts val="0"/>
               </a:spcBef>
@@ -2635,7 +2818,7 @@
               <a:buChar char="○"/>
               <a:defRPr/>
             </a:lvl2pPr>
-            <a:lvl3pPr indent="-317500" lvl="2" marL="1371600">
+            <a:lvl3pPr marL="1371600" lvl="2" indent="-317500">
               <a:spcBef>
                 <a:spcPts val="0"/>
               </a:spcBef>
@@ -2646,7 +2829,7 @@
               <a:buChar char="■"/>
               <a:defRPr/>
             </a:lvl3pPr>
-            <a:lvl4pPr indent="-317500" lvl="3" marL="1828800">
+            <a:lvl4pPr marL="1828800" lvl="3" indent="-317500">
               <a:spcBef>
                 <a:spcPts val="0"/>
               </a:spcBef>
@@ -2657,7 +2840,7 @@
               <a:buChar char="●"/>
               <a:defRPr/>
             </a:lvl4pPr>
-            <a:lvl5pPr indent="-317500" lvl="4" marL="2286000">
+            <a:lvl5pPr marL="2286000" lvl="4" indent="-317500">
               <a:spcBef>
                 <a:spcPts val="0"/>
               </a:spcBef>
@@ -2668,7 +2851,7 @@
               <a:buChar char="○"/>
               <a:defRPr/>
             </a:lvl5pPr>
-            <a:lvl6pPr indent="-317500" lvl="5" marL="2743200">
+            <a:lvl6pPr marL="2743200" lvl="5" indent="-317500">
               <a:spcBef>
                 <a:spcPts val="0"/>
               </a:spcBef>
@@ -2679,7 +2862,7 @@
               <a:buChar char="■"/>
               <a:defRPr/>
             </a:lvl6pPr>
-            <a:lvl7pPr indent="-317500" lvl="6" marL="3200400">
+            <a:lvl7pPr marL="3200400" lvl="6" indent="-317500">
               <a:spcBef>
                 <a:spcPts val="0"/>
               </a:spcBef>
@@ -2690,7 +2873,7 @@
               <a:buChar char="●"/>
               <a:defRPr/>
             </a:lvl7pPr>
-            <a:lvl8pPr indent="-317500" lvl="7" marL="3657600">
+            <a:lvl8pPr marL="3657600" lvl="7" indent="-317500">
               <a:spcBef>
                 <a:spcPts val="0"/>
               </a:spcBef>
@@ -2701,7 +2884,7 @@
               <a:buChar char="○"/>
               <a:defRPr/>
             </a:lvl8pPr>
-            <a:lvl9pPr indent="-317500" lvl="8" marL="4114800">
+            <a:lvl9pPr marL="4114800" lvl="8" indent="-317500">
               <a:spcBef>
                 <a:spcPts val="0"/>
               </a:spcBef>
@@ -2713,15 +2896,19 @@
               <a:defRPr/>
             </a:lvl9pPr>
           </a:lstStyle>
-          <a:p/>
+          <a:p>
+            <a:endParaRPr/>
+          </a:p>
         </p:txBody>
       </p:sp>
       <p:sp>
         <p:nvSpPr>
           <p:cNvPr id="19" name="Google Shape;19;p4"/>
-          <p:cNvSpPr txBox="1"/>
+          <p:cNvSpPr txBox="1">
+            <a:spLocks noGrp="1"/>
+          </p:cNvSpPr>
           <p:nvPr>
-            <p:ph idx="12" type="sldNum"/>
+            <p:ph type="sldNum" idx="12"/>
           </p:nvPr>
         </p:nvSpPr>
         <p:spPr>
@@ -2734,7 +2921,7 @@
           </a:prstGeom>
         </p:spPr>
         <p:txBody>
-          <a:bodyPr anchorCtr="0" anchor="ctr" bIns="91425" lIns="91425" spcFirstLastPara="1" rIns="91425" wrap="square" tIns="91425">
+          <a:bodyPr spcFirstLastPara="1" wrap="square" lIns="91425" tIns="91425" rIns="91425" bIns="91425" anchor="ctr" anchorCtr="0">
             <a:normAutofit/>
           </a:bodyPr>
           <a:lstStyle>
@@ -2776,7 +2963,7 @@
             </a:lvl9pPr>
           </a:lstStyle>
           <a:p>
-            <a:pPr indent="0" lvl="0" marL="0" rtl="0" algn="r">
+            <a:pPr marL="0" lvl="0" indent="0" algn="r" rtl="0">
               <a:spcBef>
                 <a:spcPts val="0"/>
               </a:spcBef>
@@ -2802,11 +2989,11 @@
 </file>
 
 <file path=ppt/slideLayouts/slideLayout4.xml><?xml version="1.0" encoding="utf-8"?>
-<p:sldLayout xmlns:a="http://schemas.openxmlformats.org/drawingml/2006/main" xmlns:r="http://schemas.openxmlformats.org/officeDocument/2006/relationships" xmlns:mc="http://schemas.openxmlformats.org/markup-compatibility/2006" xmlns:mv="urn:schemas-microsoft-com:mac:vml" xmlns:p="http://schemas.openxmlformats.org/presentationml/2006/main" xmlns:c="http://schemas.openxmlformats.org/drawingml/2006/chart" xmlns:dgm="http://schemas.openxmlformats.org/drawingml/2006/diagram" xmlns:o="urn:schemas-microsoft-com:office:office" xmlns:v="urn:schemas-microsoft-com:vml" xmlns:pvml="urn:schemas-microsoft-com:office:powerpoint" xmlns:com="http://schemas.openxmlformats.org/drawingml/2006/compatibility" xmlns:p14="http://schemas.microsoft.com/office/powerpoint/2010/main" xmlns:p15="http://schemas.microsoft.com/office/powerpoint/2012/main" xmlns:ahyp="http://schemas.microsoft.com/office/drawing/2018/hyperlinkcolor" matchingName="Title and two columns" type="twoColTx">
+<p:sldLayout xmlns:a="http://schemas.openxmlformats.org/drawingml/2006/main" xmlns:r="http://schemas.openxmlformats.org/officeDocument/2006/relationships" xmlns:p="http://schemas.openxmlformats.org/presentationml/2006/main" matchingName="Title and two columns" type="twoColTx">
   <p:cSld name="TITLE_AND_TWO_COLUMNS">
     <p:spTree>
       <p:nvGrpSpPr>
-        <p:cNvPr id="20" name="Shape 20"/>
+        <p:cNvPr id="1" name="Shape 20"/>
         <p:cNvGrpSpPr/>
         <p:nvPr/>
       </p:nvGrpSpPr>
@@ -2821,7 +3008,9 @@
       <p:sp>
         <p:nvSpPr>
           <p:cNvPr id="21" name="Google Shape;21;p5"/>
-          <p:cNvSpPr txBox="1"/>
+          <p:cNvSpPr txBox="1">
+            <a:spLocks noGrp="1"/>
+          </p:cNvSpPr>
           <p:nvPr>
             <p:ph type="title"/>
           </p:nvPr>
@@ -2836,7 +3025,7 @@
           </a:prstGeom>
         </p:spPr>
         <p:txBody>
-          <a:bodyPr anchorCtr="0" anchor="t" bIns="91425" lIns="91425" spcFirstLastPara="1" rIns="91425" wrap="square" tIns="91425">
+          <a:bodyPr spcFirstLastPara="1" wrap="square" lIns="91425" tIns="91425" rIns="91425" bIns="91425" anchor="t" anchorCtr="0">
             <a:normAutofit/>
           </a:bodyPr>
           <a:lstStyle>
@@ -2940,15 +3129,19 @@
               <a:defRPr/>
             </a:lvl9pPr>
           </a:lstStyle>
-          <a:p/>
+          <a:p>
+            <a:endParaRPr/>
+          </a:p>
         </p:txBody>
       </p:sp>
       <p:sp>
         <p:nvSpPr>
           <p:cNvPr id="22" name="Google Shape;22;p5"/>
-          <p:cNvSpPr txBox="1"/>
+          <p:cNvSpPr txBox="1">
+            <a:spLocks noGrp="1"/>
+          </p:cNvSpPr>
           <p:nvPr>
-            <p:ph idx="1" type="body"/>
+            <p:ph type="body" idx="1"/>
           </p:nvPr>
         </p:nvSpPr>
         <p:spPr>
@@ -2961,11 +3154,11 @@
           </a:prstGeom>
         </p:spPr>
         <p:txBody>
-          <a:bodyPr anchorCtr="0" anchor="t" bIns="91425" lIns="91425" spcFirstLastPara="1" rIns="91425" wrap="square" tIns="91425">
+          <a:bodyPr spcFirstLastPara="1" wrap="square" lIns="91425" tIns="91425" rIns="91425" bIns="91425" anchor="t" anchorCtr="0">
             <a:normAutofit/>
           </a:bodyPr>
           <a:lstStyle>
-            <a:lvl1pPr indent="-317500" lvl="0" marL="457200">
+            <a:lvl1pPr marL="457200" lvl="0" indent="-317500">
               <a:spcBef>
                 <a:spcPts val="0"/>
               </a:spcBef>
@@ -2976,7 +3169,7 @@
               <a:buChar char="●"/>
               <a:defRPr sz="1400"/>
             </a:lvl1pPr>
-            <a:lvl2pPr indent="-304800" lvl="1" marL="914400">
+            <a:lvl2pPr marL="914400" lvl="1" indent="-304800">
               <a:spcBef>
                 <a:spcPts val="0"/>
               </a:spcBef>
@@ -2987,7 +3180,7 @@
               <a:buChar char="○"/>
               <a:defRPr sz="1200"/>
             </a:lvl2pPr>
-            <a:lvl3pPr indent="-304800" lvl="2" marL="1371600">
+            <a:lvl3pPr marL="1371600" lvl="2" indent="-304800">
               <a:spcBef>
                 <a:spcPts val="0"/>
               </a:spcBef>
@@ -2998,7 +3191,7 @@
               <a:buChar char="■"/>
               <a:defRPr sz="1200"/>
             </a:lvl3pPr>
-            <a:lvl4pPr indent="-304800" lvl="3" marL="1828800">
+            <a:lvl4pPr marL="1828800" lvl="3" indent="-304800">
               <a:spcBef>
                 <a:spcPts val="0"/>
               </a:spcBef>
@@ -3009,7 +3202,7 @@
               <a:buChar char="●"/>
               <a:defRPr sz="1200"/>
             </a:lvl4pPr>
-            <a:lvl5pPr indent="-304800" lvl="4" marL="2286000">
+            <a:lvl5pPr marL="2286000" lvl="4" indent="-304800">
               <a:spcBef>
                 <a:spcPts val="0"/>
               </a:spcBef>
@@ -3020,7 +3213,7 @@
               <a:buChar char="○"/>
               <a:defRPr sz="1200"/>
             </a:lvl5pPr>
-            <a:lvl6pPr indent="-304800" lvl="5" marL="2743200">
+            <a:lvl6pPr marL="2743200" lvl="5" indent="-304800">
               <a:spcBef>
                 <a:spcPts val="0"/>
               </a:spcBef>
@@ -3031,7 +3224,7 @@
               <a:buChar char="■"/>
               <a:defRPr sz="1200"/>
             </a:lvl6pPr>
-            <a:lvl7pPr indent="-304800" lvl="6" marL="3200400">
+            <a:lvl7pPr marL="3200400" lvl="6" indent="-304800">
               <a:spcBef>
                 <a:spcPts val="0"/>
               </a:spcBef>
@@ -3042,7 +3235,7 @@
               <a:buChar char="●"/>
               <a:defRPr sz="1200"/>
             </a:lvl7pPr>
-            <a:lvl8pPr indent="-304800" lvl="7" marL="3657600">
+            <a:lvl8pPr marL="3657600" lvl="7" indent="-304800">
               <a:spcBef>
                 <a:spcPts val="0"/>
               </a:spcBef>
@@ -3053,7 +3246,7 @@
               <a:buChar char="○"/>
               <a:defRPr sz="1200"/>
             </a:lvl8pPr>
-            <a:lvl9pPr indent="-304800" lvl="8" marL="4114800">
+            <a:lvl9pPr marL="4114800" lvl="8" indent="-304800">
               <a:spcBef>
                 <a:spcPts val="0"/>
               </a:spcBef>
@@ -3065,15 +3258,19 @@
               <a:defRPr sz="1200"/>
             </a:lvl9pPr>
           </a:lstStyle>
-          <a:p/>
+          <a:p>
+            <a:endParaRPr/>
+          </a:p>
         </p:txBody>
       </p:sp>
       <p:sp>
         <p:nvSpPr>
           <p:cNvPr id="23" name="Google Shape;23;p5"/>
-          <p:cNvSpPr txBox="1"/>
+          <p:cNvSpPr txBox="1">
+            <a:spLocks noGrp="1"/>
+          </p:cNvSpPr>
           <p:nvPr>
-            <p:ph idx="2" type="body"/>
+            <p:ph type="body" idx="2"/>
           </p:nvPr>
         </p:nvSpPr>
         <p:spPr>
@@ -3086,11 +3283,11 @@
           </a:prstGeom>
         </p:spPr>
         <p:txBody>
-          <a:bodyPr anchorCtr="0" anchor="t" bIns="91425" lIns="91425" spcFirstLastPara="1" rIns="91425" wrap="square" tIns="91425">
+          <a:bodyPr spcFirstLastPara="1" wrap="square" lIns="91425" tIns="91425" rIns="91425" bIns="91425" anchor="t" anchorCtr="0">
             <a:normAutofit/>
           </a:bodyPr>
           <a:lstStyle>
-            <a:lvl1pPr indent="-317500" lvl="0" marL="457200">
+            <a:lvl1pPr marL="457200" lvl="0" indent="-317500">
               <a:spcBef>
                 <a:spcPts val="0"/>
               </a:spcBef>
@@ -3101,7 +3298,7 @@
               <a:buChar char="●"/>
               <a:defRPr sz="1400"/>
             </a:lvl1pPr>
-            <a:lvl2pPr indent="-304800" lvl="1" marL="914400">
+            <a:lvl2pPr marL="914400" lvl="1" indent="-304800">
               <a:spcBef>
                 <a:spcPts val="0"/>
               </a:spcBef>
@@ -3112,7 +3309,7 @@
               <a:buChar char="○"/>
               <a:defRPr sz="1200"/>
             </a:lvl2pPr>
-            <a:lvl3pPr indent="-304800" lvl="2" marL="1371600">
+            <a:lvl3pPr marL="1371600" lvl="2" indent="-304800">
               <a:spcBef>
                 <a:spcPts val="0"/>
               </a:spcBef>
@@ -3123,7 +3320,7 @@
               <a:buChar char="■"/>
               <a:defRPr sz="1200"/>
             </a:lvl3pPr>
-            <a:lvl4pPr indent="-304800" lvl="3" marL="1828800">
+            <a:lvl4pPr marL="1828800" lvl="3" indent="-304800">
               <a:spcBef>
                 <a:spcPts val="0"/>
               </a:spcBef>
@@ -3134,7 +3331,7 @@
               <a:buChar char="●"/>
               <a:defRPr sz="1200"/>
             </a:lvl4pPr>
-            <a:lvl5pPr indent="-304800" lvl="4" marL="2286000">
+            <a:lvl5pPr marL="2286000" lvl="4" indent="-304800">
               <a:spcBef>
                 <a:spcPts val="0"/>
               </a:spcBef>
@@ -3145,7 +3342,7 @@
               <a:buChar char="○"/>
               <a:defRPr sz="1200"/>
             </a:lvl5pPr>
-            <a:lvl6pPr indent="-304800" lvl="5" marL="2743200">
+            <a:lvl6pPr marL="2743200" lvl="5" indent="-304800">
               <a:spcBef>
                 <a:spcPts val="0"/>
               </a:spcBef>
@@ -3156,7 +3353,7 @@
               <a:buChar char="■"/>
               <a:defRPr sz="1200"/>
             </a:lvl6pPr>
-            <a:lvl7pPr indent="-304800" lvl="6" marL="3200400">
+            <a:lvl7pPr marL="3200400" lvl="6" indent="-304800">
               <a:spcBef>
                 <a:spcPts val="0"/>
               </a:spcBef>
@@ -3167,7 +3364,7 @@
               <a:buChar char="●"/>
               <a:defRPr sz="1200"/>
             </a:lvl7pPr>
-            <a:lvl8pPr indent="-304800" lvl="7" marL="3657600">
+            <a:lvl8pPr marL="3657600" lvl="7" indent="-304800">
               <a:spcBef>
                 <a:spcPts val="0"/>
               </a:spcBef>
@@ -3178,7 +3375,7 @@
               <a:buChar char="○"/>
               <a:defRPr sz="1200"/>
             </a:lvl8pPr>
-            <a:lvl9pPr indent="-304800" lvl="8" marL="4114800">
+            <a:lvl9pPr marL="4114800" lvl="8" indent="-304800">
               <a:spcBef>
                 <a:spcPts val="0"/>
               </a:spcBef>
@@ -3190,15 +3387,19 @@
               <a:defRPr sz="1200"/>
             </a:lvl9pPr>
           </a:lstStyle>
-          <a:p/>
+          <a:p>
+            <a:endParaRPr/>
+          </a:p>
         </p:txBody>
       </p:sp>
       <p:sp>
         <p:nvSpPr>
           <p:cNvPr id="24" name="Google Shape;24;p5"/>
-          <p:cNvSpPr txBox="1"/>
+          <p:cNvSpPr txBox="1">
+            <a:spLocks noGrp="1"/>
+          </p:cNvSpPr>
           <p:nvPr>
-            <p:ph idx="12" type="sldNum"/>
+            <p:ph type="sldNum" idx="12"/>
           </p:nvPr>
         </p:nvSpPr>
         <p:spPr>
@@ -3211,7 +3412,7 @@
           </a:prstGeom>
         </p:spPr>
         <p:txBody>
-          <a:bodyPr anchorCtr="0" anchor="ctr" bIns="91425" lIns="91425" spcFirstLastPara="1" rIns="91425" wrap="square" tIns="91425">
+          <a:bodyPr spcFirstLastPara="1" wrap="square" lIns="91425" tIns="91425" rIns="91425" bIns="91425" anchor="ctr" anchorCtr="0">
             <a:normAutofit/>
           </a:bodyPr>
           <a:lstStyle>
@@ -3253,7 +3454,7 @@
             </a:lvl9pPr>
           </a:lstStyle>
           <a:p>
-            <a:pPr indent="0" lvl="0" marL="0" rtl="0" algn="r">
+            <a:pPr marL="0" lvl="0" indent="0" algn="r" rtl="0">
               <a:spcBef>
                 <a:spcPts val="0"/>
               </a:spcBef>
@@ -3279,11 +3480,11 @@
 </file>
 
 <file path=ppt/slideLayouts/slideLayout5.xml><?xml version="1.0" encoding="utf-8"?>
-<p:sldLayout xmlns:a="http://schemas.openxmlformats.org/drawingml/2006/main" xmlns:r="http://schemas.openxmlformats.org/officeDocument/2006/relationships" xmlns:mc="http://schemas.openxmlformats.org/markup-compatibility/2006" xmlns:mv="urn:schemas-microsoft-com:mac:vml" xmlns:p="http://schemas.openxmlformats.org/presentationml/2006/main" xmlns:c="http://schemas.openxmlformats.org/drawingml/2006/chart" xmlns:dgm="http://schemas.openxmlformats.org/drawingml/2006/diagram" xmlns:o="urn:schemas-microsoft-com:office:office" xmlns:v="urn:schemas-microsoft-com:vml" xmlns:pvml="urn:schemas-microsoft-com:office:powerpoint" xmlns:com="http://schemas.openxmlformats.org/drawingml/2006/compatibility" xmlns:p14="http://schemas.microsoft.com/office/powerpoint/2010/main" xmlns:p15="http://schemas.microsoft.com/office/powerpoint/2012/main" xmlns:ahyp="http://schemas.microsoft.com/office/drawing/2018/hyperlinkcolor" matchingName="Title only" type="titleOnly">
+<p:sldLayout xmlns:a="http://schemas.openxmlformats.org/drawingml/2006/main" xmlns:r="http://schemas.openxmlformats.org/officeDocument/2006/relationships" xmlns:p="http://schemas.openxmlformats.org/presentationml/2006/main" matchingName="Title only" type="titleOnly">
   <p:cSld name="TITLE_ONLY">
     <p:spTree>
       <p:nvGrpSpPr>
-        <p:cNvPr id="25" name="Shape 25"/>
+        <p:cNvPr id="1" name="Shape 25"/>
         <p:cNvGrpSpPr/>
         <p:nvPr/>
       </p:nvGrpSpPr>
@@ -3298,7 +3499,9 @@
       <p:sp>
         <p:nvSpPr>
           <p:cNvPr id="26" name="Google Shape;26;p6"/>
-          <p:cNvSpPr txBox="1"/>
+          <p:cNvSpPr txBox="1">
+            <a:spLocks noGrp="1"/>
+          </p:cNvSpPr>
           <p:nvPr>
             <p:ph type="title"/>
           </p:nvPr>
@@ -3313,7 +3516,7 @@
           </a:prstGeom>
         </p:spPr>
         <p:txBody>
-          <a:bodyPr anchorCtr="0" anchor="t" bIns="91425" lIns="91425" spcFirstLastPara="1" rIns="91425" wrap="square" tIns="91425">
+          <a:bodyPr spcFirstLastPara="1" wrap="square" lIns="91425" tIns="91425" rIns="91425" bIns="91425" anchor="t" anchorCtr="0">
             <a:normAutofit/>
           </a:bodyPr>
           <a:lstStyle>
@@ -3417,15 +3620,19 @@
               <a:defRPr/>
             </a:lvl9pPr>
           </a:lstStyle>
-          <a:p/>
+          <a:p>
+            <a:endParaRPr/>
+          </a:p>
         </p:txBody>
       </p:sp>
       <p:sp>
         <p:nvSpPr>
           <p:cNvPr id="27" name="Google Shape;27;p6"/>
-          <p:cNvSpPr txBox="1"/>
+          <p:cNvSpPr txBox="1">
+            <a:spLocks noGrp="1"/>
+          </p:cNvSpPr>
           <p:nvPr>
-            <p:ph idx="12" type="sldNum"/>
+            <p:ph type="sldNum" idx="12"/>
           </p:nvPr>
         </p:nvSpPr>
         <p:spPr>
@@ -3438,7 +3645,7 @@
           </a:prstGeom>
         </p:spPr>
         <p:txBody>
-          <a:bodyPr anchorCtr="0" anchor="ctr" bIns="91425" lIns="91425" spcFirstLastPara="1" rIns="91425" wrap="square" tIns="91425">
+          <a:bodyPr spcFirstLastPara="1" wrap="square" lIns="91425" tIns="91425" rIns="91425" bIns="91425" anchor="ctr" anchorCtr="0">
             <a:normAutofit/>
           </a:bodyPr>
           <a:lstStyle>
@@ -3480,7 +3687,7 @@
             </a:lvl9pPr>
           </a:lstStyle>
           <a:p>
-            <a:pPr indent="0" lvl="0" marL="0" rtl="0" algn="r">
+            <a:pPr marL="0" lvl="0" indent="0" algn="r" rtl="0">
               <a:spcBef>
                 <a:spcPts val="0"/>
               </a:spcBef>
@@ -3506,11 +3713,11 @@
 </file>
 
 <file path=ppt/slideLayouts/slideLayout6.xml><?xml version="1.0" encoding="utf-8"?>
-<p:sldLayout xmlns:a="http://schemas.openxmlformats.org/drawingml/2006/main" xmlns:r="http://schemas.openxmlformats.org/officeDocument/2006/relationships" xmlns:mc="http://schemas.openxmlformats.org/markup-compatibility/2006" xmlns:mv="urn:schemas-microsoft-com:mac:vml" xmlns:p="http://schemas.openxmlformats.org/presentationml/2006/main" xmlns:c="http://schemas.openxmlformats.org/drawingml/2006/chart" xmlns:dgm="http://schemas.openxmlformats.org/drawingml/2006/diagram" xmlns:o="urn:schemas-microsoft-com:office:office" xmlns:v="urn:schemas-microsoft-com:vml" xmlns:pvml="urn:schemas-microsoft-com:office:powerpoint" xmlns:com="http://schemas.openxmlformats.org/drawingml/2006/compatibility" xmlns:p14="http://schemas.microsoft.com/office/powerpoint/2010/main" xmlns:p15="http://schemas.microsoft.com/office/powerpoint/2012/main" xmlns:ahyp="http://schemas.microsoft.com/office/drawing/2018/hyperlinkcolor" matchingName="One column text">
+<p:sldLayout xmlns:a="http://schemas.openxmlformats.org/drawingml/2006/main" xmlns:r="http://schemas.openxmlformats.org/officeDocument/2006/relationships" xmlns:p="http://schemas.openxmlformats.org/presentationml/2006/main" matchingName="One column text">
   <p:cSld name="ONE_COLUMN_TEXT">
     <p:spTree>
       <p:nvGrpSpPr>
-        <p:cNvPr id="28" name="Shape 28"/>
+        <p:cNvPr id="1" name="Shape 28"/>
         <p:cNvGrpSpPr/>
         <p:nvPr/>
       </p:nvGrpSpPr>
@@ -3525,7 +3732,9 @@
       <p:sp>
         <p:nvSpPr>
           <p:cNvPr id="29" name="Google Shape;29;p7"/>
-          <p:cNvSpPr txBox="1"/>
+          <p:cNvSpPr txBox="1">
+            <a:spLocks noGrp="1"/>
+          </p:cNvSpPr>
           <p:nvPr>
             <p:ph type="title"/>
           </p:nvPr>
@@ -3540,7 +3749,7 @@
           </a:prstGeom>
         </p:spPr>
         <p:txBody>
-          <a:bodyPr anchorCtr="0" anchor="b" bIns="91425" lIns="91425" spcFirstLastPara="1" rIns="91425" wrap="square" tIns="91425">
+          <a:bodyPr spcFirstLastPara="1" wrap="square" lIns="91425" tIns="91425" rIns="91425" bIns="91425" anchor="b" anchorCtr="0">
             <a:normAutofit/>
           </a:bodyPr>
           <a:lstStyle>
@@ -3644,15 +3853,19 @@
               <a:defRPr sz="2400"/>
             </a:lvl9pPr>
           </a:lstStyle>
-          <a:p/>
+          <a:p>
+            <a:endParaRPr/>
+          </a:p>
         </p:txBody>
       </p:sp>
       <p:sp>
         <p:nvSpPr>
           <p:cNvPr id="30" name="Google Shape;30;p7"/>
-          <p:cNvSpPr txBox="1"/>
+          <p:cNvSpPr txBox="1">
+            <a:spLocks noGrp="1"/>
+          </p:cNvSpPr>
           <p:nvPr>
-            <p:ph idx="1" type="body"/>
+            <p:ph type="body" idx="1"/>
           </p:nvPr>
         </p:nvSpPr>
         <p:spPr>
@@ -3665,11 +3878,11 @@
           </a:prstGeom>
         </p:spPr>
         <p:txBody>
-          <a:bodyPr anchorCtr="0" anchor="t" bIns="91425" lIns="91425" spcFirstLastPara="1" rIns="91425" wrap="square" tIns="91425">
+          <a:bodyPr spcFirstLastPara="1" wrap="square" lIns="91425" tIns="91425" rIns="91425" bIns="91425" anchor="t" anchorCtr="0">
             <a:normAutofit/>
           </a:bodyPr>
           <a:lstStyle>
-            <a:lvl1pPr indent="-304800" lvl="0" marL="457200">
+            <a:lvl1pPr marL="457200" lvl="0" indent="-304800">
               <a:spcBef>
                 <a:spcPts val="0"/>
               </a:spcBef>
@@ -3680,7 +3893,7 @@
               <a:buChar char="●"/>
               <a:defRPr sz="1200"/>
             </a:lvl1pPr>
-            <a:lvl2pPr indent="-304800" lvl="1" marL="914400">
+            <a:lvl2pPr marL="914400" lvl="1" indent="-304800">
               <a:spcBef>
                 <a:spcPts val="0"/>
               </a:spcBef>
@@ -3691,7 +3904,7 @@
               <a:buChar char="○"/>
               <a:defRPr sz="1200"/>
             </a:lvl2pPr>
-            <a:lvl3pPr indent="-304800" lvl="2" marL="1371600">
+            <a:lvl3pPr marL="1371600" lvl="2" indent="-304800">
               <a:spcBef>
                 <a:spcPts val="0"/>
               </a:spcBef>
@@ -3702,7 +3915,7 @@
               <a:buChar char="■"/>
               <a:defRPr sz="1200"/>
             </a:lvl3pPr>
-            <a:lvl4pPr indent="-304800" lvl="3" marL="1828800">
+            <a:lvl4pPr marL="1828800" lvl="3" indent="-304800">
               <a:spcBef>
                 <a:spcPts val="0"/>
               </a:spcBef>
@@ -3713,7 +3926,7 @@
               <a:buChar char="●"/>
               <a:defRPr sz="1200"/>
             </a:lvl4pPr>
-            <a:lvl5pPr indent="-304800" lvl="4" marL="2286000">
+            <a:lvl5pPr marL="2286000" lvl="4" indent="-304800">
               <a:spcBef>
                 <a:spcPts val="0"/>
               </a:spcBef>
@@ -3724,7 +3937,7 @@
               <a:buChar char="○"/>
               <a:defRPr sz="1200"/>
             </a:lvl5pPr>
-            <a:lvl6pPr indent="-304800" lvl="5" marL="2743200">
+            <a:lvl6pPr marL="2743200" lvl="5" indent="-304800">
               <a:spcBef>
                 <a:spcPts val="0"/>
               </a:spcBef>
@@ -3735,7 +3948,7 @@
               <a:buChar char="■"/>
               <a:defRPr sz="1200"/>
             </a:lvl6pPr>
-            <a:lvl7pPr indent="-304800" lvl="6" marL="3200400">
+            <a:lvl7pPr marL="3200400" lvl="6" indent="-304800">
               <a:spcBef>
                 <a:spcPts val="0"/>
               </a:spcBef>
@@ -3746,7 +3959,7 @@
               <a:buChar char="●"/>
               <a:defRPr sz="1200"/>
             </a:lvl7pPr>
-            <a:lvl8pPr indent="-304800" lvl="7" marL="3657600">
+            <a:lvl8pPr marL="3657600" lvl="7" indent="-304800">
               <a:spcBef>
                 <a:spcPts val="0"/>
               </a:spcBef>
@@ -3757,7 +3970,7 @@
               <a:buChar char="○"/>
               <a:defRPr sz="1200"/>
             </a:lvl8pPr>
-            <a:lvl9pPr indent="-304800" lvl="8" marL="4114800">
+            <a:lvl9pPr marL="4114800" lvl="8" indent="-304800">
               <a:spcBef>
                 <a:spcPts val="0"/>
               </a:spcBef>
@@ -3769,15 +3982,19 @@
               <a:defRPr sz="1200"/>
             </a:lvl9pPr>
           </a:lstStyle>
-          <a:p/>
+          <a:p>
+            <a:endParaRPr/>
+          </a:p>
         </p:txBody>
       </p:sp>
       <p:sp>
         <p:nvSpPr>
           <p:cNvPr id="31" name="Google Shape;31;p7"/>
-          <p:cNvSpPr txBox="1"/>
+          <p:cNvSpPr txBox="1">
+            <a:spLocks noGrp="1"/>
+          </p:cNvSpPr>
           <p:nvPr>
-            <p:ph idx="12" type="sldNum"/>
+            <p:ph type="sldNum" idx="12"/>
           </p:nvPr>
         </p:nvSpPr>
         <p:spPr>
@@ -3790,7 +4007,7 @@
           </a:prstGeom>
         </p:spPr>
         <p:txBody>
-          <a:bodyPr anchorCtr="0" anchor="ctr" bIns="91425" lIns="91425" spcFirstLastPara="1" rIns="91425" wrap="square" tIns="91425">
+          <a:bodyPr spcFirstLastPara="1" wrap="square" lIns="91425" tIns="91425" rIns="91425" bIns="91425" anchor="ctr" anchorCtr="0">
             <a:normAutofit/>
           </a:bodyPr>
           <a:lstStyle>
@@ -3832,7 +4049,7 @@
             </a:lvl9pPr>
           </a:lstStyle>
           <a:p>
-            <a:pPr indent="0" lvl="0" marL="0" rtl="0" algn="r">
+            <a:pPr marL="0" lvl="0" indent="0" algn="r" rtl="0">
               <a:spcBef>
                 <a:spcPts val="0"/>
               </a:spcBef>
@@ -3858,11 +4075,11 @@
 </file>
 
 <file path=ppt/slideLayouts/slideLayout7.xml><?xml version="1.0" encoding="utf-8"?>
-<p:sldLayout xmlns:a="http://schemas.openxmlformats.org/drawingml/2006/main" xmlns:r="http://schemas.openxmlformats.org/officeDocument/2006/relationships" xmlns:mc="http://schemas.openxmlformats.org/markup-compatibility/2006" xmlns:mv="urn:schemas-microsoft-com:mac:vml" xmlns:p="http://schemas.openxmlformats.org/presentationml/2006/main" xmlns:c="http://schemas.openxmlformats.org/drawingml/2006/chart" xmlns:dgm="http://schemas.openxmlformats.org/drawingml/2006/diagram" xmlns:o="urn:schemas-microsoft-com:office:office" xmlns:v="urn:schemas-microsoft-com:vml" xmlns:pvml="urn:schemas-microsoft-com:office:powerpoint" xmlns:com="http://schemas.openxmlformats.org/drawingml/2006/compatibility" xmlns:p14="http://schemas.microsoft.com/office/powerpoint/2010/main" xmlns:p15="http://schemas.microsoft.com/office/powerpoint/2012/main" xmlns:ahyp="http://schemas.microsoft.com/office/drawing/2018/hyperlinkcolor" matchingName="Main point">
+<p:sldLayout xmlns:a="http://schemas.openxmlformats.org/drawingml/2006/main" xmlns:r="http://schemas.openxmlformats.org/officeDocument/2006/relationships" xmlns:p="http://schemas.openxmlformats.org/presentationml/2006/main" matchingName="Main point">
   <p:cSld name="MAIN_POINT">
     <p:spTree>
       <p:nvGrpSpPr>
-        <p:cNvPr id="32" name="Shape 32"/>
+        <p:cNvPr id="1" name="Shape 32"/>
         <p:cNvGrpSpPr/>
         <p:nvPr/>
       </p:nvGrpSpPr>
@@ -3877,7 +4094,9 @@
       <p:sp>
         <p:nvSpPr>
           <p:cNvPr id="33" name="Google Shape;33;p8"/>
-          <p:cNvSpPr txBox="1"/>
+          <p:cNvSpPr txBox="1">
+            <a:spLocks noGrp="1"/>
+          </p:cNvSpPr>
           <p:nvPr>
             <p:ph type="title"/>
           </p:nvPr>
@@ -3892,7 +4111,7 @@
           </a:prstGeom>
         </p:spPr>
         <p:txBody>
-          <a:bodyPr anchorCtr="0" anchor="ctr" bIns="91425" lIns="91425" spcFirstLastPara="1" rIns="91425" wrap="square" tIns="91425">
+          <a:bodyPr spcFirstLastPara="1" wrap="square" lIns="91425" tIns="91425" rIns="91425" bIns="91425" anchor="ctr" anchorCtr="0">
             <a:normAutofit/>
           </a:bodyPr>
           <a:lstStyle>
@@ -3996,15 +4215,19 @@
               <a:defRPr sz="4800"/>
             </a:lvl9pPr>
           </a:lstStyle>
-          <a:p/>
+          <a:p>
+            <a:endParaRPr/>
+          </a:p>
         </p:txBody>
       </p:sp>
       <p:sp>
         <p:nvSpPr>
           <p:cNvPr id="34" name="Google Shape;34;p8"/>
-          <p:cNvSpPr txBox="1"/>
+          <p:cNvSpPr txBox="1">
+            <a:spLocks noGrp="1"/>
+          </p:cNvSpPr>
           <p:nvPr>
-            <p:ph idx="12" type="sldNum"/>
+            <p:ph type="sldNum" idx="12"/>
           </p:nvPr>
         </p:nvSpPr>
         <p:spPr>
@@ -4017,7 +4240,7 @@
           </a:prstGeom>
         </p:spPr>
         <p:txBody>
-          <a:bodyPr anchorCtr="0" anchor="ctr" bIns="91425" lIns="91425" spcFirstLastPara="1" rIns="91425" wrap="square" tIns="91425">
+          <a:bodyPr spcFirstLastPara="1" wrap="square" lIns="91425" tIns="91425" rIns="91425" bIns="91425" anchor="ctr" anchorCtr="0">
             <a:normAutofit/>
           </a:bodyPr>
           <a:lstStyle>
@@ -4059,7 +4282,7 @@
             </a:lvl9pPr>
           </a:lstStyle>
           <a:p>
-            <a:pPr indent="0" lvl="0" marL="0" rtl="0" algn="r">
+            <a:pPr marL="0" lvl="0" indent="0" algn="r" rtl="0">
               <a:spcBef>
                 <a:spcPts val="0"/>
               </a:spcBef>
@@ -4085,11 +4308,11 @@
 </file>
 
 <file path=ppt/slideLayouts/slideLayout8.xml><?xml version="1.0" encoding="utf-8"?>
-<p:sldLayout xmlns:a="http://schemas.openxmlformats.org/drawingml/2006/main" xmlns:r="http://schemas.openxmlformats.org/officeDocument/2006/relationships" xmlns:mc="http://schemas.openxmlformats.org/markup-compatibility/2006" xmlns:mv="urn:schemas-microsoft-com:mac:vml" xmlns:p="http://schemas.openxmlformats.org/presentationml/2006/main" xmlns:c="http://schemas.openxmlformats.org/drawingml/2006/chart" xmlns:dgm="http://schemas.openxmlformats.org/drawingml/2006/diagram" xmlns:o="urn:schemas-microsoft-com:office:office" xmlns:v="urn:schemas-microsoft-com:vml" xmlns:pvml="urn:schemas-microsoft-com:office:powerpoint" xmlns:com="http://schemas.openxmlformats.org/drawingml/2006/compatibility" xmlns:p14="http://schemas.microsoft.com/office/powerpoint/2010/main" xmlns:p15="http://schemas.microsoft.com/office/powerpoint/2012/main" xmlns:ahyp="http://schemas.microsoft.com/office/drawing/2018/hyperlinkcolor" matchingName="Section title and description">
+<p:sldLayout xmlns:a="http://schemas.openxmlformats.org/drawingml/2006/main" xmlns:r="http://schemas.openxmlformats.org/officeDocument/2006/relationships" xmlns:p="http://schemas.openxmlformats.org/presentationml/2006/main" matchingName="Section title and description">
   <p:cSld name="SECTION_TITLE_AND_DESCRIPTION">
     <p:spTree>
       <p:nvGrpSpPr>
-        <p:cNvPr id="35" name="Shape 35"/>
+        <p:cNvPr id="1" name="Shape 35"/>
         <p:cNvGrpSpPr/>
         <p:nvPr/>
       </p:nvGrpSpPr>
@@ -4123,12 +4346,12 @@
           </a:ln>
         </p:spPr>
         <p:txBody>
-          <a:bodyPr anchorCtr="0" anchor="ctr" bIns="91425" lIns="91425" spcFirstLastPara="1" rIns="91425" wrap="square" tIns="91425">
+          <a:bodyPr spcFirstLastPara="1" wrap="square" lIns="91425" tIns="91425" rIns="91425" bIns="91425" anchor="ctr" anchorCtr="0">
             <a:noAutofit/>
           </a:bodyPr>
           <a:lstStyle/>
           <a:p>
-            <a:pPr indent="0" lvl="0" marL="0" rtl="0" algn="l">
+            <a:pPr marL="0" lvl="0" indent="0" algn="l" rtl="0">
               <a:spcBef>
                 <a:spcPts val="0"/>
               </a:spcBef>
@@ -4137,9 +4360,6 @@
               </a:spcAft>
               <a:buNone/>
             </a:pPr>
-            <a:r>
-              <a:t/>
-            </a:r>
             <a:endParaRPr/>
           </a:p>
         </p:txBody>
@@ -4147,7 +4367,9 @@
       <p:sp>
         <p:nvSpPr>
           <p:cNvPr id="37" name="Google Shape;37;p9"/>
-          <p:cNvSpPr txBox="1"/>
+          <p:cNvSpPr txBox="1">
+            <a:spLocks noGrp="1"/>
+          </p:cNvSpPr>
           <p:nvPr>
             <p:ph type="title"/>
           </p:nvPr>
@@ -4162,7 +4384,7 @@
           </a:prstGeom>
         </p:spPr>
         <p:txBody>
-          <a:bodyPr anchorCtr="0" anchor="b" bIns="91425" lIns="91425" spcFirstLastPara="1" rIns="91425" wrap="square" tIns="91425">
+          <a:bodyPr spcFirstLastPara="1" wrap="square" lIns="91425" tIns="91425" rIns="91425" bIns="91425" anchor="b" anchorCtr="0">
             <a:normAutofit/>
           </a:bodyPr>
           <a:lstStyle>
@@ -4266,15 +4488,19 @@
               <a:defRPr sz="4200"/>
             </a:lvl9pPr>
           </a:lstStyle>
-          <a:p/>
+          <a:p>
+            <a:endParaRPr/>
+          </a:p>
         </p:txBody>
       </p:sp>
       <p:sp>
         <p:nvSpPr>
           <p:cNvPr id="38" name="Google Shape;38;p9"/>
-          <p:cNvSpPr txBox="1"/>
+          <p:cNvSpPr txBox="1">
+            <a:spLocks noGrp="1"/>
+          </p:cNvSpPr>
           <p:nvPr>
-            <p:ph idx="1" type="subTitle"/>
+            <p:ph type="subTitle" idx="1"/>
           </p:nvPr>
         </p:nvSpPr>
         <p:spPr>
@@ -4287,7 +4513,7 @@
           </a:prstGeom>
         </p:spPr>
         <p:txBody>
-          <a:bodyPr anchorCtr="0" anchor="t" bIns="91425" lIns="91425" spcFirstLastPara="1" rIns="91425" wrap="square" tIns="91425">
+          <a:bodyPr spcFirstLastPara="1" wrap="square" lIns="91425" tIns="91425" rIns="91425" bIns="91425" anchor="t" anchorCtr="0">
             <a:normAutofit/>
           </a:bodyPr>
           <a:lstStyle>
@@ -4418,15 +4644,19 @@
               <a:defRPr sz="2100"/>
             </a:lvl9pPr>
           </a:lstStyle>
-          <a:p/>
+          <a:p>
+            <a:endParaRPr/>
+          </a:p>
         </p:txBody>
       </p:sp>
       <p:sp>
         <p:nvSpPr>
           <p:cNvPr id="39" name="Google Shape;39;p9"/>
-          <p:cNvSpPr txBox="1"/>
+          <p:cNvSpPr txBox="1">
+            <a:spLocks noGrp="1"/>
+          </p:cNvSpPr>
           <p:nvPr>
-            <p:ph idx="2" type="body"/>
+            <p:ph type="body" idx="2"/>
           </p:nvPr>
         </p:nvSpPr>
         <p:spPr>
@@ -4439,11 +4669,11 @@
           </a:prstGeom>
         </p:spPr>
         <p:txBody>
-          <a:bodyPr anchorCtr="0" anchor="ctr" bIns="91425" lIns="91425" spcFirstLastPara="1" rIns="91425" wrap="square" tIns="91425">
+          <a:bodyPr spcFirstLastPara="1" wrap="square" lIns="91425" tIns="91425" rIns="91425" bIns="91425" anchor="ctr" anchorCtr="0">
             <a:normAutofit/>
           </a:bodyPr>
           <a:lstStyle>
-            <a:lvl1pPr indent="-342900" lvl="0" marL="457200">
+            <a:lvl1pPr marL="457200" lvl="0" indent="-342900">
               <a:spcBef>
                 <a:spcPts val="0"/>
               </a:spcBef>
@@ -4461,7 +4691,7 @@
                 </a:solidFill>
               </a:defRPr>
             </a:lvl1pPr>
-            <a:lvl2pPr indent="-317500" lvl="1" marL="914400">
+            <a:lvl2pPr marL="914400" lvl="1" indent="-317500">
               <a:spcBef>
                 <a:spcPts val="0"/>
               </a:spcBef>
@@ -4479,7 +4709,7 @@
                 </a:solidFill>
               </a:defRPr>
             </a:lvl2pPr>
-            <a:lvl3pPr indent="-317500" lvl="2" marL="1371600">
+            <a:lvl3pPr marL="1371600" lvl="2" indent="-317500">
               <a:spcBef>
                 <a:spcPts val="0"/>
               </a:spcBef>
@@ -4497,7 +4727,7 @@
                 </a:solidFill>
               </a:defRPr>
             </a:lvl3pPr>
-            <a:lvl4pPr indent="-317500" lvl="3" marL="1828800">
+            <a:lvl4pPr marL="1828800" lvl="3" indent="-317500">
               <a:spcBef>
                 <a:spcPts val="0"/>
               </a:spcBef>
@@ -4515,7 +4745,7 @@
                 </a:solidFill>
               </a:defRPr>
             </a:lvl4pPr>
-            <a:lvl5pPr indent="-317500" lvl="4" marL="2286000">
+            <a:lvl5pPr marL="2286000" lvl="4" indent="-317500">
               <a:spcBef>
                 <a:spcPts val="0"/>
               </a:spcBef>
@@ -4533,7 +4763,7 @@
                 </a:solidFill>
               </a:defRPr>
             </a:lvl5pPr>
-            <a:lvl6pPr indent="-317500" lvl="5" marL="2743200">
+            <a:lvl6pPr marL="2743200" lvl="5" indent="-317500">
               <a:spcBef>
                 <a:spcPts val="0"/>
               </a:spcBef>
@@ -4551,7 +4781,7 @@
                 </a:solidFill>
               </a:defRPr>
             </a:lvl6pPr>
-            <a:lvl7pPr indent="-317500" lvl="6" marL="3200400">
+            <a:lvl7pPr marL="3200400" lvl="6" indent="-317500">
               <a:spcBef>
                 <a:spcPts val="0"/>
               </a:spcBef>
@@ -4569,7 +4799,7 @@
                 </a:solidFill>
               </a:defRPr>
             </a:lvl7pPr>
-            <a:lvl8pPr indent="-317500" lvl="7" marL="3657600">
+            <a:lvl8pPr marL="3657600" lvl="7" indent="-317500">
               <a:spcBef>
                 <a:spcPts val="0"/>
               </a:spcBef>
@@ -4587,7 +4817,7 @@
                 </a:solidFill>
               </a:defRPr>
             </a:lvl8pPr>
-            <a:lvl9pPr indent="-317500" lvl="8" marL="4114800">
+            <a:lvl9pPr marL="4114800" lvl="8" indent="-317500">
               <a:spcBef>
                 <a:spcPts val="0"/>
               </a:spcBef>
@@ -4606,15 +4836,19 @@
               </a:defRPr>
             </a:lvl9pPr>
           </a:lstStyle>
-          <a:p/>
+          <a:p>
+            <a:endParaRPr/>
+          </a:p>
         </p:txBody>
       </p:sp>
       <p:sp>
         <p:nvSpPr>
           <p:cNvPr id="40" name="Google Shape;40;p9"/>
-          <p:cNvSpPr txBox="1"/>
+          <p:cNvSpPr txBox="1">
+            <a:spLocks noGrp="1"/>
+          </p:cNvSpPr>
           <p:nvPr>
-            <p:ph idx="12" type="sldNum"/>
+            <p:ph type="sldNum" idx="12"/>
           </p:nvPr>
         </p:nvSpPr>
         <p:spPr>
@@ -4627,7 +4861,7 @@
           </a:prstGeom>
         </p:spPr>
         <p:txBody>
-          <a:bodyPr anchorCtr="0" anchor="ctr" bIns="91425" lIns="91425" spcFirstLastPara="1" rIns="91425" wrap="square" tIns="91425">
+          <a:bodyPr spcFirstLastPara="1" wrap="square" lIns="91425" tIns="91425" rIns="91425" bIns="91425" anchor="ctr" anchorCtr="0">
             <a:normAutofit/>
           </a:bodyPr>
           <a:lstStyle>
@@ -4669,7 +4903,7 @@
             </a:lvl9pPr>
           </a:lstStyle>
           <a:p>
-            <a:pPr indent="0" lvl="0" marL="0" rtl="0" algn="r">
+            <a:pPr marL="0" lvl="0" indent="0" algn="r" rtl="0">
               <a:spcBef>
                 <a:spcPts val="0"/>
               </a:spcBef>
@@ -4695,11 +4929,11 @@
 </file>
 
 <file path=ppt/slideLayouts/slideLayout9.xml><?xml version="1.0" encoding="utf-8"?>
-<p:sldLayout xmlns:a="http://schemas.openxmlformats.org/drawingml/2006/main" xmlns:r="http://schemas.openxmlformats.org/officeDocument/2006/relationships" xmlns:mc="http://schemas.openxmlformats.org/markup-compatibility/2006" xmlns:mv="urn:schemas-microsoft-com:mac:vml" xmlns:p="http://schemas.openxmlformats.org/presentationml/2006/main" xmlns:c="http://schemas.openxmlformats.org/drawingml/2006/chart" xmlns:dgm="http://schemas.openxmlformats.org/drawingml/2006/diagram" xmlns:o="urn:schemas-microsoft-com:office:office" xmlns:v="urn:schemas-microsoft-com:vml" xmlns:pvml="urn:schemas-microsoft-com:office:powerpoint" xmlns:com="http://schemas.openxmlformats.org/drawingml/2006/compatibility" xmlns:p14="http://schemas.microsoft.com/office/powerpoint/2010/main" xmlns:p15="http://schemas.microsoft.com/office/powerpoint/2012/main" xmlns:ahyp="http://schemas.microsoft.com/office/drawing/2018/hyperlinkcolor" matchingName="Caption">
+<p:sldLayout xmlns:a="http://schemas.openxmlformats.org/drawingml/2006/main" xmlns:r="http://schemas.openxmlformats.org/officeDocument/2006/relationships" xmlns:p="http://schemas.openxmlformats.org/presentationml/2006/main" matchingName="Caption">
   <p:cSld name="CAPTION_ONLY">
     <p:spTree>
       <p:nvGrpSpPr>
-        <p:cNvPr id="41" name="Shape 41"/>
+        <p:cNvPr id="1" name="Shape 41"/>
         <p:cNvGrpSpPr/>
         <p:nvPr/>
       </p:nvGrpSpPr>
@@ -4714,9 +4948,11 @@
       <p:sp>
         <p:nvSpPr>
           <p:cNvPr id="42" name="Google Shape;42;p10"/>
-          <p:cNvSpPr txBox="1"/>
+          <p:cNvSpPr txBox="1">
+            <a:spLocks noGrp="1"/>
+          </p:cNvSpPr>
           <p:nvPr>
-            <p:ph idx="1" type="body"/>
+            <p:ph type="body" idx="1"/>
           </p:nvPr>
         </p:nvSpPr>
         <p:spPr>
@@ -4729,11 +4965,11 @@
           </a:prstGeom>
         </p:spPr>
         <p:txBody>
-          <a:bodyPr anchorCtr="0" anchor="ctr" bIns="91425" lIns="91425" spcFirstLastPara="1" rIns="91425" wrap="square" tIns="91425">
+          <a:bodyPr spcFirstLastPara="1" wrap="square" lIns="91425" tIns="91425" rIns="91425" bIns="91425" anchor="ctr" anchorCtr="0">
             <a:normAutofit/>
           </a:bodyPr>
           <a:lstStyle>
-            <a:lvl1pPr indent="-228600" lvl="0" marL="457200">
+            <a:lvl1pPr marL="457200" lvl="0" indent="-228600">
               <a:lnSpc>
                 <a:spcPct val="100000"/>
               </a:lnSpc>
@@ -4748,15 +4984,19 @@
               <a:defRPr/>
             </a:lvl1pPr>
           </a:lstStyle>
-          <a:p/>
+          <a:p>
+            <a:endParaRPr/>
+          </a:p>
         </p:txBody>
       </p:sp>
       <p:sp>
         <p:nvSpPr>
           <p:cNvPr id="43" name="Google Shape;43;p10"/>
-          <p:cNvSpPr txBox="1"/>
+          <p:cNvSpPr txBox="1">
+            <a:spLocks noGrp="1"/>
+          </p:cNvSpPr>
           <p:nvPr>
-            <p:ph idx="12" type="sldNum"/>
+            <p:ph type="sldNum" idx="12"/>
           </p:nvPr>
         </p:nvSpPr>
         <p:spPr>
@@ -4769,7 +5009,7 @@
           </a:prstGeom>
         </p:spPr>
         <p:txBody>
-          <a:bodyPr anchorCtr="0" anchor="ctr" bIns="91425" lIns="91425" spcFirstLastPara="1" rIns="91425" wrap="square" tIns="91425">
+          <a:bodyPr spcFirstLastPara="1" wrap="square" lIns="91425" tIns="91425" rIns="91425" bIns="91425" anchor="ctr" anchorCtr="0">
             <a:normAutofit/>
           </a:bodyPr>
           <a:lstStyle>
@@ -4811,7 +5051,7 @@
             </a:lvl9pPr>
           </a:lstStyle>
           <a:p>
-            <a:pPr indent="0" lvl="0" marL="0" rtl="0" algn="r">
+            <a:pPr marL="0" lvl="0" indent="0" algn="r" rtl="0">
               <a:spcBef>
                 <a:spcPts val="0"/>
               </a:spcBef>
@@ -4837,18 +5077,19 @@
 </file>
 
 <file path=ppt/slideMasters/slideMaster1.xml><?xml version="1.0" encoding="utf-8"?>
-<p:sldMaster xmlns:a="http://schemas.openxmlformats.org/drawingml/2006/main" xmlns:r="http://schemas.openxmlformats.org/officeDocument/2006/relationships" xmlns:mc="http://schemas.openxmlformats.org/markup-compatibility/2006" xmlns:mv="urn:schemas-microsoft-com:mac:vml" xmlns:p="http://schemas.openxmlformats.org/presentationml/2006/main" xmlns:c="http://schemas.openxmlformats.org/drawingml/2006/chart" xmlns:dgm="http://schemas.openxmlformats.org/drawingml/2006/diagram" xmlns:o="urn:schemas-microsoft-com:office:office" xmlns:v="urn:schemas-microsoft-com:vml" xmlns:pvml="urn:schemas-microsoft-com:office:powerpoint" xmlns:com="http://schemas.openxmlformats.org/drawingml/2006/compatibility" xmlns:p14="http://schemas.microsoft.com/office/powerpoint/2010/main" xmlns:p15="http://schemas.microsoft.com/office/powerpoint/2012/main" xmlns:ahyp="http://schemas.microsoft.com/office/drawing/2018/hyperlinkcolor">
+<p:sldMaster xmlns:a="http://schemas.openxmlformats.org/drawingml/2006/main" xmlns:r="http://schemas.openxmlformats.org/officeDocument/2006/relationships" xmlns:p="http://schemas.openxmlformats.org/presentationml/2006/main">
   <p:cSld name="simple-dark-2">
     <p:bg>
       <p:bgPr>
         <a:solidFill>
           <a:schemeClr val="lt1"/>
         </a:solidFill>
+        <a:effectLst/>
       </p:bgPr>
     </p:bg>
     <p:spTree>
       <p:nvGrpSpPr>
-        <p:cNvPr id="5" name="Shape 5"/>
+        <p:cNvPr id="1" name="Shape 5"/>
         <p:cNvGrpSpPr/>
         <p:nvPr/>
       </p:nvGrpSpPr>
@@ -4863,7 +5104,9 @@
       <p:sp>
         <p:nvSpPr>
           <p:cNvPr id="6" name="Google Shape;6;p1"/>
-          <p:cNvSpPr txBox="1"/>
+          <p:cNvSpPr txBox="1">
+            <a:spLocks noGrp="1"/>
+          </p:cNvSpPr>
           <p:nvPr>
             <p:ph type="title"/>
           </p:nvPr>
@@ -4882,7 +5125,7 @@
           </a:ln>
         </p:spPr>
         <p:txBody>
-          <a:bodyPr anchorCtr="0" anchor="t" bIns="91425" lIns="91425" spcFirstLastPara="1" rIns="91425" wrap="square" tIns="91425">
+          <a:bodyPr spcFirstLastPara="1" wrap="square" lIns="91425" tIns="91425" rIns="91425" bIns="91425" anchor="t" anchorCtr="0">
             <a:normAutofit/>
           </a:bodyPr>
           <a:lstStyle>
@@ -5049,15 +5292,19 @@
               </a:defRPr>
             </a:lvl9pPr>
           </a:lstStyle>
-          <a:p/>
+          <a:p>
+            <a:endParaRPr/>
+          </a:p>
         </p:txBody>
       </p:sp>
       <p:sp>
         <p:nvSpPr>
           <p:cNvPr id="7" name="Google Shape;7;p1"/>
-          <p:cNvSpPr txBox="1"/>
+          <p:cNvSpPr txBox="1">
+            <a:spLocks noGrp="1"/>
+          </p:cNvSpPr>
           <p:nvPr>
-            <p:ph idx="1" type="body"/>
+            <p:ph type="body" idx="1"/>
           </p:nvPr>
         </p:nvSpPr>
         <p:spPr>
@@ -5074,11 +5321,11 @@
           </a:ln>
         </p:spPr>
         <p:txBody>
-          <a:bodyPr anchorCtr="0" anchor="t" bIns="91425" lIns="91425" spcFirstLastPara="1" rIns="91425" wrap="square" tIns="91425">
+          <a:bodyPr spcFirstLastPara="1" wrap="square" lIns="91425" tIns="91425" rIns="91425" bIns="91425" anchor="t" anchorCtr="0">
             <a:normAutofit/>
           </a:bodyPr>
           <a:lstStyle>
-            <a:lvl1pPr indent="-342900" lvl="0" marL="457200">
+            <a:lvl1pPr marL="457200" lvl="0" indent="-342900">
               <a:lnSpc>
                 <a:spcPct val="115000"/>
               </a:lnSpc>
@@ -5099,7 +5346,7 @@
                 </a:solidFill>
               </a:defRPr>
             </a:lvl1pPr>
-            <a:lvl2pPr indent="-317500" lvl="1" marL="914400">
+            <a:lvl2pPr marL="914400" lvl="1" indent="-317500">
               <a:lnSpc>
                 <a:spcPct val="115000"/>
               </a:lnSpc>
@@ -5120,7 +5367,7 @@
                 </a:solidFill>
               </a:defRPr>
             </a:lvl2pPr>
-            <a:lvl3pPr indent="-317500" lvl="2" marL="1371600">
+            <a:lvl3pPr marL="1371600" lvl="2" indent="-317500">
               <a:lnSpc>
                 <a:spcPct val="115000"/>
               </a:lnSpc>
@@ -5141,7 +5388,7 @@
                 </a:solidFill>
               </a:defRPr>
             </a:lvl3pPr>
-            <a:lvl4pPr indent="-317500" lvl="3" marL="1828800">
+            <a:lvl4pPr marL="1828800" lvl="3" indent="-317500">
               <a:lnSpc>
                 <a:spcPct val="115000"/>
               </a:lnSpc>
@@ -5162,7 +5409,7 @@
                 </a:solidFill>
               </a:defRPr>
             </a:lvl4pPr>
-            <a:lvl5pPr indent="-317500" lvl="4" marL="2286000">
+            <a:lvl5pPr marL="2286000" lvl="4" indent="-317500">
               <a:lnSpc>
                 <a:spcPct val="115000"/>
               </a:lnSpc>
@@ -5183,7 +5430,7 @@
                 </a:solidFill>
               </a:defRPr>
             </a:lvl5pPr>
-            <a:lvl6pPr indent="-317500" lvl="5" marL="2743200">
+            <a:lvl6pPr marL="2743200" lvl="5" indent="-317500">
               <a:lnSpc>
                 <a:spcPct val="115000"/>
               </a:lnSpc>
@@ -5204,7 +5451,7 @@
                 </a:solidFill>
               </a:defRPr>
             </a:lvl6pPr>
-            <a:lvl7pPr indent="-317500" lvl="6" marL="3200400">
+            <a:lvl7pPr marL="3200400" lvl="6" indent="-317500">
               <a:lnSpc>
                 <a:spcPct val="115000"/>
               </a:lnSpc>
@@ -5225,7 +5472,7 @@
                 </a:solidFill>
               </a:defRPr>
             </a:lvl7pPr>
-            <a:lvl8pPr indent="-317500" lvl="7" marL="3657600">
+            <a:lvl8pPr marL="3657600" lvl="7" indent="-317500">
               <a:lnSpc>
                 <a:spcPct val="115000"/>
               </a:lnSpc>
@@ -5246,7 +5493,7 @@
                 </a:solidFill>
               </a:defRPr>
             </a:lvl8pPr>
-            <a:lvl9pPr indent="-317500" lvl="8" marL="4114800">
+            <a:lvl9pPr marL="4114800" lvl="8" indent="-317500">
               <a:lnSpc>
                 <a:spcPct val="115000"/>
               </a:lnSpc>
@@ -5268,15 +5515,19 @@
               </a:defRPr>
             </a:lvl9pPr>
           </a:lstStyle>
-          <a:p/>
+          <a:p>
+            <a:endParaRPr/>
+          </a:p>
         </p:txBody>
       </p:sp>
       <p:sp>
         <p:nvSpPr>
           <p:cNvPr id="8" name="Google Shape;8;p1"/>
-          <p:cNvSpPr txBox="1"/>
+          <p:cNvSpPr txBox="1">
+            <a:spLocks noGrp="1"/>
+          </p:cNvSpPr>
           <p:nvPr>
-            <p:ph idx="12" type="sldNum"/>
+            <p:ph type="sldNum" idx="12"/>
           </p:nvPr>
         </p:nvSpPr>
         <p:spPr>
@@ -5293,7 +5544,7 @@
           </a:ln>
         </p:spPr>
         <p:txBody>
-          <a:bodyPr anchorCtr="0" anchor="ctr" bIns="91425" lIns="91425" spcFirstLastPara="1" rIns="91425" wrap="square" tIns="91425">
+          <a:bodyPr spcFirstLastPara="1" wrap="square" lIns="91425" tIns="91425" rIns="91425" bIns="91425" anchor="ctr" anchorCtr="0">
             <a:normAutofit/>
           </a:bodyPr>
           <a:lstStyle>
@@ -5371,7 +5622,7 @@
             </a:lvl9pPr>
           </a:lstStyle>
           <a:p>
-            <a:pPr indent="0" lvl="0" marL="0" rtl="0" algn="r">
+            <a:pPr marL="0" lvl="0" indent="0" algn="r" rtl="0">
               <a:spcBef>
                 <a:spcPts val="0"/>
               </a:spcBef>
@@ -5390,7 +5641,7 @@
       </p:sp>
     </p:spTree>
   </p:cSld>
-  <p:clrMap accent1="accent1" accent2="accent2" accent3="accent3" accent4="accent4" accent5="accent5" accent6="accent6" bg1="lt1" bg2="dk2" tx1="dk1" tx2="lt2" folHlink="folHlink" hlink="hlink"/>
+  <p:clrMap bg1="lt1" tx1="dk1" bg2="dk2" tx2="lt2" accent1="accent1" accent2="accent2" accent3="accent3" accent4="accent4" accent5="accent5" accent6="accent6" hlink="hlink" folHlink="folHlink"/>
   <p:sldLayoutIdLst>
     <p:sldLayoutId id="2147483648" r:id="rId1"/>
     <p:sldLayoutId id="2147483649" r:id="rId2"/>
@@ -5404,10 +5655,10 @@
     <p:sldLayoutId id="2147483657" r:id="rId10"/>
     <p:sldLayoutId id="2147483658" r:id="rId11"/>
   </p:sldLayoutIdLst>
-  <p:hf dt="0" ftr="0" hdr="0" sldNum="0"/>
+  <p:hf sldNum="0" hdr="0" ftr="0" dt="0"/>
   <p:txStyles>
     <p:titleStyle>
-      <a:defPPr lvl="0" marR="0" rtl="0" algn="l">
+      <a:defPPr marR="0" lvl="0" algn="l" rtl="0">
         <a:lnSpc>
           <a:spcPct val="100000"/>
         </a:lnSpc>
@@ -5418,7 +5669,7 @@
           <a:spcPts val="0"/>
         </a:spcAft>
       </a:defPPr>
-      <a:lvl1pPr lvl="0" marR="0" rtl="0" algn="l">
+      <a:lvl1pPr marR="0" lvl="0" algn="l" rtl="0">
         <a:lnSpc>
           <a:spcPct val="100000"/>
         </a:lnSpc>
@@ -5432,7 +5683,7 @@
           <a:srgbClr val="000000"/>
         </a:buClr>
         <a:buFont typeface="Arial"/>
-        <a:defRPr b="0" i="0" sz="1400" u="none" cap="none" strike="noStrike">
+        <a:defRPr sz="1400" b="0" i="0" u="none" strike="noStrike" cap="none">
           <a:solidFill>
             <a:srgbClr val="000000"/>
           </a:solidFill>
@@ -5442,7 +5693,7 @@
           <a:sym typeface="Arial"/>
         </a:defRPr>
       </a:lvl1pPr>
-      <a:lvl2pPr lvl="1" marR="0" rtl="0" algn="l">
+      <a:lvl2pPr marR="0" lvl="1" algn="l" rtl="0">
         <a:lnSpc>
           <a:spcPct val="100000"/>
         </a:lnSpc>
@@ -5456,7 +5707,7 @@
           <a:srgbClr val="000000"/>
         </a:buClr>
         <a:buFont typeface="Arial"/>
-        <a:defRPr b="0" i="0" sz="1400" u="none" cap="none" strike="noStrike">
+        <a:defRPr sz="1400" b="0" i="0" u="none" strike="noStrike" cap="none">
           <a:solidFill>
             <a:srgbClr val="000000"/>
           </a:solidFill>
@@ -5466,7 +5717,7 @@
           <a:sym typeface="Arial"/>
         </a:defRPr>
       </a:lvl2pPr>
-      <a:lvl3pPr lvl="2" marR="0" rtl="0" algn="l">
+      <a:lvl3pPr marR="0" lvl="2" algn="l" rtl="0">
         <a:lnSpc>
           <a:spcPct val="100000"/>
         </a:lnSpc>
@@ -5480,7 +5731,7 @@
           <a:srgbClr val="000000"/>
         </a:buClr>
         <a:buFont typeface="Arial"/>
-        <a:defRPr b="0" i="0" sz="1400" u="none" cap="none" strike="noStrike">
+        <a:defRPr sz="1400" b="0" i="0" u="none" strike="noStrike" cap="none">
           <a:solidFill>
             <a:srgbClr val="000000"/>
           </a:solidFill>
@@ -5490,7 +5741,7 @@
           <a:sym typeface="Arial"/>
         </a:defRPr>
       </a:lvl3pPr>
-      <a:lvl4pPr lvl="3" marR="0" rtl="0" algn="l">
+      <a:lvl4pPr marR="0" lvl="3" algn="l" rtl="0">
         <a:lnSpc>
           <a:spcPct val="100000"/>
         </a:lnSpc>
@@ -5504,7 +5755,7 @@
           <a:srgbClr val="000000"/>
         </a:buClr>
         <a:buFont typeface="Arial"/>
-        <a:defRPr b="0" i="0" sz="1400" u="none" cap="none" strike="noStrike">
+        <a:defRPr sz="1400" b="0" i="0" u="none" strike="noStrike" cap="none">
           <a:solidFill>
             <a:srgbClr val="000000"/>
           </a:solidFill>
@@ -5514,7 +5765,7 @@
           <a:sym typeface="Arial"/>
         </a:defRPr>
       </a:lvl4pPr>
-      <a:lvl5pPr lvl="4" marR="0" rtl="0" algn="l">
+      <a:lvl5pPr marR="0" lvl="4" algn="l" rtl="0">
         <a:lnSpc>
           <a:spcPct val="100000"/>
         </a:lnSpc>
@@ -5528,7 +5779,7 @@
           <a:srgbClr val="000000"/>
         </a:buClr>
         <a:buFont typeface="Arial"/>
-        <a:defRPr b="0" i="0" sz="1400" u="none" cap="none" strike="noStrike">
+        <a:defRPr sz="1400" b="0" i="0" u="none" strike="noStrike" cap="none">
           <a:solidFill>
             <a:srgbClr val="000000"/>
           </a:solidFill>
@@ -5538,7 +5789,7 @@
           <a:sym typeface="Arial"/>
         </a:defRPr>
       </a:lvl5pPr>
-      <a:lvl6pPr lvl="5" marR="0" rtl="0" algn="l">
+      <a:lvl6pPr marR="0" lvl="5" algn="l" rtl="0">
         <a:lnSpc>
           <a:spcPct val="100000"/>
         </a:lnSpc>
@@ -5552,7 +5803,7 @@
           <a:srgbClr val="000000"/>
         </a:buClr>
         <a:buFont typeface="Arial"/>
-        <a:defRPr b="0" i="0" sz="1400" u="none" cap="none" strike="noStrike">
+        <a:defRPr sz="1400" b="0" i="0" u="none" strike="noStrike" cap="none">
           <a:solidFill>
             <a:srgbClr val="000000"/>
           </a:solidFill>
@@ -5562,7 +5813,7 @@
           <a:sym typeface="Arial"/>
         </a:defRPr>
       </a:lvl6pPr>
-      <a:lvl7pPr lvl="6" marR="0" rtl="0" algn="l">
+      <a:lvl7pPr marR="0" lvl="6" algn="l" rtl="0">
         <a:lnSpc>
           <a:spcPct val="100000"/>
         </a:lnSpc>
@@ -5576,7 +5827,7 @@
           <a:srgbClr val="000000"/>
         </a:buClr>
         <a:buFont typeface="Arial"/>
-        <a:defRPr b="0" i="0" sz="1400" u="none" cap="none" strike="noStrike">
+        <a:defRPr sz="1400" b="0" i="0" u="none" strike="noStrike" cap="none">
           <a:solidFill>
             <a:srgbClr val="000000"/>
           </a:solidFill>
@@ -5586,7 +5837,7 @@
           <a:sym typeface="Arial"/>
         </a:defRPr>
       </a:lvl7pPr>
-      <a:lvl8pPr lvl="7" marR="0" rtl="0" algn="l">
+      <a:lvl8pPr marR="0" lvl="7" algn="l" rtl="0">
         <a:lnSpc>
           <a:spcPct val="100000"/>
         </a:lnSpc>
@@ -5600,7 +5851,7 @@
           <a:srgbClr val="000000"/>
         </a:buClr>
         <a:buFont typeface="Arial"/>
-        <a:defRPr b="0" i="0" sz="1400" u="none" cap="none" strike="noStrike">
+        <a:defRPr sz="1400" b="0" i="0" u="none" strike="noStrike" cap="none">
           <a:solidFill>
             <a:srgbClr val="000000"/>
           </a:solidFill>
@@ -5610,7 +5861,7 @@
           <a:sym typeface="Arial"/>
         </a:defRPr>
       </a:lvl8pPr>
-      <a:lvl9pPr lvl="8" marR="0" rtl="0" algn="l">
+      <a:lvl9pPr marR="0" lvl="8" algn="l" rtl="0">
         <a:lnSpc>
           <a:spcPct val="100000"/>
         </a:lnSpc>
@@ -5624,7 +5875,7 @@
           <a:srgbClr val="000000"/>
         </a:buClr>
         <a:buFont typeface="Arial"/>
-        <a:defRPr b="0" i="0" sz="1400" u="none" cap="none" strike="noStrike">
+        <a:defRPr sz="1400" b="0" i="0" u="none" strike="noStrike" cap="none">
           <a:solidFill>
             <a:srgbClr val="000000"/>
           </a:solidFill>
@@ -5636,7 +5887,7 @@
       </a:lvl9pPr>
     </p:titleStyle>
     <p:bodyStyle>
-      <a:defPPr lvl="0" marR="0" rtl="0" algn="l">
+      <a:defPPr marR="0" lvl="0" algn="l" rtl="0">
         <a:lnSpc>
           <a:spcPct val="100000"/>
         </a:lnSpc>
@@ -5647,7 +5898,7 @@
           <a:spcPts val="0"/>
         </a:spcAft>
       </a:defPPr>
-      <a:lvl1pPr lvl="0" marR="0" rtl="0" algn="l">
+      <a:lvl1pPr marR="0" lvl="0" algn="l" rtl="0">
         <a:lnSpc>
           <a:spcPct val="100000"/>
         </a:lnSpc>
@@ -5661,7 +5912,7 @@
           <a:srgbClr val="000000"/>
         </a:buClr>
         <a:buFont typeface="Arial"/>
-        <a:defRPr b="0" i="0" sz="1400" u="none" cap="none" strike="noStrike">
+        <a:defRPr sz="1400" b="0" i="0" u="none" strike="noStrike" cap="none">
           <a:solidFill>
             <a:srgbClr val="000000"/>
           </a:solidFill>
@@ -5671,7 +5922,7 @@
           <a:sym typeface="Arial"/>
         </a:defRPr>
       </a:lvl1pPr>
-      <a:lvl2pPr lvl="1" marR="0" rtl="0" algn="l">
+      <a:lvl2pPr marR="0" lvl="1" algn="l" rtl="0">
         <a:lnSpc>
           <a:spcPct val="100000"/>
         </a:lnSpc>
@@ -5685,7 +5936,7 @@
           <a:srgbClr val="000000"/>
         </a:buClr>
         <a:buFont typeface="Arial"/>
-        <a:defRPr b="0" i="0" sz="1400" u="none" cap="none" strike="noStrike">
+        <a:defRPr sz="1400" b="0" i="0" u="none" strike="noStrike" cap="none">
           <a:solidFill>
             <a:srgbClr val="000000"/>
           </a:solidFill>
@@ -5695,7 +5946,7 @@
           <a:sym typeface="Arial"/>
         </a:defRPr>
       </a:lvl2pPr>
-      <a:lvl3pPr lvl="2" marR="0" rtl="0" algn="l">
+      <a:lvl3pPr marR="0" lvl="2" algn="l" rtl="0">
         <a:lnSpc>
           <a:spcPct val="100000"/>
         </a:lnSpc>
@@ -5709,7 +5960,7 @@
           <a:srgbClr val="000000"/>
         </a:buClr>
         <a:buFont typeface="Arial"/>
-        <a:defRPr b="0" i="0" sz="1400" u="none" cap="none" strike="noStrike">
+        <a:defRPr sz="1400" b="0" i="0" u="none" strike="noStrike" cap="none">
           <a:solidFill>
             <a:srgbClr val="000000"/>
           </a:solidFill>
@@ -5719,7 +5970,7 @@
           <a:sym typeface="Arial"/>
         </a:defRPr>
       </a:lvl3pPr>
-      <a:lvl4pPr lvl="3" marR="0" rtl="0" algn="l">
+      <a:lvl4pPr marR="0" lvl="3" algn="l" rtl="0">
         <a:lnSpc>
           <a:spcPct val="100000"/>
         </a:lnSpc>
@@ -5733,7 +5984,7 @@
           <a:srgbClr val="000000"/>
         </a:buClr>
         <a:buFont typeface="Arial"/>
-        <a:defRPr b="0" i="0" sz="1400" u="none" cap="none" strike="noStrike">
+        <a:defRPr sz="1400" b="0" i="0" u="none" strike="noStrike" cap="none">
           <a:solidFill>
             <a:srgbClr val="000000"/>
           </a:solidFill>
@@ -5743,7 +5994,7 @@
           <a:sym typeface="Arial"/>
         </a:defRPr>
       </a:lvl4pPr>
-      <a:lvl5pPr lvl="4" marR="0" rtl="0" algn="l">
+      <a:lvl5pPr marR="0" lvl="4" algn="l" rtl="0">
         <a:lnSpc>
           <a:spcPct val="100000"/>
         </a:lnSpc>
@@ -5757,7 +6008,7 @@
           <a:srgbClr val="000000"/>
         </a:buClr>
         <a:buFont typeface="Arial"/>
-        <a:defRPr b="0" i="0" sz="1400" u="none" cap="none" strike="noStrike">
+        <a:defRPr sz="1400" b="0" i="0" u="none" strike="noStrike" cap="none">
           <a:solidFill>
             <a:srgbClr val="000000"/>
           </a:solidFill>
@@ -5767,7 +6018,7 @@
           <a:sym typeface="Arial"/>
         </a:defRPr>
       </a:lvl5pPr>
-      <a:lvl6pPr lvl="5" marR="0" rtl="0" algn="l">
+      <a:lvl6pPr marR="0" lvl="5" algn="l" rtl="0">
         <a:lnSpc>
           <a:spcPct val="100000"/>
         </a:lnSpc>
@@ -5781,7 +6032,7 @@
           <a:srgbClr val="000000"/>
         </a:buClr>
         <a:buFont typeface="Arial"/>
-        <a:defRPr b="0" i="0" sz="1400" u="none" cap="none" strike="noStrike">
+        <a:defRPr sz="1400" b="0" i="0" u="none" strike="noStrike" cap="none">
           <a:solidFill>
             <a:srgbClr val="000000"/>
           </a:solidFill>
@@ -5791,7 +6042,7 @@
           <a:sym typeface="Arial"/>
         </a:defRPr>
       </a:lvl6pPr>
-      <a:lvl7pPr lvl="6" marR="0" rtl="0" algn="l">
+      <a:lvl7pPr marR="0" lvl="6" algn="l" rtl="0">
         <a:lnSpc>
           <a:spcPct val="100000"/>
         </a:lnSpc>
@@ -5805,7 +6056,7 @@
           <a:srgbClr val="000000"/>
         </a:buClr>
         <a:buFont typeface="Arial"/>
-        <a:defRPr b="0" i="0" sz="1400" u="none" cap="none" strike="noStrike">
+        <a:defRPr sz="1400" b="0" i="0" u="none" strike="noStrike" cap="none">
           <a:solidFill>
             <a:srgbClr val="000000"/>
           </a:solidFill>
@@ -5815,7 +6066,7 @@
           <a:sym typeface="Arial"/>
         </a:defRPr>
       </a:lvl7pPr>
-      <a:lvl8pPr lvl="7" marR="0" rtl="0" algn="l">
+      <a:lvl8pPr marR="0" lvl="7" algn="l" rtl="0">
         <a:lnSpc>
           <a:spcPct val="100000"/>
         </a:lnSpc>
@@ -5829,7 +6080,7 @@
           <a:srgbClr val="000000"/>
         </a:buClr>
         <a:buFont typeface="Arial"/>
-        <a:defRPr b="0" i="0" sz="1400" u="none" cap="none" strike="noStrike">
+        <a:defRPr sz="1400" b="0" i="0" u="none" strike="noStrike" cap="none">
           <a:solidFill>
             <a:srgbClr val="000000"/>
           </a:solidFill>
@@ -5839,7 +6090,7 @@
           <a:sym typeface="Arial"/>
         </a:defRPr>
       </a:lvl8pPr>
-      <a:lvl9pPr lvl="8" marR="0" rtl="0" algn="l">
+      <a:lvl9pPr marR="0" lvl="8" algn="l" rtl="0">
         <a:lnSpc>
           <a:spcPct val="100000"/>
         </a:lnSpc>
@@ -5853,7 +6104,7 @@
           <a:srgbClr val="000000"/>
         </a:buClr>
         <a:buFont typeface="Arial"/>
-        <a:defRPr b="0" i="0" sz="1400" u="none" cap="none" strike="noStrike">
+        <a:defRPr sz="1400" b="0" i="0" u="none" strike="noStrike" cap="none">
           <a:solidFill>
             <a:srgbClr val="000000"/>
           </a:solidFill>
@@ -5865,7 +6116,7 @@
       </a:lvl9pPr>
     </p:bodyStyle>
     <p:otherStyle>
-      <a:defPPr lvl="0" marR="0" rtl="0" algn="l">
+      <a:defPPr marR="0" lvl="0" algn="l" rtl="0">
         <a:lnSpc>
           <a:spcPct val="100000"/>
         </a:lnSpc>
@@ -5876,7 +6127,7 @@
           <a:spcPts val="0"/>
         </a:spcAft>
       </a:defPPr>
-      <a:lvl1pPr lvl="0" marR="0" rtl="0" algn="l">
+      <a:lvl1pPr marR="0" lvl="0" algn="l" rtl="0">
         <a:lnSpc>
           <a:spcPct val="100000"/>
         </a:lnSpc>
@@ -5890,7 +6141,7 @@
           <a:srgbClr val="000000"/>
         </a:buClr>
         <a:buFont typeface="Arial"/>
-        <a:defRPr b="0" i="0" sz="1400" u="none" cap="none" strike="noStrike">
+        <a:defRPr sz="1400" b="0" i="0" u="none" strike="noStrike" cap="none">
           <a:solidFill>
             <a:srgbClr val="000000"/>
           </a:solidFill>
@@ -5900,7 +6151,7 @@
           <a:sym typeface="Arial"/>
         </a:defRPr>
       </a:lvl1pPr>
-      <a:lvl2pPr lvl="1" marR="0" rtl="0" algn="l">
+      <a:lvl2pPr marR="0" lvl="1" algn="l" rtl="0">
         <a:lnSpc>
           <a:spcPct val="100000"/>
         </a:lnSpc>
@@ -5914,7 +6165,7 @@
           <a:srgbClr val="000000"/>
         </a:buClr>
         <a:buFont typeface="Arial"/>
-        <a:defRPr b="0" i="0" sz="1400" u="none" cap="none" strike="noStrike">
+        <a:defRPr sz="1400" b="0" i="0" u="none" strike="noStrike" cap="none">
           <a:solidFill>
             <a:srgbClr val="000000"/>
           </a:solidFill>
@@ -5924,7 +6175,7 @@
           <a:sym typeface="Arial"/>
         </a:defRPr>
       </a:lvl2pPr>
-      <a:lvl3pPr lvl="2" marR="0" rtl="0" algn="l">
+      <a:lvl3pPr marR="0" lvl="2" algn="l" rtl="0">
         <a:lnSpc>
           <a:spcPct val="100000"/>
         </a:lnSpc>
@@ -5938,7 +6189,7 @@
           <a:srgbClr val="000000"/>
         </a:buClr>
         <a:buFont typeface="Arial"/>
-        <a:defRPr b="0" i="0" sz="1400" u="none" cap="none" strike="noStrike">
+        <a:defRPr sz="1400" b="0" i="0" u="none" strike="noStrike" cap="none">
           <a:solidFill>
             <a:srgbClr val="000000"/>
           </a:solidFill>
@@ -5948,7 +6199,7 @@
           <a:sym typeface="Arial"/>
         </a:defRPr>
       </a:lvl3pPr>
-      <a:lvl4pPr lvl="3" marR="0" rtl="0" algn="l">
+      <a:lvl4pPr marR="0" lvl="3" algn="l" rtl="0">
         <a:lnSpc>
           <a:spcPct val="100000"/>
         </a:lnSpc>
@@ -5962,7 +6213,7 @@
           <a:srgbClr val="000000"/>
         </a:buClr>
         <a:buFont typeface="Arial"/>
-        <a:defRPr b="0" i="0" sz="1400" u="none" cap="none" strike="noStrike">
+        <a:defRPr sz="1400" b="0" i="0" u="none" strike="noStrike" cap="none">
           <a:solidFill>
             <a:srgbClr val="000000"/>
           </a:solidFill>
@@ -5972,7 +6223,7 @@
           <a:sym typeface="Arial"/>
         </a:defRPr>
       </a:lvl4pPr>
-      <a:lvl5pPr lvl="4" marR="0" rtl="0" algn="l">
+      <a:lvl5pPr marR="0" lvl="4" algn="l" rtl="0">
         <a:lnSpc>
           <a:spcPct val="100000"/>
         </a:lnSpc>
@@ -5986,7 +6237,7 @@
           <a:srgbClr val="000000"/>
         </a:buClr>
         <a:buFont typeface="Arial"/>
-        <a:defRPr b="0" i="0" sz="1400" u="none" cap="none" strike="noStrike">
+        <a:defRPr sz="1400" b="0" i="0" u="none" strike="noStrike" cap="none">
           <a:solidFill>
             <a:srgbClr val="000000"/>
           </a:solidFill>
@@ -5996,7 +6247,7 @@
           <a:sym typeface="Arial"/>
         </a:defRPr>
       </a:lvl5pPr>
-      <a:lvl6pPr lvl="5" marR="0" rtl="0" algn="l">
+      <a:lvl6pPr marR="0" lvl="5" algn="l" rtl="0">
         <a:lnSpc>
           <a:spcPct val="100000"/>
         </a:lnSpc>
@@ -6010,7 +6261,7 @@
           <a:srgbClr val="000000"/>
         </a:buClr>
         <a:buFont typeface="Arial"/>
-        <a:defRPr b="0" i="0" sz="1400" u="none" cap="none" strike="noStrike">
+        <a:defRPr sz="1400" b="0" i="0" u="none" strike="noStrike" cap="none">
           <a:solidFill>
             <a:srgbClr val="000000"/>
           </a:solidFill>
@@ -6020,7 +6271,7 @@
           <a:sym typeface="Arial"/>
         </a:defRPr>
       </a:lvl6pPr>
-      <a:lvl7pPr lvl="6" marR="0" rtl="0" algn="l">
+      <a:lvl7pPr marR="0" lvl="6" algn="l" rtl="0">
         <a:lnSpc>
           <a:spcPct val="100000"/>
         </a:lnSpc>
@@ -6034,7 +6285,7 @@
           <a:srgbClr val="000000"/>
         </a:buClr>
         <a:buFont typeface="Arial"/>
-        <a:defRPr b="0" i="0" sz="1400" u="none" cap="none" strike="noStrike">
+        <a:defRPr sz="1400" b="0" i="0" u="none" strike="noStrike" cap="none">
           <a:solidFill>
             <a:srgbClr val="000000"/>
           </a:solidFill>
@@ -6044,7 +6295,7 @@
           <a:sym typeface="Arial"/>
         </a:defRPr>
       </a:lvl7pPr>
-      <a:lvl8pPr lvl="7" marR="0" rtl="0" algn="l">
+      <a:lvl8pPr marR="0" lvl="7" algn="l" rtl="0">
         <a:lnSpc>
           <a:spcPct val="100000"/>
         </a:lnSpc>
@@ -6058,7 +6309,7 @@
           <a:srgbClr val="000000"/>
         </a:buClr>
         <a:buFont typeface="Arial"/>
-        <a:defRPr b="0" i="0" sz="1400" u="none" cap="none" strike="noStrike">
+        <a:defRPr sz="1400" b="0" i="0" u="none" strike="noStrike" cap="none">
           <a:solidFill>
             <a:srgbClr val="000000"/>
           </a:solidFill>
@@ -6068,7 +6319,7 @@
           <a:sym typeface="Arial"/>
         </a:defRPr>
       </a:lvl8pPr>
-      <a:lvl9pPr lvl="8" marR="0" rtl="0" algn="l">
+      <a:lvl9pPr marR="0" lvl="8" algn="l" rtl="0">
         <a:lnSpc>
           <a:spcPct val="100000"/>
         </a:lnSpc>
@@ -6082,7 +6333,7 @@
           <a:srgbClr val="000000"/>
         </a:buClr>
         <a:buFont typeface="Arial"/>
-        <a:defRPr b="0" i="0" sz="1400" u="none" cap="none" strike="noStrike">
+        <a:defRPr sz="1400" b="0" i="0" u="none" strike="noStrike" cap="none">
           <a:solidFill>
             <a:srgbClr val="000000"/>
           </a:solidFill>
@@ -6098,11 +6349,11 @@
 </file>
 
 <file path=ppt/slides/slide1.xml><?xml version="1.0" encoding="utf-8"?>
-<p:sld xmlns:a="http://schemas.openxmlformats.org/drawingml/2006/main" xmlns:r="http://schemas.openxmlformats.org/officeDocument/2006/relationships" xmlns:mc="http://schemas.openxmlformats.org/markup-compatibility/2006" xmlns:mv="urn:schemas-microsoft-com:mac:vml" xmlns:p="http://schemas.openxmlformats.org/presentationml/2006/main" xmlns:c="http://schemas.openxmlformats.org/drawingml/2006/chart" xmlns:dgm="http://schemas.openxmlformats.org/drawingml/2006/diagram" xmlns:o="urn:schemas-microsoft-com:office:office" xmlns:v="urn:schemas-microsoft-com:vml" xmlns:pvml="urn:schemas-microsoft-com:office:powerpoint" xmlns:com="http://schemas.openxmlformats.org/drawingml/2006/compatibility" xmlns:p14="http://schemas.microsoft.com/office/powerpoint/2010/main" xmlns:p15="http://schemas.microsoft.com/office/powerpoint/2012/main" xmlns:ahyp="http://schemas.microsoft.com/office/drawing/2018/hyperlinkcolor">
+<p:sld xmlns:a="http://schemas.openxmlformats.org/drawingml/2006/main" xmlns:r="http://schemas.openxmlformats.org/officeDocument/2006/relationships" xmlns:p="http://schemas.openxmlformats.org/presentationml/2006/main">
   <p:cSld>
     <p:spTree>
       <p:nvGrpSpPr>
-        <p:cNvPr id="53" name="Shape 53"/>
+        <p:cNvPr id="1" name="Shape 53"/>
         <p:cNvGrpSpPr/>
         <p:nvPr/>
       </p:nvGrpSpPr>
@@ -6117,7 +6368,9 @@
       <p:sp>
         <p:nvSpPr>
           <p:cNvPr id="54" name="Google Shape;54;p13"/>
-          <p:cNvSpPr txBox="1"/>
+          <p:cNvSpPr txBox="1">
+            <a:spLocks noGrp="1"/>
+          </p:cNvSpPr>
           <p:nvPr>
             <p:ph type="ctrTitle"/>
           </p:nvPr>
@@ -6132,12 +6385,12 @@
           </a:prstGeom>
         </p:spPr>
         <p:txBody>
-          <a:bodyPr anchorCtr="0" anchor="b" bIns="91425" lIns="91425" spcFirstLastPara="1" rIns="91425" wrap="square" tIns="91425">
+          <a:bodyPr spcFirstLastPara="1" wrap="square" lIns="91425" tIns="91425" rIns="91425" bIns="91425" anchor="b" anchorCtr="0">
             <a:normAutofit/>
           </a:bodyPr>
           <a:lstStyle/>
           <a:p>
-            <a:pPr indent="0" lvl="0" marL="0" rtl="0" algn="ctr">
+            <a:pPr marL="0" lvl="0" indent="0" algn="ctr" rtl="0">
               <a:spcBef>
                 <a:spcPts val="0"/>
               </a:spcBef>
@@ -6157,9 +6410,11 @@
       <p:sp>
         <p:nvSpPr>
           <p:cNvPr id="55" name="Google Shape;55;p13"/>
-          <p:cNvSpPr txBox="1"/>
+          <p:cNvSpPr txBox="1">
+            <a:spLocks noGrp="1"/>
+          </p:cNvSpPr>
           <p:nvPr>
-            <p:ph idx="1" type="subTitle"/>
+            <p:ph type="subTitle" idx="1"/>
           </p:nvPr>
         </p:nvSpPr>
         <p:spPr>
@@ -6172,12 +6427,12 @@
           </a:prstGeom>
         </p:spPr>
         <p:txBody>
-          <a:bodyPr anchorCtr="0" anchor="t" bIns="91425" lIns="91425" spcFirstLastPara="1" rIns="91425" wrap="square" tIns="91425">
+          <a:bodyPr spcFirstLastPara="1" wrap="square" lIns="91425" tIns="91425" rIns="91425" bIns="91425" anchor="t" anchorCtr="0">
             <a:normAutofit/>
           </a:bodyPr>
           <a:lstStyle/>
           <a:p>
-            <a:pPr indent="0" lvl="0" marL="0" rtl="0" algn="ctr">
+            <a:pPr marL="0" lvl="0" indent="0" algn="ctr" rtl="0">
               <a:spcBef>
                 <a:spcPts val="0"/>
               </a:spcBef>
@@ -6186,9 +6441,6 @@
               </a:spcAft>
               <a:buNone/>
             </a:pPr>
-            <a:r>
-              <a:t/>
-            </a:r>
             <a:endParaRPr/>
           </a:p>
         </p:txBody>
@@ -6201,12 +6453,128 @@
 </p:sld>
 </file>
 
-<file path=ppt/slides/slide2.xml><?xml version="1.0" encoding="utf-8"?>
-<p:sld xmlns:a="http://schemas.openxmlformats.org/drawingml/2006/main" xmlns:r="http://schemas.openxmlformats.org/officeDocument/2006/relationships" xmlns:mc="http://schemas.openxmlformats.org/markup-compatibility/2006" xmlns:mv="urn:schemas-microsoft-com:mac:vml" xmlns:p="http://schemas.openxmlformats.org/presentationml/2006/main" xmlns:c="http://schemas.openxmlformats.org/drawingml/2006/chart" xmlns:dgm="http://schemas.openxmlformats.org/drawingml/2006/diagram" xmlns:o="urn:schemas-microsoft-com:office:office" xmlns:v="urn:schemas-microsoft-com:vml" xmlns:pvml="urn:schemas-microsoft-com:office:powerpoint" xmlns:com="http://schemas.openxmlformats.org/drawingml/2006/compatibility" xmlns:p14="http://schemas.microsoft.com/office/powerpoint/2010/main" xmlns:p15="http://schemas.microsoft.com/office/powerpoint/2012/main" xmlns:ahyp="http://schemas.microsoft.com/office/drawing/2018/hyperlinkcolor">
+<file path=ppt/slides/slide10.xml><?xml version="1.0" encoding="utf-8"?>
+<p:sld xmlns:a="http://schemas.openxmlformats.org/drawingml/2006/main" xmlns:r="http://schemas.openxmlformats.org/officeDocument/2006/relationships" xmlns:p="http://schemas.openxmlformats.org/presentationml/2006/main">
   <p:cSld>
     <p:spTree>
       <p:nvGrpSpPr>
-        <p:cNvPr id="59" name="Shape 59"/>
+        <p:cNvPr id="1" name=""/>
+        <p:cNvGrpSpPr/>
+        <p:nvPr/>
+      </p:nvGrpSpPr>
+      <p:grpSpPr>
+        <a:xfrm>
+          <a:off x="0" y="0"/>
+          <a:ext cx="0" cy="0"/>
+          <a:chOff x="0" y="0"/>
+          <a:chExt cx="0" cy="0"/>
+        </a:xfrm>
+      </p:grpSpPr>
+      <p:sp>
+        <p:nvSpPr>
+          <p:cNvPr id="2" name="Заголовок 1">
+            <a:extLst>
+              <a:ext uri="{FF2B5EF4-FFF2-40B4-BE49-F238E27FC236}">
+                <a16:creationId xmlns:a16="http://schemas.microsoft.com/office/drawing/2014/main" id="{1C1F335A-EB45-440D-8225-4B8FCEF5C8F8}"/>
+              </a:ext>
+            </a:extLst>
+          </p:cNvPr>
+          <p:cNvSpPr>
+            <a:spLocks noGrp="1"/>
+          </p:cNvSpPr>
+          <p:nvPr>
+            <p:ph type="title"/>
+          </p:nvPr>
+        </p:nvSpPr>
+        <p:spPr/>
+        <p:txBody>
+          <a:bodyPr>
+            <a:normAutofit fontScale="90000"/>
+          </a:bodyPr>
+          <a:lstStyle/>
+          <a:p>
+            <a:r>
+              <a:rPr lang="en-US" dirty="0" err="1"/>
+              <a:t>OUTput</a:t>
+            </a:r>
+            <a:endParaRPr lang="ru-RU" dirty="0"/>
+          </a:p>
+        </p:txBody>
+      </p:sp>
+      <p:sp>
+        <p:nvSpPr>
+          <p:cNvPr id="3" name="Текст 2">
+            <a:extLst>
+              <a:ext uri="{FF2B5EF4-FFF2-40B4-BE49-F238E27FC236}">
+                <a16:creationId xmlns:a16="http://schemas.microsoft.com/office/drawing/2014/main" id="{D10C65D6-6BA4-4747-91AF-48A7F8C48062}"/>
+              </a:ext>
+            </a:extLst>
+          </p:cNvPr>
+          <p:cNvSpPr>
+            <a:spLocks noGrp="1"/>
+          </p:cNvSpPr>
+          <p:nvPr>
+            <p:ph type="body" idx="1"/>
+          </p:nvPr>
+        </p:nvSpPr>
+        <p:spPr/>
+        <p:txBody>
+          <a:bodyPr/>
+          <a:lstStyle/>
+          <a:p>
+            <a:endParaRPr lang="ru-RU"/>
+          </a:p>
+        </p:txBody>
+      </p:sp>
+      <p:pic>
+        <p:nvPicPr>
+          <p:cNvPr id="4" name="Рисунок 3">
+            <a:extLst>
+              <a:ext uri="{FF2B5EF4-FFF2-40B4-BE49-F238E27FC236}">
+                <a16:creationId xmlns:a16="http://schemas.microsoft.com/office/drawing/2014/main" id="{085BAD4A-F2EE-4A63-9988-233F05A1BB22}"/>
+              </a:ext>
+            </a:extLst>
+          </p:cNvPr>
+          <p:cNvPicPr>
+            <a:picLocks noChangeAspect="1"/>
+          </p:cNvPicPr>
+          <p:nvPr/>
+        </p:nvPicPr>
+        <p:blipFill>
+          <a:blip r:embed="rId2"/>
+          <a:stretch>
+            <a:fillRect/>
+          </a:stretch>
+        </p:blipFill>
+        <p:spPr>
+          <a:xfrm>
+            <a:off x="311700" y="1203325"/>
+            <a:ext cx="7000875" cy="1657350"/>
+          </a:xfrm>
+          <a:prstGeom prst="rect">
+            <a:avLst/>
+          </a:prstGeom>
+        </p:spPr>
+      </p:pic>
+    </p:spTree>
+    <p:extLst>
+      <p:ext uri="{BB962C8B-B14F-4D97-AF65-F5344CB8AC3E}">
+        <p14:creationId xmlns:p14="http://schemas.microsoft.com/office/powerpoint/2010/main" val="12301730"/>
+      </p:ext>
+    </p:extLst>
+  </p:cSld>
+  <p:clrMapOvr>
+    <a:masterClrMapping/>
+  </p:clrMapOvr>
+</p:sld>
+</file>
+
+<file path=ppt/slides/slide2.xml><?xml version="1.0" encoding="utf-8"?>
+<p:sld xmlns:a="http://schemas.openxmlformats.org/drawingml/2006/main" xmlns:r="http://schemas.openxmlformats.org/officeDocument/2006/relationships" xmlns:p="http://schemas.openxmlformats.org/presentationml/2006/main">
+  <p:cSld>
+    <p:spTree>
+      <p:nvGrpSpPr>
+        <p:cNvPr id="1" name="Shape 59"/>
         <p:cNvGrpSpPr/>
         <p:nvPr/>
       </p:nvGrpSpPr>
@@ -6221,7 +6589,9 @@
       <p:sp>
         <p:nvSpPr>
           <p:cNvPr id="60" name="Google Shape;60;p14"/>
-          <p:cNvSpPr txBox="1"/>
+          <p:cNvSpPr txBox="1">
+            <a:spLocks noGrp="1"/>
+          </p:cNvSpPr>
           <p:nvPr>
             <p:ph type="title"/>
           </p:nvPr>
@@ -6236,12 +6606,12 @@
           </a:prstGeom>
         </p:spPr>
         <p:txBody>
-          <a:bodyPr anchorCtr="0" anchor="t" bIns="91425" lIns="91425" spcFirstLastPara="1" rIns="91425" wrap="square" tIns="91425">
+          <a:bodyPr spcFirstLastPara="1" wrap="square" lIns="91425" tIns="91425" rIns="91425" bIns="91425" anchor="t" anchorCtr="0">
             <a:normAutofit fontScale="90000"/>
           </a:bodyPr>
           <a:lstStyle/>
           <a:p>
-            <a:pPr indent="0" lvl="0" marL="0" rtl="0" algn="l">
+            <a:pPr marL="0" lvl="0" indent="0" algn="l" rtl="0">
               <a:spcBef>
                 <a:spcPts val="0"/>
               </a:spcBef>
@@ -6261,9 +6631,11 @@
       <p:sp>
         <p:nvSpPr>
           <p:cNvPr id="61" name="Google Shape;61;p14"/>
-          <p:cNvSpPr txBox="1"/>
+          <p:cNvSpPr txBox="1">
+            <a:spLocks noGrp="1"/>
+          </p:cNvSpPr>
           <p:nvPr>
-            <p:ph idx="1" type="body"/>
+            <p:ph type="body" idx="1"/>
           </p:nvPr>
         </p:nvSpPr>
         <p:spPr>
@@ -6276,12 +6648,12 @@
           </a:prstGeom>
         </p:spPr>
         <p:txBody>
-          <a:bodyPr anchorCtr="0" anchor="t" bIns="91425" lIns="91425" spcFirstLastPara="1" rIns="91425" wrap="square" tIns="91425">
+          <a:bodyPr spcFirstLastPara="1" wrap="square" lIns="91425" tIns="91425" rIns="91425" bIns="91425" anchor="t" anchorCtr="0">
             <a:normAutofit/>
           </a:bodyPr>
           <a:lstStyle/>
           <a:p>
-            <a:pPr indent="0" lvl="0" marL="0" rtl="0" algn="l">
+            <a:pPr marL="0" lvl="0" indent="0" algn="l" rtl="0">
               <a:spcBef>
                 <a:spcPts val="0"/>
               </a:spcBef>
@@ -6307,11 +6679,11 @@
 </file>
 
 <file path=ppt/slides/slide3.xml><?xml version="1.0" encoding="utf-8"?>
-<p:sld xmlns:a="http://schemas.openxmlformats.org/drawingml/2006/main" xmlns:r="http://schemas.openxmlformats.org/officeDocument/2006/relationships" xmlns:mc="http://schemas.openxmlformats.org/markup-compatibility/2006" xmlns:mv="urn:schemas-microsoft-com:mac:vml" xmlns:p="http://schemas.openxmlformats.org/presentationml/2006/main" xmlns:c="http://schemas.openxmlformats.org/drawingml/2006/chart" xmlns:dgm="http://schemas.openxmlformats.org/drawingml/2006/diagram" xmlns:o="urn:schemas-microsoft-com:office:office" xmlns:v="urn:schemas-microsoft-com:vml" xmlns:pvml="urn:schemas-microsoft-com:office:powerpoint" xmlns:com="http://schemas.openxmlformats.org/drawingml/2006/compatibility" xmlns:p14="http://schemas.microsoft.com/office/powerpoint/2010/main" xmlns:p15="http://schemas.microsoft.com/office/powerpoint/2012/main" xmlns:ahyp="http://schemas.microsoft.com/office/drawing/2018/hyperlinkcolor">
+<p:sld xmlns:a="http://schemas.openxmlformats.org/drawingml/2006/main" xmlns:r="http://schemas.openxmlformats.org/officeDocument/2006/relationships" xmlns:p="http://schemas.openxmlformats.org/presentationml/2006/main">
   <p:cSld>
     <p:spTree>
       <p:nvGrpSpPr>
-        <p:cNvPr id="65" name="Shape 65"/>
+        <p:cNvPr id="1" name="Shape 65"/>
         <p:cNvGrpSpPr/>
         <p:nvPr/>
       </p:nvGrpSpPr>
@@ -6326,7 +6698,9 @@
       <p:sp>
         <p:nvSpPr>
           <p:cNvPr id="66" name="Google Shape;66;p15"/>
-          <p:cNvSpPr txBox="1"/>
+          <p:cNvSpPr txBox="1">
+            <a:spLocks noGrp="1"/>
+          </p:cNvSpPr>
           <p:nvPr>
             <p:ph type="title"/>
           </p:nvPr>
@@ -6341,12 +6715,12 @@
           </a:prstGeom>
         </p:spPr>
         <p:txBody>
-          <a:bodyPr anchorCtr="0" anchor="t" bIns="91425" lIns="91425" spcFirstLastPara="1" rIns="91425" wrap="square" tIns="91425">
+          <a:bodyPr spcFirstLastPara="1" wrap="square" lIns="91425" tIns="91425" rIns="91425" bIns="91425" anchor="t" anchorCtr="0">
             <a:normAutofit fontScale="90000"/>
           </a:bodyPr>
           <a:lstStyle/>
           <a:p>
-            <a:pPr indent="0" lvl="0" marL="0" rtl="0" algn="l">
+            <a:pPr marL="0" lvl="0" indent="0" algn="l" rtl="0">
               <a:spcBef>
                 <a:spcPts val="0"/>
               </a:spcBef>
@@ -6362,7 +6736,7 @@
             <a:endParaRPr/>
           </a:p>
           <a:p>
-            <a:pPr indent="0" lvl="0" marL="0" rtl="0" algn="l">
+            <a:pPr marL="0" lvl="0" indent="0" algn="l" rtl="0">
               <a:spcBef>
                 <a:spcPts val="0"/>
               </a:spcBef>
@@ -6371,9 +6745,6 @@
               </a:spcAft>
               <a:buNone/>
             </a:pPr>
-            <a:r>
-              <a:t/>
-            </a:r>
             <a:endParaRPr/>
           </a:p>
         </p:txBody>
@@ -6381,9 +6752,11 @@
       <p:sp>
         <p:nvSpPr>
           <p:cNvPr id="67" name="Google Shape;67;p15"/>
-          <p:cNvSpPr txBox="1"/>
+          <p:cNvSpPr txBox="1">
+            <a:spLocks noGrp="1"/>
+          </p:cNvSpPr>
           <p:nvPr>
-            <p:ph idx="1" type="body"/>
+            <p:ph type="body" idx="1"/>
           </p:nvPr>
         </p:nvSpPr>
         <p:spPr>
@@ -6396,12 +6769,12 @@
           </a:prstGeom>
         </p:spPr>
         <p:txBody>
-          <a:bodyPr anchorCtr="0" anchor="t" bIns="91425" lIns="91425" spcFirstLastPara="1" rIns="91425" wrap="square" tIns="91425">
+          <a:bodyPr spcFirstLastPara="1" wrap="square" lIns="91425" tIns="91425" rIns="91425" bIns="91425" anchor="t" anchorCtr="0">
             <a:normAutofit/>
           </a:bodyPr>
           <a:lstStyle/>
           <a:p>
-            <a:pPr indent="0" lvl="0" marL="0" rtl="0" algn="l">
+            <a:pPr marL="0" lvl="0" indent="0" algn="l" rtl="0">
               <a:spcBef>
                 <a:spcPts val="0"/>
               </a:spcBef>
@@ -6417,7 +6790,7 @@
             <a:endParaRPr/>
           </a:p>
           <a:p>
-            <a:pPr indent="0" lvl="0" marL="457200" rtl="0" algn="l">
+            <a:pPr marL="457200" lvl="0" indent="0" algn="l" rtl="0">
               <a:spcBef>
                 <a:spcPts val="1200"/>
               </a:spcBef>
@@ -6427,7 +6800,7 @@
               <a:buNone/>
             </a:pPr>
             <a:r>
-              <a:rPr b="1" lang="en"/>
+              <a:rPr lang="en" b="1"/>
               <a:t>"name"</a:t>
             </a:r>
             <a:r>
@@ -6437,7 +6810,7 @@
             <a:endParaRPr/>
           </a:p>
           <a:p>
-            <a:pPr indent="0" lvl="0" marL="457200" rtl="0" algn="l">
+            <a:pPr marL="457200" lvl="0" indent="0" algn="l" rtl="0">
               <a:spcBef>
                 <a:spcPts val="1200"/>
               </a:spcBef>
@@ -6447,7 +6820,7 @@
               <a:buNone/>
             </a:pPr>
             <a:r>
-              <a:rPr b="1" lang="en"/>
+              <a:rPr lang="en" b="1"/>
               <a:t>"subjects"</a:t>
             </a:r>
             <a:r>
@@ -6457,7 +6830,7 @@
             <a:endParaRPr/>
           </a:p>
           <a:p>
-            <a:pPr indent="0" lvl="0" marL="457200" rtl="0" algn="l">
+            <a:pPr marL="457200" lvl="0" indent="0" algn="l" rtl="0">
               <a:spcBef>
                 <a:spcPts val="1200"/>
               </a:spcBef>
@@ -6467,7 +6840,7 @@
               <a:buNone/>
             </a:pPr>
             <a:r>
-              <a:rPr b="1" lang="en"/>
+              <a:rPr lang="en" b="1"/>
               <a:t>"scores"</a:t>
             </a:r>
             <a:r>
@@ -6487,11 +6860,11 @@
 </file>
 
 <file path=ppt/slides/slide4.xml><?xml version="1.0" encoding="utf-8"?>
-<p:sld xmlns:a="http://schemas.openxmlformats.org/drawingml/2006/main" xmlns:r="http://schemas.openxmlformats.org/officeDocument/2006/relationships" xmlns:mc="http://schemas.openxmlformats.org/markup-compatibility/2006" xmlns:mv="urn:schemas-microsoft-com:mac:vml" xmlns:p="http://schemas.openxmlformats.org/presentationml/2006/main" xmlns:c="http://schemas.openxmlformats.org/drawingml/2006/chart" xmlns:dgm="http://schemas.openxmlformats.org/drawingml/2006/diagram" xmlns:o="urn:schemas-microsoft-com:office:office" xmlns:v="urn:schemas-microsoft-com:vml" xmlns:pvml="urn:schemas-microsoft-com:office:powerpoint" xmlns:com="http://schemas.openxmlformats.org/drawingml/2006/compatibility" xmlns:p14="http://schemas.microsoft.com/office/powerpoint/2010/main" xmlns:p15="http://schemas.microsoft.com/office/powerpoint/2012/main" xmlns:ahyp="http://schemas.microsoft.com/office/drawing/2018/hyperlinkcolor">
+<p:sld xmlns:a="http://schemas.openxmlformats.org/drawingml/2006/main" xmlns:r="http://schemas.openxmlformats.org/officeDocument/2006/relationships" xmlns:p="http://schemas.openxmlformats.org/presentationml/2006/main">
   <p:cSld>
     <p:spTree>
       <p:nvGrpSpPr>
-        <p:cNvPr id="71" name="Shape 71"/>
+        <p:cNvPr id="1" name="Shape 71"/>
         <p:cNvGrpSpPr/>
         <p:nvPr/>
       </p:nvGrpSpPr>
@@ -6506,7 +6879,9 @@
       <p:sp>
         <p:nvSpPr>
           <p:cNvPr id="72" name="Google Shape;72;p16"/>
-          <p:cNvSpPr txBox="1"/>
+          <p:cNvSpPr txBox="1">
+            <a:spLocks noGrp="1"/>
+          </p:cNvSpPr>
           <p:nvPr>
             <p:ph type="title"/>
           </p:nvPr>
@@ -6521,12 +6896,12 @@
           </a:prstGeom>
         </p:spPr>
         <p:txBody>
-          <a:bodyPr anchorCtr="0" anchor="t" bIns="91425" lIns="91425" spcFirstLastPara="1" rIns="91425" wrap="square" tIns="91425">
+          <a:bodyPr spcFirstLastPara="1" wrap="square" lIns="91425" tIns="91425" rIns="91425" bIns="91425" anchor="t" anchorCtr="0">
             <a:normAutofit fontScale="90000"/>
           </a:bodyPr>
           <a:lstStyle/>
           <a:p>
-            <a:pPr indent="0" lvl="0" marL="0" rtl="0" algn="l">
+            <a:pPr marL="0" lvl="0" indent="0" algn="l" rtl="0">
               <a:spcBef>
                 <a:spcPts val="0"/>
               </a:spcBef>
@@ -6546,9 +6921,11 @@
       <p:sp>
         <p:nvSpPr>
           <p:cNvPr id="73" name="Google Shape;73;p16"/>
-          <p:cNvSpPr txBox="1"/>
+          <p:cNvSpPr txBox="1">
+            <a:spLocks noGrp="1"/>
+          </p:cNvSpPr>
           <p:nvPr>
-            <p:ph idx="1" type="body"/>
+            <p:ph type="body" idx="1"/>
           </p:nvPr>
         </p:nvSpPr>
         <p:spPr>
@@ -6561,12 +6938,12 @@
           </a:prstGeom>
         </p:spPr>
         <p:txBody>
-          <a:bodyPr anchorCtr="0" anchor="t" bIns="91425" lIns="91425" spcFirstLastPara="1" rIns="91425" wrap="square" tIns="91425">
-            <a:normAutofit lnSpcReduction="20000"/>
+          <a:bodyPr spcFirstLastPara="1" wrap="square" lIns="91425" tIns="91425" rIns="91425" bIns="91425" anchor="t" anchorCtr="0">
+            <a:normAutofit/>
           </a:bodyPr>
           <a:lstStyle/>
           <a:p>
-            <a:pPr indent="0" lvl="0" marL="0" rtl="0" algn="l">
+            <a:pPr marL="0" lvl="0" indent="0" algn="l" rtl="0">
               <a:spcBef>
                 <a:spcPts val="0"/>
               </a:spcBef>
@@ -6582,7 +6959,7 @@
             <a:endParaRPr/>
           </a:p>
           <a:p>
-            <a:pPr indent="0" lvl="0" marL="0" rtl="0" algn="l">
+            <a:pPr marL="0" lvl="0" indent="0" algn="l" rtl="0">
               <a:spcBef>
                 <a:spcPts val="1200"/>
               </a:spcBef>
@@ -6598,7 +6975,7 @@
             <a:endParaRPr/>
           </a:p>
           <a:p>
-            <a:pPr indent="0" lvl="0" marL="0" rtl="0" algn="l">
+            <a:pPr marL="0" lvl="0" indent="0" algn="l" rtl="0">
               <a:spcBef>
                 <a:spcPts val="1200"/>
               </a:spcBef>
@@ -6614,7 +6991,7 @@
             <a:endParaRPr/>
           </a:p>
           <a:p>
-            <a:pPr indent="0" lvl="0" marL="0" rtl="0" algn="l">
+            <a:pPr marL="0" lvl="0" indent="0" algn="l" rtl="0">
               <a:spcBef>
                 <a:spcPts val="1200"/>
               </a:spcBef>
@@ -6630,7 +7007,7 @@
             <a:endParaRPr/>
           </a:p>
           <a:p>
-            <a:pPr indent="0" lvl="0" marL="0" rtl="0" algn="l">
+            <a:pPr marL="0" lvl="0" indent="0" algn="l" rtl="0">
               <a:spcBef>
                 <a:spcPts val="1200"/>
               </a:spcBef>
@@ -6646,7 +7023,7 @@
             <a:endParaRPr/>
           </a:p>
           <a:p>
-            <a:pPr indent="0" lvl="0" marL="0" rtl="0" algn="l">
+            <a:pPr marL="0" lvl="0" indent="0" algn="l" rtl="0">
               <a:spcBef>
                 <a:spcPts val="1200"/>
               </a:spcBef>
@@ -6655,9 +7032,6 @@
               </a:spcAft>
               <a:buNone/>
             </a:pPr>
-            <a:r>
-              <a:t/>
-            </a:r>
             <a:endParaRPr/>
           </a:p>
         </p:txBody>
@@ -6671,11 +7045,11 @@
 </file>
 
 <file path=ppt/slides/slide5.xml><?xml version="1.0" encoding="utf-8"?>
-<p:sld xmlns:a="http://schemas.openxmlformats.org/drawingml/2006/main" xmlns:r="http://schemas.openxmlformats.org/officeDocument/2006/relationships" xmlns:mc="http://schemas.openxmlformats.org/markup-compatibility/2006" xmlns:mv="urn:schemas-microsoft-com:mac:vml" xmlns:p="http://schemas.openxmlformats.org/presentationml/2006/main" xmlns:c="http://schemas.openxmlformats.org/drawingml/2006/chart" xmlns:dgm="http://schemas.openxmlformats.org/drawingml/2006/diagram" xmlns:o="urn:schemas-microsoft-com:office:office" xmlns:v="urn:schemas-microsoft-com:vml" xmlns:pvml="urn:schemas-microsoft-com:office:powerpoint" xmlns:com="http://schemas.openxmlformats.org/drawingml/2006/compatibility" xmlns:p14="http://schemas.microsoft.com/office/powerpoint/2010/main" xmlns:p15="http://schemas.microsoft.com/office/powerpoint/2012/main" xmlns:ahyp="http://schemas.microsoft.com/office/drawing/2018/hyperlinkcolor">
+<p:sld xmlns:a="http://schemas.openxmlformats.org/drawingml/2006/main" xmlns:r="http://schemas.openxmlformats.org/officeDocument/2006/relationships" xmlns:p="http://schemas.openxmlformats.org/presentationml/2006/main">
   <p:cSld>
     <p:spTree>
       <p:nvGrpSpPr>
-        <p:cNvPr id="77" name="Shape 77"/>
+        <p:cNvPr id="1" name="Shape 77"/>
         <p:cNvGrpSpPr/>
         <p:nvPr/>
       </p:nvGrpSpPr>
@@ -6690,7 +7064,9 @@
       <p:sp>
         <p:nvSpPr>
           <p:cNvPr id="78" name="Google Shape;78;p17"/>
-          <p:cNvSpPr txBox="1"/>
+          <p:cNvSpPr txBox="1">
+            <a:spLocks noGrp="1"/>
+          </p:cNvSpPr>
           <p:nvPr>
             <p:ph type="title"/>
           </p:nvPr>
@@ -6705,12 +7081,12 @@
           </a:prstGeom>
         </p:spPr>
         <p:txBody>
-          <a:bodyPr anchorCtr="0" anchor="t" bIns="91425" lIns="91425" spcFirstLastPara="1" rIns="91425" wrap="square" tIns="91425">
+          <a:bodyPr spcFirstLastPara="1" wrap="square" lIns="91425" tIns="91425" rIns="91425" bIns="91425" anchor="t" anchorCtr="0">
             <a:normAutofit fontScale="90000"/>
           </a:bodyPr>
           <a:lstStyle/>
           <a:p>
-            <a:pPr indent="0" lvl="0" marL="0" rtl="0" algn="l">
+            <a:pPr marL="0" lvl="0" indent="0" algn="l" rtl="0">
               <a:spcBef>
                 <a:spcPts val="0"/>
               </a:spcBef>
@@ -6730,9 +7106,11 @@
       <p:sp>
         <p:nvSpPr>
           <p:cNvPr id="79" name="Google Shape;79;p17"/>
-          <p:cNvSpPr txBox="1"/>
+          <p:cNvSpPr txBox="1">
+            <a:spLocks noGrp="1"/>
+          </p:cNvSpPr>
           <p:nvPr>
-            <p:ph idx="1" type="body"/>
+            <p:ph type="body" idx="1"/>
           </p:nvPr>
         </p:nvSpPr>
         <p:spPr>
@@ -6745,12 +7123,12 @@
           </a:prstGeom>
         </p:spPr>
         <p:txBody>
-          <a:bodyPr anchorCtr="0" anchor="t" bIns="91425" lIns="91425" spcFirstLastPara="1" rIns="91425" wrap="square" tIns="91425">
+          <a:bodyPr spcFirstLastPara="1" wrap="square" lIns="91425" tIns="91425" rIns="91425" bIns="91425" anchor="t" anchorCtr="0">
             <a:normAutofit fontScale="85000" lnSpcReduction="20000"/>
           </a:bodyPr>
           <a:lstStyle/>
           <a:p>
-            <a:pPr indent="0" lvl="0" marL="0" rtl="0" algn="l">
+            <a:pPr marL="0" lvl="0" indent="0" algn="l" rtl="0">
               <a:spcBef>
                 <a:spcPts val="0"/>
               </a:spcBef>
@@ -6778,7 +7156,7 @@
             </a:endParaRPr>
           </a:p>
           <a:p>
-            <a:pPr indent="-325755" lvl="0" marL="457200" rtl="0" algn="l">
+            <a:pPr marL="457200" lvl="0" indent="-325755" algn="l" rtl="0">
               <a:spcBef>
                 <a:spcPts val="1200"/>
               </a:spcBef>
@@ -6795,7 +7173,7 @@
             <a:endParaRPr/>
           </a:p>
           <a:p>
-            <a:pPr indent="0" lvl="0" marL="0" rtl="0" algn="l">
+            <a:pPr marL="0" lvl="0" indent="0" algn="l" rtl="0">
               <a:spcBef>
                 <a:spcPts val="1200"/>
               </a:spcBef>
@@ -6814,7 +7192,44 @@
                   <a:schemeClr val="dk1"/>
                 </a:solidFill>
               </a:rPr>
-              <a:t>get_average_score(name, </a:t>
+              <a:t>get_average_score(name, students)</a:t>
+            </a:r>
+            <a:endParaRPr>
+              <a:solidFill>
+                <a:schemeClr val="dk1"/>
+              </a:solidFill>
+            </a:endParaRPr>
+          </a:p>
+          <a:p>
+            <a:pPr marL="457200" lvl="0" indent="-325755" algn="l" rtl="0">
+              <a:spcBef>
+                <a:spcPts val="1200"/>
+              </a:spcBef>
+              <a:spcAft>
+                <a:spcPts val="0"/>
+              </a:spcAft>
+              <a:buSzPct val="100000"/>
+              <a:buChar char="-"/>
+            </a:pPr>
+            <a:r>
+              <a:rPr lang="en"/>
+              <a:t>Эта функция должна найти студента по имени и вычислить среднюю оценку по их предметам.</a:t>
+            </a:r>
+            <a:endParaRPr/>
+          </a:p>
+          <a:p>
+            <a:pPr marL="0" lvl="0" indent="0" algn="l" rtl="0">
+              <a:spcBef>
+                <a:spcPts val="1200"/>
+              </a:spcBef>
+              <a:spcAft>
+                <a:spcPts val="0"/>
+              </a:spcAft>
+              <a:buNone/>
+            </a:pPr>
+            <a:r>
+              <a:rPr lang="en"/>
+              <a:t>Напишите функцию </a:t>
             </a:r>
             <a:r>
               <a:rPr lang="en">
@@ -6822,7 +7237,44 @@
                   <a:schemeClr val="dk1"/>
                 </a:solidFill>
               </a:rPr>
-              <a:t>students</a:t>
+              <a:t>find_top_student(students)</a:t>
+            </a:r>
+            <a:endParaRPr>
+              <a:solidFill>
+                <a:schemeClr val="dk1"/>
+              </a:solidFill>
+            </a:endParaRPr>
+          </a:p>
+          <a:p>
+            <a:pPr marL="457200" lvl="0" indent="-325755" algn="l" rtl="0">
+              <a:spcBef>
+                <a:spcPts val="1200"/>
+              </a:spcBef>
+              <a:spcAft>
+                <a:spcPts val="0"/>
+              </a:spcAft>
+              <a:buSzPct val="100000"/>
+              <a:buChar char="-"/>
+            </a:pPr>
+            <a:r>
+              <a:rPr lang="en"/>
+              <a:t>Эта функция должна определить, у кого из студентов самая высокая средняя оценка, и вернуть его имя.</a:t>
+            </a:r>
+            <a:endParaRPr/>
+          </a:p>
+          <a:p>
+            <a:pPr marL="0" lvl="0" indent="0" algn="l" rtl="0">
+              <a:spcBef>
+                <a:spcPts val="1200"/>
+              </a:spcBef>
+              <a:spcAft>
+                <a:spcPts val="0"/>
+              </a:spcAft>
+              <a:buNone/>
+            </a:pPr>
+            <a:r>
+              <a:rPr lang="en"/>
+              <a:t>Напишите функцию </a:t>
             </a:r>
             <a:r>
               <a:rPr lang="en">
@@ -6830,7 +7282,7 @@
                   <a:schemeClr val="dk1"/>
                 </a:solidFill>
               </a:rPr>
-              <a:t>)</a:t>
+              <a:t>failed_students(students, passing_score=50)</a:t>
             </a:r>
             <a:endParaRPr>
               <a:solidFill>
@@ -6839,129 +7291,7 @@
             </a:endParaRPr>
           </a:p>
           <a:p>
-            <a:pPr indent="-325755" lvl="0" marL="457200" rtl="0" algn="l">
-              <a:spcBef>
-                <a:spcPts val="1200"/>
-              </a:spcBef>
-              <a:spcAft>
-                <a:spcPts val="0"/>
-              </a:spcAft>
-              <a:buSzPct val="100000"/>
-              <a:buChar char="-"/>
-            </a:pPr>
-            <a:r>
-              <a:rPr lang="en"/>
-              <a:t>Эта функция должна найти студента по имени и вычислить среднюю оценку по их предметам.</a:t>
-            </a:r>
-            <a:endParaRPr/>
-          </a:p>
-          <a:p>
-            <a:pPr indent="0" lvl="0" marL="0" rtl="0" algn="l">
-              <a:spcBef>
-                <a:spcPts val="1200"/>
-              </a:spcBef>
-              <a:spcAft>
-                <a:spcPts val="0"/>
-              </a:spcAft>
-              <a:buNone/>
-            </a:pPr>
-            <a:r>
-              <a:rPr lang="en"/>
-              <a:t>Напишите функцию </a:t>
-            </a:r>
-            <a:r>
-              <a:rPr lang="en">
-                <a:solidFill>
-                  <a:schemeClr val="dk1"/>
-                </a:solidFill>
-              </a:rPr>
-              <a:t>find_top_student(</a:t>
-            </a:r>
-            <a:r>
-              <a:rPr lang="en">
-                <a:solidFill>
-                  <a:schemeClr val="dk1"/>
-                </a:solidFill>
-              </a:rPr>
-              <a:t>students</a:t>
-            </a:r>
-            <a:r>
-              <a:rPr lang="en">
-                <a:solidFill>
-                  <a:schemeClr val="dk1"/>
-                </a:solidFill>
-              </a:rPr>
-              <a:t>)</a:t>
-            </a:r>
-            <a:endParaRPr>
-              <a:solidFill>
-                <a:schemeClr val="dk1"/>
-              </a:solidFill>
-            </a:endParaRPr>
-          </a:p>
-          <a:p>
-            <a:pPr indent="-325755" lvl="0" marL="457200" rtl="0" algn="l">
-              <a:spcBef>
-                <a:spcPts val="1200"/>
-              </a:spcBef>
-              <a:spcAft>
-                <a:spcPts val="0"/>
-              </a:spcAft>
-              <a:buSzPct val="100000"/>
-              <a:buChar char="-"/>
-            </a:pPr>
-            <a:r>
-              <a:rPr lang="en"/>
-              <a:t>Эта функция должна определить, у кого из студентов самая высокая средняя оценка, и вернуть его имя.</a:t>
-            </a:r>
-            <a:endParaRPr/>
-          </a:p>
-          <a:p>
-            <a:pPr indent="0" lvl="0" marL="0" rtl="0" algn="l">
-              <a:spcBef>
-                <a:spcPts val="1200"/>
-              </a:spcBef>
-              <a:spcAft>
-                <a:spcPts val="0"/>
-              </a:spcAft>
-              <a:buNone/>
-            </a:pPr>
-            <a:r>
-              <a:rPr lang="en"/>
-              <a:t>Напишите функцию </a:t>
-            </a:r>
-            <a:r>
-              <a:rPr lang="en">
-                <a:solidFill>
-                  <a:schemeClr val="dk1"/>
-                </a:solidFill>
-              </a:rPr>
-              <a:t>failed_students(</a:t>
-            </a:r>
-            <a:r>
-              <a:rPr lang="en">
-                <a:solidFill>
-                  <a:schemeClr val="dk1"/>
-                </a:solidFill>
-              </a:rPr>
-              <a:t>students</a:t>
-            </a:r>
-            <a:r>
-              <a:rPr lang="en">
-                <a:solidFill>
-                  <a:schemeClr val="dk1"/>
-                </a:solidFill>
-              </a:rPr>
-              <a:t>, passing_score=50)</a:t>
-            </a:r>
-            <a:endParaRPr>
-              <a:solidFill>
-                <a:schemeClr val="dk1"/>
-              </a:solidFill>
-            </a:endParaRPr>
-          </a:p>
-          <a:p>
-            <a:pPr indent="-325755" lvl="0" marL="457200" rtl="0" algn="l">
+            <a:pPr marL="457200" lvl="0" indent="-325755" algn="l" rtl="0">
               <a:spcBef>
                 <a:spcPts val="1200"/>
               </a:spcBef>
@@ -6988,11 +7318,11 @@
 </file>
 
 <file path=ppt/slides/slide6.xml><?xml version="1.0" encoding="utf-8"?>
-<p:sld xmlns:a="http://schemas.openxmlformats.org/drawingml/2006/main" xmlns:r="http://schemas.openxmlformats.org/officeDocument/2006/relationships" xmlns:mc="http://schemas.openxmlformats.org/markup-compatibility/2006" xmlns:mv="urn:schemas-microsoft-com:mac:vml" xmlns:p="http://schemas.openxmlformats.org/presentationml/2006/main" xmlns:c="http://schemas.openxmlformats.org/drawingml/2006/chart" xmlns:dgm="http://schemas.openxmlformats.org/drawingml/2006/diagram" xmlns:o="urn:schemas-microsoft-com:office:office" xmlns:v="urn:schemas-microsoft-com:vml" xmlns:pvml="urn:schemas-microsoft-com:office:powerpoint" xmlns:com="http://schemas.openxmlformats.org/drawingml/2006/compatibility" xmlns:p14="http://schemas.microsoft.com/office/powerpoint/2010/main" xmlns:p15="http://schemas.microsoft.com/office/powerpoint/2012/main" xmlns:ahyp="http://schemas.microsoft.com/office/drawing/2018/hyperlinkcolor">
+<p:sld xmlns:a="http://schemas.openxmlformats.org/drawingml/2006/main" xmlns:r="http://schemas.openxmlformats.org/officeDocument/2006/relationships" xmlns:p="http://schemas.openxmlformats.org/presentationml/2006/main">
   <p:cSld>
     <p:spTree>
       <p:nvGrpSpPr>
-        <p:cNvPr id="83" name="Shape 83"/>
+        <p:cNvPr id="1" name="Shape 83"/>
         <p:cNvGrpSpPr/>
         <p:nvPr/>
       </p:nvGrpSpPr>
@@ -7007,7 +7337,9 @@
       <p:sp>
         <p:nvSpPr>
           <p:cNvPr id="84" name="Google Shape;84;p18"/>
-          <p:cNvSpPr txBox="1"/>
+          <p:cNvSpPr txBox="1">
+            <a:spLocks noGrp="1"/>
+          </p:cNvSpPr>
           <p:nvPr>
             <p:ph type="title"/>
           </p:nvPr>
@@ -7022,12 +7354,12 @@
           </a:prstGeom>
         </p:spPr>
         <p:txBody>
-          <a:bodyPr anchorCtr="0" anchor="t" bIns="91425" lIns="91425" spcFirstLastPara="1" rIns="91425" wrap="square" tIns="91425">
+          <a:bodyPr spcFirstLastPara="1" wrap="square" lIns="91425" tIns="91425" rIns="91425" bIns="91425" anchor="t" anchorCtr="0">
             <a:normAutofit fontScale="90000"/>
           </a:bodyPr>
           <a:lstStyle/>
           <a:p>
-            <a:pPr indent="0" lvl="0" marL="0" rtl="0" algn="l">
+            <a:pPr marL="0" lvl="0" indent="0" algn="l" rtl="0">
               <a:spcBef>
                 <a:spcPts val="0"/>
               </a:spcBef>
@@ -7047,9 +7379,11 @@
       <p:sp>
         <p:nvSpPr>
           <p:cNvPr id="85" name="Google Shape;85;p18"/>
-          <p:cNvSpPr txBox="1"/>
+          <p:cNvSpPr txBox="1">
+            <a:spLocks noGrp="1"/>
+          </p:cNvSpPr>
           <p:nvPr>
-            <p:ph idx="1" type="body"/>
+            <p:ph type="body" idx="1"/>
           </p:nvPr>
         </p:nvSpPr>
         <p:spPr>
@@ -7062,12 +7396,12 @@
           </a:prstGeom>
         </p:spPr>
         <p:txBody>
-          <a:bodyPr anchorCtr="0" anchor="t" bIns="91425" lIns="91425" spcFirstLastPara="1" rIns="91425" wrap="square" tIns="91425">
+          <a:bodyPr spcFirstLastPara="1" wrap="square" lIns="91425" tIns="91425" rIns="91425" bIns="91425" anchor="t" anchorCtr="0">
             <a:normAutofit/>
           </a:bodyPr>
           <a:lstStyle/>
           <a:p>
-            <a:pPr indent="0" lvl="0" marL="0" rtl="0" algn="l">
+            <a:pPr marL="0" lvl="0" indent="0" algn="l" rtl="0">
               <a:spcBef>
                 <a:spcPts val="0"/>
               </a:spcBef>
@@ -7095,7 +7429,7 @@
             </a:endParaRPr>
           </a:p>
           <a:p>
-            <a:pPr indent="-342900" lvl="0" marL="457200" rtl="0" algn="l">
+            <a:pPr marL="457200" lvl="0" indent="-342900" algn="l" rtl="0">
               <a:spcBef>
                 <a:spcPts val="1200"/>
               </a:spcBef>
@@ -7122,11 +7456,11 @@
 </file>
 
 <file path=ppt/slides/slide7.xml><?xml version="1.0" encoding="utf-8"?>
-<p:sld xmlns:a="http://schemas.openxmlformats.org/drawingml/2006/main" xmlns:r="http://schemas.openxmlformats.org/officeDocument/2006/relationships" xmlns:mc="http://schemas.openxmlformats.org/markup-compatibility/2006" xmlns:mv="urn:schemas-microsoft-com:mac:vml" xmlns:p="http://schemas.openxmlformats.org/presentationml/2006/main" xmlns:c="http://schemas.openxmlformats.org/drawingml/2006/chart" xmlns:dgm="http://schemas.openxmlformats.org/drawingml/2006/diagram" xmlns:o="urn:schemas-microsoft-com:office:office" xmlns:v="urn:schemas-microsoft-com:vml" xmlns:pvml="urn:schemas-microsoft-com:office:powerpoint" xmlns:com="http://schemas.openxmlformats.org/drawingml/2006/compatibility" xmlns:p14="http://schemas.microsoft.com/office/powerpoint/2010/main" xmlns:p15="http://schemas.microsoft.com/office/powerpoint/2012/main" xmlns:ahyp="http://schemas.microsoft.com/office/drawing/2018/hyperlinkcolor">
+<p:sld xmlns:a="http://schemas.openxmlformats.org/drawingml/2006/main" xmlns:r="http://schemas.openxmlformats.org/officeDocument/2006/relationships" xmlns:p="http://schemas.openxmlformats.org/presentationml/2006/main">
   <p:cSld>
     <p:spTree>
       <p:nvGrpSpPr>
-        <p:cNvPr id="89" name="Shape 89"/>
+        <p:cNvPr id="1" name="Shape 89"/>
         <p:cNvGrpSpPr/>
         <p:nvPr/>
       </p:nvGrpSpPr>
@@ -7141,7 +7475,9 @@
       <p:sp>
         <p:nvSpPr>
           <p:cNvPr id="90" name="Google Shape;90;p19"/>
-          <p:cNvSpPr txBox="1"/>
+          <p:cNvSpPr txBox="1">
+            <a:spLocks noGrp="1"/>
+          </p:cNvSpPr>
           <p:nvPr>
             <p:ph type="title"/>
           </p:nvPr>
@@ -7156,12 +7492,12 @@
           </a:prstGeom>
         </p:spPr>
         <p:txBody>
-          <a:bodyPr anchorCtr="0" anchor="t" bIns="91425" lIns="91425" spcFirstLastPara="1" rIns="91425" wrap="square" tIns="91425">
+          <a:bodyPr spcFirstLastPara="1" wrap="square" lIns="91425" tIns="91425" rIns="91425" bIns="91425" anchor="t" anchorCtr="0">
             <a:normAutofit fontScale="90000"/>
           </a:bodyPr>
           <a:lstStyle/>
           <a:p>
-            <a:pPr indent="0" lvl="0" marL="0" rtl="0" algn="l">
+            <a:pPr marL="0" lvl="0" indent="0" algn="l" rtl="0">
               <a:spcBef>
                 <a:spcPts val="0"/>
               </a:spcBef>
@@ -7181,9 +7517,11 @@
       <p:sp>
         <p:nvSpPr>
           <p:cNvPr id="91" name="Google Shape;91;p19"/>
-          <p:cNvSpPr txBox="1"/>
+          <p:cNvSpPr txBox="1">
+            <a:spLocks noGrp="1"/>
+          </p:cNvSpPr>
           <p:nvPr>
-            <p:ph idx="1" type="body"/>
+            <p:ph type="body" idx="1"/>
           </p:nvPr>
         </p:nvSpPr>
         <p:spPr>
@@ -7196,12 +7534,12 @@
           </a:prstGeom>
         </p:spPr>
         <p:txBody>
-          <a:bodyPr anchorCtr="0" anchor="t" bIns="91425" lIns="91425" spcFirstLastPara="1" rIns="91425" wrap="square" tIns="91425">
+          <a:bodyPr spcFirstLastPara="1" wrap="square" lIns="91425" tIns="91425" rIns="91425" bIns="91425" anchor="t" anchorCtr="0">
             <a:normAutofit/>
           </a:bodyPr>
           <a:lstStyle/>
           <a:p>
-            <a:pPr indent="0" lvl="0" marL="0" rtl="0" algn="l">
+            <a:pPr marL="0" lvl="0" indent="0" algn="l" rtl="0">
               <a:spcBef>
                 <a:spcPts val="0"/>
               </a:spcBef>
@@ -7211,13 +7549,13 @@
               <a:buNone/>
             </a:pPr>
             <a:r>
-              <a:rPr lang="en"/>
+              <a:rPr lang="en" dirty="0"/>
               <a:t>display_students(students)</a:t>
             </a:r>
-            <a:endParaRPr/>
-          </a:p>
-          <a:p>
-            <a:pPr indent="0" lvl="0" marL="0" rtl="0" algn="l">
+            <a:endParaRPr dirty="0"/>
+          </a:p>
+          <a:p>
+            <a:pPr marL="0" lvl="0" indent="0" algn="l" rtl="0">
               <a:spcBef>
                 <a:spcPts val="1200"/>
               </a:spcBef>
@@ -7227,13 +7565,13 @@
               <a:buNone/>
             </a:pPr>
             <a:r>
-              <a:rPr lang="en"/>
+              <a:rPr lang="en" dirty="0"/>
               <a:t>print(get_average_score("Alice", students))</a:t>
             </a:r>
-            <a:endParaRPr/>
-          </a:p>
-          <a:p>
-            <a:pPr indent="0" lvl="0" marL="0" rtl="0" algn="l">
+            <a:endParaRPr dirty="0"/>
+          </a:p>
+          <a:p>
+            <a:pPr marL="0" lvl="0" indent="0" algn="l" rtl="0">
               <a:spcBef>
                 <a:spcPts val="1200"/>
               </a:spcBef>
@@ -7243,13 +7581,13 @@
               <a:buNone/>
             </a:pPr>
             <a:r>
-              <a:rPr lang="en"/>
+              <a:rPr lang="en" dirty="0"/>
               <a:t>print(find_top_student(students))</a:t>
             </a:r>
-            <a:endParaRPr/>
-          </a:p>
-          <a:p>
-            <a:pPr indent="0" lvl="0" marL="0" rtl="0" algn="l">
+            <a:endParaRPr dirty="0"/>
+          </a:p>
+          <a:p>
+            <a:pPr marL="0" lvl="0" indent="0" algn="l" rtl="0">
               <a:spcBef>
                 <a:spcPts val="1200"/>
               </a:spcBef>
@@ -7259,13 +7597,13 @@
               <a:buNone/>
             </a:pPr>
             <a:r>
-              <a:rPr lang="en"/>
+              <a:rPr lang="en" dirty="0"/>
               <a:t>print(failed_students(students, passing_score=75))</a:t>
             </a:r>
-            <a:endParaRPr/>
-          </a:p>
-          <a:p>
-            <a:pPr indent="0" lvl="0" marL="0" rtl="0" algn="l">
+            <a:endParaRPr dirty="0"/>
+          </a:p>
+          <a:p>
+            <a:pPr marL="0" lvl="0" indent="0" algn="l" rtl="0">
               <a:spcBef>
                 <a:spcPts val="1200"/>
               </a:spcBef>
@@ -7275,10 +7613,10 @@
               <a:buNone/>
             </a:pPr>
             <a:r>
-              <a:rPr lang="en"/>
+              <a:rPr lang="en" dirty="0"/>
               <a:t>print(unique_subjects(students))</a:t>
             </a:r>
-            <a:endParaRPr/>
+            <a:endParaRPr dirty="0"/>
           </a:p>
         </p:txBody>
       </p:sp>
@@ -7318,8 +7656,514 @@
 </p:sld>
 </file>
 
+<file path=ppt/slides/slide8.xml><?xml version="1.0" encoding="utf-8"?>
+<p:sld xmlns:a="http://schemas.openxmlformats.org/drawingml/2006/main" xmlns:r="http://schemas.openxmlformats.org/officeDocument/2006/relationships" xmlns:p="http://schemas.openxmlformats.org/presentationml/2006/main">
+  <p:cSld>
+    <p:spTree>
+      <p:nvGrpSpPr>
+        <p:cNvPr id="1" name=""/>
+        <p:cNvGrpSpPr/>
+        <p:nvPr/>
+      </p:nvGrpSpPr>
+      <p:grpSpPr>
+        <a:xfrm>
+          <a:off x="0" y="0"/>
+          <a:ext cx="0" cy="0"/>
+          <a:chOff x="0" y="0"/>
+          <a:chExt cx="0" cy="0"/>
+        </a:xfrm>
+      </p:grpSpPr>
+      <p:sp>
+        <p:nvSpPr>
+          <p:cNvPr id="2" name="Заголовок 1">
+            <a:extLst>
+              <a:ext uri="{FF2B5EF4-FFF2-40B4-BE49-F238E27FC236}">
+                <a16:creationId xmlns:a16="http://schemas.microsoft.com/office/drawing/2014/main" id="{068A38B7-40D1-4AC9-A073-81D685093489}"/>
+              </a:ext>
+            </a:extLst>
+          </p:cNvPr>
+          <p:cNvSpPr>
+            <a:spLocks noGrp="1"/>
+          </p:cNvSpPr>
+          <p:nvPr>
+            <p:ph type="title"/>
+          </p:nvPr>
+        </p:nvSpPr>
+        <p:spPr/>
+        <p:txBody>
+          <a:bodyPr>
+            <a:normAutofit fontScale="90000"/>
+          </a:bodyPr>
+          <a:lstStyle/>
+          <a:p>
+            <a:r>
+              <a:rPr lang="en-US" dirty="0"/>
+              <a:t>BONUS</a:t>
+            </a:r>
+            <a:endParaRPr lang="ru-RU" dirty="0"/>
+          </a:p>
+        </p:txBody>
+      </p:sp>
+      <p:sp>
+        <p:nvSpPr>
+          <p:cNvPr id="3" name="Текст 2">
+            <a:extLst>
+              <a:ext uri="{FF2B5EF4-FFF2-40B4-BE49-F238E27FC236}">
+                <a16:creationId xmlns:a16="http://schemas.microsoft.com/office/drawing/2014/main" id="{B126F982-3268-4FCC-9F09-2AB3C163E4C3}"/>
+              </a:ext>
+            </a:extLst>
+          </p:cNvPr>
+          <p:cNvSpPr>
+            <a:spLocks noGrp="1"/>
+          </p:cNvSpPr>
+          <p:nvPr>
+            <p:ph type="body" idx="1"/>
+          </p:nvPr>
+        </p:nvSpPr>
+        <p:spPr/>
+        <p:txBody>
+          <a:bodyPr>
+            <a:normAutofit fontScale="47500" lnSpcReduction="20000"/>
+          </a:bodyPr>
+          <a:lstStyle/>
+          <a:p>
+            <a:pPr marL="114300" indent="0">
+              <a:buNone/>
+            </a:pPr>
+            <a:r>
+              <a:rPr lang="ru-RU" b="1" dirty="0"/>
+              <a:t>Цель:</a:t>
+            </a:r>
+            <a:r>
+              <a:rPr lang="ru-RU" dirty="0"/>
+              <a:t> Ученики создадут программу на </a:t>
+            </a:r>
+            <a:r>
+              <a:rPr lang="ru-RU" dirty="0" err="1"/>
+              <a:t>Python</a:t>
+            </a:r>
+            <a:r>
+              <a:rPr lang="ru-RU" dirty="0"/>
+              <a:t> для управления словарем библиотечных книг, расчета штрафов за просрочку, отслеживания доступности книг и создания отчета для заемщиков.</a:t>
+            </a:r>
+          </a:p>
+          <a:p>
+            <a:pPr marL="114300" indent="0">
+              <a:buNone/>
+            </a:pPr>
+            <a:br>
+              <a:rPr lang="ru-RU" dirty="0"/>
+            </a:br>
+            <a:r>
+              <a:rPr lang="ru-RU" b="1" dirty="0"/>
+              <a:t>Задание:</a:t>
+            </a:r>
+            <a:r>
+              <a:rPr lang="ru-RU" dirty="0"/>
+              <a:t> Вы библиотекарь, управляющий словарем, где каждый ключ — это идентификатор книги, а значение — вложенный словарь с названием книги, именем заемщика, сроком возврата (в днях относительно сегодняшнего дня) и ставкой штрафа за день (в долларах). Напишите программу на </a:t>
+            </a:r>
+            <a:r>
+              <a:rPr lang="ru-RU" dirty="0" err="1"/>
+              <a:t>Python</a:t>
+            </a:r>
+            <a:r>
+              <a:rPr lang="ru-RU" dirty="0"/>
+              <a:t>, которая:</a:t>
+            </a:r>
+          </a:p>
+          <a:p>
+            <a:pPr marL="114300" indent="0">
+              <a:buNone/>
+            </a:pPr>
+            <a:endParaRPr lang="en-US" dirty="0"/>
+          </a:p>
+          <a:p>
+            <a:pPr marL="114300" indent="0">
+              <a:buNone/>
+            </a:pPr>
+            <a:r>
+              <a:rPr lang="ru-RU" dirty="0"/>
+              <a:t>Рассчитывает количество дней просрочки для каждой книги (сегодня — день 0; отрицательные дни означают, что срок еще не наступил).</a:t>
+            </a:r>
+          </a:p>
+          <a:p>
+            <a:pPr marL="114300" indent="0">
+              <a:buNone/>
+            </a:pPr>
+            <a:br>
+              <a:rPr lang="ru-RU" dirty="0"/>
+            </a:br>
+            <a:r>
+              <a:rPr lang="ru-RU" dirty="0"/>
+              <a:t>Вычисляет общий штраф за просроченные книги на основе дневной ставки штрафа.</a:t>
+            </a:r>
+          </a:p>
+          <a:p>
+            <a:pPr marL="114300" indent="0">
+              <a:buNone/>
+            </a:pPr>
+            <a:br>
+              <a:rPr lang="ru-RU" dirty="0"/>
+            </a:br>
+            <a:r>
+              <a:rPr lang="ru-RU" dirty="0"/>
+              <a:t>Определяет статус книги:</a:t>
+            </a:r>
+            <a:br>
+              <a:rPr lang="ru-RU" dirty="0"/>
+            </a:br>
+            <a:endParaRPr lang="ru-RU" dirty="0"/>
+          </a:p>
+          <a:p>
+            <a:pPr lvl="1"/>
+            <a:r>
+              <a:rPr lang="ru-RU" dirty="0"/>
+              <a:t>"Доступна" (нет заемщика)</a:t>
+            </a:r>
+          </a:p>
+          <a:p>
+            <a:pPr lvl="1"/>
+            <a:br>
+              <a:rPr lang="ru-RU" dirty="0"/>
+            </a:br>
+            <a:r>
+              <a:rPr lang="ru-RU" dirty="0"/>
+              <a:t>"В срок" (взята, не просрочена)</a:t>
+            </a:r>
+          </a:p>
+          <a:p>
+            <a:pPr lvl="1"/>
+            <a:br>
+              <a:rPr lang="ru-RU" dirty="0"/>
+            </a:br>
+            <a:r>
+              <a:rPr lang="ru-RU" dirty="0"/>
+              <a:t>"Просрочена" (взята, срок истек)</a:t>
+            </a:r>
+          </a:p>
+          <a:p>
+            <a:pPr marL="114300" indent="0">
+              <a:buNone/>
+            </a:pPr>
+            <a:br>
+              <a:rPr lang="ru-RU" dirty="0"/>
+            </a:br>
+            <a:endParaRPr lang="ru-RU" dirty="0"/>
+          </a:p>
+          <a:p>
+            <a:pPr marL="114300" indent="0">
+              <a:buNone/>
+            </a:pPr>
+            <a:br>
+              <a:rPr lang="ru-RU" dirty="0"/>
+            </a:br>
+            <a:r>
+              <a:rPr lang="ru-RU" dirty="0"/>
+              <a:t>Определяет заемщика с наибольшей суммой штрафов по всем его книгам.</a:t>
+            </a:r>
+          </a:p>
+          <a:p>
+            <a:pPr marL="114300" indent="0">
+              <a:buNone/>
+            </a:pPr>
+            <a:br>
+              <a:rPr lang="ru-RU" dirty="0"/>
+            </a:br>
+            <a:r>
+              <a:rPr lang="ru-RU" dirty="0"/>
+              <a:t>Выводит отчет по каждой книге и сводку о заемщике с наибольшими штрафами.</a:t>
+            </a:r>
+          </a:p>
+          <a:p>
+            <a:endParaRPr lang="ru-RU" dirty="0"/>
+          </a:p>
+        </p:txBody>
+      </p:sp>
+    </p:spTree>
+    <p:extLst>
+      <p:ext uri="{BB962C8B-B14F-4D97-AF65-F5344CB8AC3E}">
+        <p14:creationId xmlns:p14="http://schemas.microsoft.com/office/powerpoint/2010/main" val="2352679355"/>
+      </p:ext>
+    </p:extLst>
+  </p:cSld>
+  <p:clrMapOvr>
+    <a:masterClrMapping/>
+  </p:clrMapOvr>
+</p:sld>
+</file>
+
+<file path=ppt/slides/slide9.xml><?xml version="1.0" encoding="utf-8"?>
+<p:sld xmlns:a="http://schemas.openxmlformats.org/drawingml/2006/main" xmlns:r="http://schemas.openxmlformats.org/officeDocument/2006/relationships" xmlns:p="http://schemas.openxmlformats.org/presentationml/2006/main">
+  <p:cSld>
+    <p:spTree>
+      <p:nvGrpSpPr>
+        <p:cNvPr id="1" name=""/>
+        <p:cNvGrpSpPr/>
+        <p:nvPr/>
+      </p:nvGrpSpPr>
+      <p:grpSpPr>
+        <a:xfrm>
+          <a:off x="0" y="0"/>
+          <a:ext cx="0" cy="0"/>
+          <a:chOff x="0" y="0"/>
+          <a:chExt cx="0" cy="0"/>
+        </a:xfrm>
+      </p:grpSpPr>
+      <p:sp>
+        <p:nvSpPr>
+          <p:cNvPr id="2" name="Заголовок 1">
+            <a:extLst>
+              <a:ext uri="{FF2B5EF4-FFF2-40B4-BE49-F238E27FC236}">
+                <a16:creationId xmlns:a16="http://schemas.microsoft.com/office/drawing/2014/main" id="{6BC7BCB1-FBC7-411D-8443-FD8E58A66F1D}"/>
+              </a:ext>
+            </a:extLst>
+          </p:cNvPr>
+          <p:cNvSpPr>
+            <a:spLocks noGrp="1"/>
+          </p:cNvSpPr>
+          <p:nvPr>
+            <p:ph type="title"/>
+          </p:nvPr>
+        </p:nvSpPr>
+        <p:spPr/>
+        <p:txBody>
+          <a:bodyPr>
+            <a:normAutofit fontScale="90000"/>
+          </a:bodyPr>
+          <a:lstStyle/>
+          <a:p>
+            <a:r>
+              <a:rPr lang="en-US" dirty="0"/>
+              <a:t>Bonus Sample Data</a:t>
+            </a:r>
+            <a:endParaRPr lang="ru-RU" dirty="0"/>
+          </a:p>
+        </p:txBody>
+      </p:sp>
+      <p:sp>
+        <p:nvSpPr>
+          <p:cNvPr id="3" name="Текст 2">
+            <a:extLst>
+              <a:ext uri="{FF2B5EF4-FFF2-40B4-BE49-F238E27FC236}">
+                <a16:creationId xmlns:a16="http://schemas.microsoft.com/office/drawing/2014/main" id="{77883BF1-4E6D-4CB2-B9D0-53B7BCA93655}"/>
+              </a:ext>
+            </a:extLst>
+          </p:cNvPr>
+          <p:cNvSpPr>
+            <a:spLocks noGrp="1"/>
+          </p:cNvSpPr>
+          <p:nvPr>
+            <p:ph type="body" idx="1"/>
+          </p:nvPr>
+        </p:nvSpPr>
+        <p:spPr/>
+        <p:txBody>
+          <a:bodyPr/>
+          <a:lstStyle/>
+          <a:p>
+            <a:pPr marL="114300" indent="0">
+              <a:buNone/>
+            </a:pPr>
+            <a:r>
+              <a:rPr lang="de-DE" dirty="0" err="1"/>
+              <a:t>library_books</a:t>
+            </a:r>
+            <a:r>
+              <a:rPr lang="de-DE" dirty="0"/>
+              <a:t> = {</a:t>
+            </a:r>
+          </a:p>
+          <a:p>
+            <a:pPr marL="114300" indent="0">
+              <a:buNone/>
+            </a:pPr>
+            <a:r>
+              <a:rPr lang="de-DE" dirty="0"/>
+              <a:t>    "B001": {"title": "</a:t>
+            </a:r>
+            <a:r>
+              <a:rPr lang="ru-RU" dirty="0"/>
+              <a:t>Основы </a:t>
+            </a:r>
+            <a:r>
+              <a:rPr lang="de-DE" dirty="0"/>
+              <a:t>Python", "</a:t>
+            </a:r>
+            <a:r>
+              <a:rPr lang="de-DE" dirty="0" err="1"/>
+              <a:t>borrower</a:t>
+            </a:r>
+            <a:r>
+              <a:rPr lang="de-DE" dirty="0"/>
+              <a:t>": "</a:t>
+            </a:r>
+            <a:r>
+              <a:rPr lang="ru-RU" dirty="0"/>
+              <a:t>Алиса", "</a:t>
+            </a:r>
+            <a:r>
+              <a:rPr lang="de-DE" dirty="0" err="1"/>
+              <a:t>due_date</a:t>
+            </a:r>
+            <a:r>
+              <a:rPr lang="de-DE" dirty="0"/>
+              <a:t>": -5, "</a:t>
+            </a:r>
+            <a:r>
+              <a:rPr lang="de-DE" dirty="0" err="1"/>
+              <a:t>fine_rate</a:t>
+            </a:r>
+            <a:r>
+              <a:rPr lang="de-DE" dirty="0"/>
+              <a:t>": 0.50},</a:t>
+            </a:r>
+          </a:p>
+          <a:p>
+            <a:pPr marL="114300" indent="0">
+              <a:buNone/>
+            </a:pPr>
+            <a:r>
+              <a:rPr lang="de-DE" dirty="0"/>
+              <a:t>    "B002": {"title": "</a:t>
+            </a:r>
+            <a:r>
+              <a:rPr lang="ru-RU" dirty="0"/>
+              <a:t>Наука о данных", "</a:t>
+            </a:r>
+            <a:r>
+              <a:rPr lang="de-DE" dirty="0" err="1"/>
+              <a:t>borrower</a:t>
+            </a:r>
+            <a:r>
+              <a:rPr lang="de-DE" dirty="0"/>
+              <a:t>": "</a:t>
+            </a:r>
+            <a:r>
+              <a:rPr lang="ru-RU" dirty="0"/>
+              <a:t>Боб", "</a:t>
+            </a:r>
+            <a:r>
+              <a:rPr lang="de-DE" dirty="0" err="1"/>
+              <a:t>due_date</a:t>
+            </a:r>
+            <a:r>
+              <a:rPr lang="de-DE" dirty="0"/>
+              <a:t>": 3, "</a:t>
+            </a:r>
+            <a:r>
+              <a:rPr lang="de-DE" dirty="0" err="1"/>
+              <a:t>fine_rate</a:t>
+            </a:r>
+            <a:r>
+              <a:rPr lang="de-DE" dirty="0"/>
+              <a:t>": 0.75},</a:t>
+            </a:r>
+          </a:p>
+          <a:p>
+            <a:pPr marL="114300" indent="0">
+              <a:buNone/>
+            </a:pPr>
+            <a:r>
+              <a:rPr lang="de-DE" dirty="0"/>
+              <a:t>    "B003": {"title": "</a:t>
+            </a:r>
+            <a:r>
+              <a:rPr lang="ru-RU" dirty="0"/>
+              <a:t>Введение в ИИ", "</a:t>
+            </a:r>
+            <a:r>
+              <a:rPr lang="de-DE" dirty="0" err="1"/>
+              <a:t>borrower</a:t>
+            </a:r>
+            <a:r>
+              <a:rPr lang="de-DE" dirty="0"/>
+              <a:t>": None, "</a:t>
+            </a:r>
+            <a:r>
+              <a:rPr lang="de-DE" dirty="0" err="1"/>
+              <a:t>due_date</a:t>
+            </a:r>
+            <a:r>
+              <a:rPr lang="de-DE" dirty="0"/>
+              <a:t>": 0, "</a:t>
+            </a:r>
+            <a:r>
+              <a:rPr lang="de-DE" dirty="0" err="1"/>
+              <a:t>fine_rate</a:t>
+            </a:r>
+            <a:r>
+              <a:rPr lang="de-DE" dirty="0"/>
+              <a:t>": 0.25},</a:t>
+            </a:r>
+          </a:p>
+          <a:p>
+            <a:pPr marL="114300" indent="0">
+              <a:buNone/>
+            </a:pPr>
+            <a:r>
+              <a:rPr lang="de-DE" dirty="0"/>
+              <a:t>    "B004": {"title": "</a:t>
+            </a:r>
+            <a:r>
+              <a:rPr lang="ru-RU" dirty="0"/>
+              <a:t>Алгоритмы", "</a:t>
+            </a:r>
+            <a:r>
+              <a:rPr lang="de-DE" dirty="0" err="1"/>
+              <a:t>borrower</a:t>
+            </a:r>
+            <a:r>
+              <a:rPr lang="de-DE" dirty="0"/>
+              <a:t>": "</a:t>
+            </a:r>
+            <a:r>
+              <a:rPr lang="ru-RU" dirty="0"/>
+              <a:t>Алиса", "</a:t>
+            </a:r>
+            <a:r>
+              <a:rPr lang="de-DE" dirty="0" err="1"/>
+              <a:t>due_date</a:t>
+            </a:r>
+            <a:r>
+              <a:rPr lang="de-DE" dirty="0"/>
+              <a:t>": 2, "</a:t>
+            </a:r>
+            <a:r>
+              <a:rPr lang="de-DE" dirty="0" err="1"/>
+              <a:t>fine_rate</a:t>
+            </a:r>
+            <a:r>
+              <a:rPr lang="de-DE" dirty="0"/>
+              <a:t>": 1.00}</a:t>
+            </a:r>
+          </a:p>
+          <a:p>
+            <a:pPr marL="114300" indent="0">
+              <a:buNone/>
+            </a:pPr>
+            <a:r>
+              <a:rPr lang="de-DE" dirty="0"/>
+              <a:t>}</a:t>
+            </a:r>
+            <a:endParaRPr lang="ru-RU" dirty="0"/>
+          </a:p>
+        </p:txBody>
+      </p:sp>
+    </p:spTree>
+    <p:extLst>
+      <p:ext uri="{BB962C8B-B14F-4D97-AF65-F5344CB8AC3E}">
+        <p14:creationId xmlns:p14="http://schemas.microsoft.com/office/powerpoint/2010/main" val="4292544257"/>
+      </p:ext>
+    </p:extLst>
+  </p:cSld>
+  <p:clrMapOvr>
+    <a:masterClrMapping/>
+  </p:clrMapOvr>
+</p:sld>
+</file>
+
 <file path=ppt/theme/theme1.xml><?xml version="1.0" encoding="utf-8"?>
-<a:theme xmlns:a="http://schemas.openxmlformats.org/drawingml/2006/main" xmlns:r="http://schemas.openxmlformats.org/officeDocument/2006/relationships" name="Simple Dark">
+<a:theme xmlns:a="http://schemas.openxmlformats.org/drawingml/2006/main" name="Simple Dark">
   <a:themeElements>
     <a:clrScheme name="Simple Dark">
       <a:dk1>
@@ -7594,11 +8438,13 @@
       </a:bgFillStyleLst>
     </a:fmtScheme>
   </a:themeElements>
+  <a:objectDefaults/>
+  <a:extraClrSchemeLst/>
 </a:theme>
 </file>
 
 <file path=ppt/theme/theme2.xml><?xml version="1.0" encoding="utf-8"?>
-<a:theme xmlns:a="http://schemas.openxmlformats.org/drawingml/2006/main" xmlns:r="http://schemas.openxmlformats.org/officeDocument/2006/relationships">
+<a:theme xmlns:a="http://schemas.openxmlformats.org/drawingml/2006/main">
   <a:themeElements>
     <a:clrScheme name="Default">
       <a:dk1>
@@ -7873,5 +8719,7 @@
       </a:bgFillStyleLst>
     </a:fmtScheme>
   </a:themeElements>
+  <a:objectDefaults/>
+  <a:extraClrSchemeLst/>
 </a:theme>
 </file>